--- a/PPTs/E-Voting_initial Presentation.pptx
+++ b/PPTs/E-Voting_initial Presentation.pptx
@@ -366,7 +366,7 @@
           <a:p>
             <a:fld id="{ED291B17-9318-49DB-B28B-6E5994AE9581}" type="datetime1">
               <a:rPr lang="en-US" smtClean="0"/>
-              <a:t>3/23/2021</a:t>
+              <a:t>3/24/2021</a:t>
             </a:fld>
             <a:endParaRPr lang="en-US" dirty="0"/>
           </a:p>
@@ -569,7 +569,7 @@
           <a:p>
             <a:fld id="{2CED4963-E985-44C4-B8C4-FDD613B7C2F8}" type="datetime1">
               <a:rPr lang="en-US" smtClean="0"/>
-              <a:t>3/23/2021</a:t>
+              <a:t>3/24/2021</a:t>
             </a:fld>
             <a:endParaRPr lang="en-US" dirty="0"/>
           </a:p>
@@ -931,7 +931,7 @@
           <a:p>
             <a:fld id="{ED291B17-9318-49DB-B28B-6E5994AE9581}" type="datetime1">
               <a:rPr lang="en-US" smtClean="0"/>
-              <a:t>3/23/2021</a:t>
+              <a:t>3/24/2021</a:t>
             </a:fld>
             <a:endParaRPr lang="en-US" dirty="0"/>
           </a:p>
@@ -1129,7 +1129,7 @@
           <a:p>
             <a:fld id="{78DD82B9-B8EE-4375-B6FF-88FA6ABB15D9}" type="datetime1">
               <a:rPr lang="en-US" smtClean="0"/>
-              <a:t>3/23/2021</a:t>
+              <a:t>3/24/2021</a:t>
             </a:fld>
             <a:endParaRPr lang="en-US" dirty="0"/>
           </a:p>
@@ -1441,7 +1441,7 @@
           <a:p>
             <a:fld id="{B2497495-0637-405E-AE64-5CC7506D51F5}" type="datetime1">
               <a:rPr lang="en-US" smtClean="0"/>
-              <a:t>3/23/2021</a:t>
+              <a:t>3/24/2021</a:t>
             </a:fld>
             <a:endParaRPr lang="en-US" dirty="0"/>
           </a:p>
@@ -1694,7 +1694,7 @@
           <a:p>
             <a:fld id="{7BFFD690-9426-415D-8B65-26881E07B2D4}" type="datetime1">
               <a:rPr lang="en-US" smtClean="0"/>
-              <a:t>3/23/2021</a:t>
+              <a:t>3/24/2021</a:t>
             </a:fld>
             <a:endParaRPr lang="en-US" dirty="0"/>
           </a:p>
@@ -2116,7 +2116,7 @@
           <a:p>
             <a:fld id="{04C4989A-474C-40DE-95B9-011C28B71673}" type="datetime1">
               <a:rPr lang="en-US" smtClean="0"/>
-              <a:t>3/23/2021</a:t>
+              <a:t>3/24/2021</a:t>
             </a:fld>
             <a:endParaRPr lang="en-US" dirty="0"/>
           </a:p>
@@ -2239,7 +2239,7 @@
           <a:p>
             <a:fld id="{5DB4ED54-5B5E-4A04-93D3-5772E3CE3818}" type="datetime1">
               <a:rPr lang="en-US" smtClean="0"/>
-              <a:t>3/23/2021</a:t>
+              <a:t>3/24/2021</a:t>
             </a:fld>
             <a:endParaRPr lang="en-US" dirty="0"/>
           </a:p>
@@ -2334,7 +2334,7 @@
           <a:p>
             <a:fld id="{4EDE50D6-574B-40AF-946F-D52A04ADE379}" type="datetime1">
               <a:rPr lang="en-US" smtClean="0"/>
-              <a:t>3/23/2021</a:t>
+              <a:t>3/24/2021</a:t>
             </a:fld>
             <a:endParaRPr lang="en-US" dirty="0"/>
           </a:p>
@@ -2711,7 +2711,7 @@
           <a:p>
             <a:fld id="{D82884F1-FFEA-405F-9602-3DCA865EDA4E}" type="datetime1">
               <a:rPr lang="en-US" smtClean="0"/>
-              <a:t>3/23/2021</a:t>
+              <a:t>3/24/2021</a:t>
             </a:fld>
             <a:endParaRPr lang="en-US" dirty="0"/>
           </a:p>
@@ -3004,7 +3004,7 @@
           <a:p>
             <a:fld id="{7E18DB4A-8810-4A10-AD5C-D5E2C667F5B3}" type="datetime1">
               <a:rPr lang="en-US" smtClean="0"/>
-              <a:t>3/23/2021</a:t>
+              <a:t>3/24/2021</a:t>
             </a:fld>
             <a:endParaRPr lang="en-US" dirty="0"/>
           </a:p>
@@ -3219,7 +3219,7 @@
           <a:p>
             <a:fld id="{ED291B17-9318-49DB-B28B-6E5994AE9581}" type="datetime1">
               <a:rPr lang="en-US" smtClean="0"/>
-              <a:t>3/23/2021</a:t>
+              <a:t>3/24/2021</a:t>
             </a:fld>
             <a:endParaRPr lang="en-US" dirty="0"/>
           </a:p>
@@ -4773,19 +4773,68 @@
           </a:fontRef>
         </p:style>
       </p:cxnSp>
-      <p:sp>
-        <p:nvSpPr>
-          <p:cNvPr id="4" name="OTLSHAPE_TB_00000000000000000000000000000000_ScaleContainer">
-            <a:extLst>
-              <a:ext uri="{FF2B5EF4-FFF2-40B4-BE49-F238E27FC236}">
-                <a16:creationId xmlns:a16="http://schemas.microsoft.com/office/drawing/2014/main" id="{1763AD1D-EFA4-4081-BDCD-04D1E35B22ED}"/>
-              </a:ext>
-            </a:extLst>
-          </p:cNvPr>
-          <p:cNvSpPr/>
+      <p:cxnSp>
+        <p:nvCxnSpPr>
+          <p:cNvPr id="15" name="OTLSHAPE_T_9c4f35ff857f4b13b952288e1a717b7f_HorizontalConnector1">
+            <a:extLst>
+              <a:ext uri="{FF2B5EF4-FFF2-40B4-BE49-F238E27FC236}">
+                <a16:creationId xmlns:a16="http://schemas.microsoft.com/office/drawing/2014/main" id="{9F1D6CB9-84B6-40AE-8FD2-B8B355BAB119}"/>
+              </a:ext>
+            </a:extLst>
+          </p:cNvPr>
+          <p:cNvCxnSpPr/>
           <p:nvPr>
             <p:custDataLst>
               <p:tags r:id="rId10"/>
+            </p:custDataLst>
+          </p:nvPr>
+        </p:nvCxnSpPr>
+        <p:spPr>
+          <a:xfrm>
+            <a:off x="3038856" y="2660594"/>
+            <a:ext cx="519749" cy="0"/>
+          </a:xfrm>
+          <a:prstGeom prst="line">
+            <a:avLst/>
+          </a:prstGeom>
+          <a:ln w="7620" cap="rnd" cmpd="sng" algn="ctr">
+            <a:solidFill>
+              <a:srgbClr val="CCCCCC"/>
+            </a:solidFill>
+            <a:prstDash val="solid"/>
+            <a:round/>
+            <a:headEnd type="none" w="med" len="med"/>
+            <a:tailEnd type="none" w="med" len="med"/>
+          </a:ln>
+        </p:spPr>
+        <p:style>
+          <a:lnRef idx="1">
+            <a:schemeClr val="accent1"/>
+          </a:lnRef>
+          <a:fillRef idx="0">
+            <a:schemeClr val="accent1"/>
+          </a:fillRef>
+          <a:effectRef idx="0">
+            <a:schemeClr val="accent1"/>
+          </a:effectRef>
+          <a:fontRef idx="minor">
+            <a:schemeClr val="tx1"/>
+          </a:fontRef>
+        </p:style>
+      </p:cxnSp>
+      <p:sp>
+        <p:nvSpPr>
+          <p:cNvPr id="4" name="OTLSHAPE_TB_00000000000000000000000000000000_ScaleContainer">
+            <a:extLst>
+              <a:ext uri="{FF2B5EF4-FFF2-40B4-BE49-F238E27FC236}">
+                <a16:creationId xmlns:a16="http://schemas.microsoft.com/office/drawing/2014/main" id="{1763AD1D-EFA4-4081-BDCD-04D1E35B22ED}"/>
+              </a:ext>
+            </a:extLst>
+          </p:cNvPr>
+          <p:cNvSpPr/>
+          <p:nvPr>
+            <p:custDataLst>
+              <p:tags r:id="rId11"/>
             </p:custDataLst>
           </p:nvPr>
         </p:nvSpPr>
@@ -4858,14 +4907,14 @@
           <p:cNvSpPr/>
           <p:nvPr>
             <p:custDataLst>
-              <p:tags r:id="rId11"/>
+              <p:tags r:id="rId12"/>
             </p:custDataLst>
           </p:nvPr>
         </p:nvSpPr>
         <p:spPr>
           <a:xfrm>
             <a:off x="741511" y="5143500"/>
-            <a:ext cx="7366000" cy="381000"/>
+            <a:ext cx="7416800" cy="381000"/>
           </a:xfrm>
           <a:prstGeom prst="snip2DiagRect">
             <a:avLst>
@@ -4933,13 +4982,13 @@
           <p:cNvSpPr/>
           <p:nvPr>
             <p:custDataLst>
-              <p:tags r:id="rId12"/>
+              <p:tags r:id="rId13"/>
             </p:custDataLst>
           </p:nvPr>
         </p:nvSpPr>
         <p:spPr>
           <a:xfrm>
-            <a:off x="8049881" y="5524500"/>
+            <a:off x="8091232" y="5524500"/>
             <a:ext cx="114300" cy="127000"/>
           </a:xfrm>
           <a:prstGeom prst="triangle">
@@ -5003,13 +5052,13 @@
           <p:cNvSpPr txBox="1"/>
           <p:nvPr>
             <p:custDataLst>
-              <p:tags r:id="rId13"/>
+              <p:tags r:id="rId14"/>
             </p:custDataLst>
           </p:nvPr>
         </p:nvSpPr>
         <p:spPr>
           <a:xfrm>
-            <a:off x="7924181" y="5651500"/>
+            <a:off x="7965532" y="5651500"/>
             <a:ext cx="368300" cy="186055"/>
           </a:xfrm>
           <a:prstGeom prst="rect">
@@ -5048,7 +5097,7 @@
           <p:cNvSpPr txBox="1"/>
           <p:nvPr>
             <p:custDataLst>
-              <p:tags r:id="rId14"/>
+              <p:tags r:id="rId15"/>
             </p:custDataLst>
           </p:nvPr>
         </p:nvSpPr>
@@ -5092,7 +5141,7 @@
           <p:cNvSpPr txBox="1"/>
           <p:nvPr>
             <p:custDataLst>
-              <p:tags r:id="rId15"/>
+              <p:tags r:id="rId16"/>
             </p:custDataLst>
           </p:nvPr>
         </p:nvSpPr>
@@ -5136,7 +5185,7 @@
           <p:cNvSpPr txBox="1"/>
           <p:nvPr>
             <p:custDataLst>
-              <p:tags r:id="rId16"/>
+              <p:tags r:id="rId17"/>
             </p:custDataLst>
           </p:nvPr>
         </p:nvSpPr>
@@ -5180,7 +5229,7 @@
           <p:cNvSpPr txBox="1"/>
           <p:nvPr>
             <p:custDataLst>
-              <p:tags r:id="rId17"/>
+              <p:tags r:id="rId18"/>
             </p:custDataLst>
           </p:nvPr>
         </p:nvSpPr>
@@ -5224,7 +5273,7 @@
           <p:cNvCxnSpPr/>
           <p:nvPr>
             <p:custDataLst>
-              <p:tags r:id="rId18"/>
+              <p:tags r:id="rId19"/>
             </p:custDataLst>
           </p:nvPr>
         </p:nvCxnSpPr>
@@ -5275,7 +5324,7 @@
           <p:cNvCxnSpPr/>
           <p:nvPr>
             <p:custDataLst>
-              <p:tags r:id="rId19"/>
+              <p:tags r:id="rId20"/>
             </p:custDataLst>
           </p:nvPr>
         </p:nvCxnSpPr>
@@ -5326,7 +5375,7 @@
           <p:cNvCxnSpPr/>
           <p:nvPr>
             <p:custDataLst>
-              <p:tags r:id="rId20"/>
+              <p:tags r:id="rId21"/>
             </p:custDataLst>
           </p:nvPr>
         </p:nvCxnSpPr>
@@ -5377,7 +5426,7 @@
           <p:cNvSpPr/>
           <p:nvPr>
             <p:custDataLst>
-              <p:tags r:id="rId21"/>
+              <p:tags r:id="rId22"/>
             </p:custDataLst>
           </p:nvPr>
         </p:nvSpPr>
@@ -5447,7 +5496,7 @@
           <p:cNvSpPr/>
           <p:nvPr>
             <p:custDataLst>
-              <p:tags r:id="rId22"/>
+              <p:tags r:id="rId23"/>
             </p:custDataLst>
           </p:nvPr>
         </p:nvSpPr>
@@ -5517,7 +5566,7 @@
           <p:cNvSpPr/>
           <p:nvPr>
             <p:custDataLst>
-              <p:tags r:id="rId23"/>
+              <p:tags r:id="rId24"/>
             </p:custDataLst>
           </p:nvPr>
         </p:nvSpPr>
@@ -5587,7 +5636,7 @@
           <p:cNvSpPr/>
           <p:nvPr>
             <p:custDataLst>
-              <p:tags r:id="rId24"/>
+              <p:tags r:id="rId25"/>
             </p:custDataLst>
           </p:nvPr>
         </p:nvSpPr>
@@ -5657,7 +5706,7 @@
           <p:cNvSpPr/>
           <p:nvPr>
             <p:custDataLst>
-              <p:tags r:id="rId25"/>
+              <p:tags r:id="rId26"/>
             </p:custDataLst>
           </p:nvPr>
         </p:nvSpPr>
@@ -5727,7 +5776,7 @@
           <p:cNvSpPr/>
           <p:nvPr>
             <p:custDataLst>
-              <p:tags r:id="rId26"/>
+              <p:tags r:id="rId27"/>
             </p:custDataLst>
           </p:nvPr>
         </p:nvSpPr>
@@ -5797,7 +5846,7 @@
           <p:cNvSpPr/>
           <p:nvPr>
             <p:custDataLst>
-              <p:tags r:id="rId27"/>
+              <p:tags r:id="rId28"/>
             </p:custDataLst>
           </p:nvPr>
         </p:nvSpPr>
@@ -5867,7 +5916,7 @@
           <p:cNvSpPr/>
           <p:nvPr>
             <p:custDataLst>
-              <p:tags r:id="rId28"/>
+              <p:tags r:id="rId29"/>
             </p:custDataLst>
           </p:nvPr>
         </p:nvSpPr>
@@ -5917,7 +5966,7 @@
           <p:cNvSpPr/>
           <p:nvPr>
             <p:custDataLst>
-              <p:tags r:id="rId29"/>
+              <p:tags r:id="rId30"/>
             </p:custDataLst>
           </p:nvPr>
         </p:nvSpPr>
@@ -5967,7 +6016,7 @@
           <p:cNvSpPr/>
           <p:nvPr>
             <p:custDataLst>
-              <p:tags r:id="rId30"/>
+              <p:tags r:id="rId31"/>
             </p:custDataLst>
           </p:nvPr>
         </p:nvSpPr>
@@ -6017,7 +6066,7 @@
           <p:cNvSpPr/>
           <p:nvPr>
             <p:custDataLst>
-              <p:tags r:id="rId31"/>
+              <p:tags r:id="rId32"/>
             </p:custDataLst>
           </p:nvPr>
         </p:nvSpPr>
@@ -6067,7 +6116,7 @@
           <p:cNvSpPr/>
           <p:nvPr>
             <p:custDataLst>
-              <p:tags r:id="rId32"/>
+              <p:tags r:id="rId33"/>
             </p:custDataLst>
           </p:nvPr>
         </p:nvSpPr>
@@ -6117,7 +6166,7 @@
           <p:cNvSpPr/>
           <p:nvPr>
             <p:custDataLst>
-              <p:tags r:id="rId33"/>
+              <p:tags r:id="rId34"/>
             </p:custDataLst>
           </p:nvPr>
         </p:nvSpPr>
@@ -6167,7 +6216,7 @@
           <p:cNvSpPr/>
           <p:nvPr>
             <p:custDataLst>
-              <p:tags r:id="rId34"/>
+              <p:tags r:id="rId35"/>
             </p:custDataLst>
           </p:nvPr>
         </p:nvSpPr>
@@ -6217,7 +6266,7 @@
           <p:cNvSpPr txBox="1"/>
           <p:nvPr>
             <p:custDataLst>
-              <p:tags r:id="rId35"/>
+              <p:tags r:id="rId36"/>
             </p:custDataLst>
           </p:nvPr>
         </p:nvSpPr>
@@ -6254,7 +6303,7 @@
           <p:cNvSpPr txBox="1"/>
           <p:nvPr>
             <p:custDataLst>
-              <p:tags r:id="rId36"/>
+              <p:tags r:id="rId37"/>
             </p:custDataLst>
           </p:nvPr>
         </p:nvSpPr>
@@ -6298,7 +6347,7 @@
           <p:cNvSpPr txBox="1"/>
           <p:nvPr>
             <p:custDataLst>
-              <p:tags r:id="rId37"/>
+              <p:tags r:id="rId38"/>
             </p:custDataLst>
           </p:nvPr>
         </p:nvSpPr>
@@ -6343,7 +6392,7 @@
           <p:cNvSpPr txBox="1"/>
           <p:nvPr>
             <p:custDataLst>
-              <p:tags r:id="rId38"/>
+              <p:tags r:id="rId39"/>
             </p:custDataLst>
           </p:nvPr>
         </p:nvSpPr>
@@ -6388,7 +6437,7 @@
           <p:cNvSpPr txBox="1"/>
           <p:nvPr>
             <p:custDataLst>
-              <p:tags r:id="rId39"/>
+              <p:tags r:id="rId40"/>
             </p:custDataLst>
           </p:nvPr>
         </p:nvSpPr>
@@ -6433,13 +6482,13 @@
           <p:cNvSpPr txBox="1"/>
           <p:nvPr>
             <p:custDataLst>
-              <p:tags r:id="rId40"/>
+              <p:tags r:id="rId41"/>
             </p:custDataLst>
           </p:nvPr>
         </p:nvSpPr>
         <p:spPr>
           <a:xfrm>
-            <a:off x="595949" y="2572964"/>
+            <a:off x="127000" y="2572964"/>
             <a:ext cx="2921000" cy="175260"/>
           </a:xfrm>
           <a:prstGeom prst="rect">
@@ -6453,9 +6502,8 @@
           </a:bodyPr>
           <a:lstStyle/>
           <a:p>
-            <a:pPr algn="r"/>
-            <a:r>
-              <a:rPr lang="en-US" sz="1200" spc="-4">
+            <a:r>
+              <a:rPr lang="en-US" sz="1200" spc="-4" dirty="0">
                 <a:solidFill>
                   <a:schemeClr val="dk1"/>
                 </a:solidFill>
@@ -6463,7 +6511,7 @@
               </a:rPr>
               <a:t>Learning About how the election process works</a:t>
             </a:r>
-            <a:endParaRPr lang="en-IN" sz="1200" spc="-4">
+            <a:endParaRPr lang="en-IN" sz="1200" spc="-4" dirty="0">
               <a:solidFill>
                 <a:schemeClr val="dk1"/>
               </a:solidFill>
@@ -6484,7 +6532,7 @@
           <p:cNvSpPr txBox="1"/>
           <p:nvPr>
             <p:custDataLst>
-              <p:tags r:id="rId41"/>
+              <p:tags r:id="rId42"/>
             </p:custDataLst>
           </p:nvPr>
         </p:nvSpPr>
@@ -6521,7 +6569,7 @@
           <p:cNvSpPr txBox="1"/>
           <p:nvPr>
             <p:custDataLst>
-              <p:tags r:id="rId42"/>
+              <p:tags r:id="rId43"/>
             </p:custDataLst>
           </p:nvPr>
         </p:nvSpPr>
@@ -6558,7 +6606,7 @@
           <p:cNvSpPr txBox="1"/>
           <p:nvPr>
             <p:custDataLst>
-              <p:tags r:id="rId43"/>
+              <p:tags r:id="rId44"/>
             </p:custDataLst>
           </p:nvPr>
         </p:nvSpPr>
@@ -6603,7 +6651,7 @@
           <p:cNvSpPr txBox="1"/>
           <p:nvPr>
             <p:custDataLst>
-              <p:tags r:id="rId44"/>
+              <p:tags r:id="rId45"/>
             </p:custDataLst>
           </p:nvPr>
         </p:nvSpPr>
@@ -6647,7 +6695,7 @@
           <p:cNvSpPr txBox="1"/>
           <p:nvPr>
             <p:custDataLst>
-              <p:tags r:id="rId45"/>
+              <p:tags r:id="rId46"/>
             </p:custDataLst>
           </p:nvPr>
         </p:nvSpPr>
@@ -6692,7 +6740,7 @@
           <p:cNvSpPr txBox="1"/>
           <p:nvPr>
             <p:custDataLst>
-              <p:tags r:id="rId46"/>
+              <p:tags r:id="rId47"/>
             </p:custDataLst>
           </p:nvPr>
         </p:nvSpPr>
@@ -6736,7 +6784,7 @@
           <p:cNvSpPr txBox="1"/>
           <p:nvPr>
             <p:custDataLst>
-              <p:tags r:id="rId47"/>
+              <p:tags r:id="rId48"/>
             </p:custDataLst>
           </p:nvPr>
         </p:nvSpPr>
@@ -6773,7 +6821,7 @@
           <p:cNvSpPr txBox="1"/>
           <p:nvPr>
             <p:custDataLst>
-              <p:tags r:id="rId48"/>
+              <p:tags r:id="rId49"/>
             </p:custDataLst>
           </p:nvPr>
         </p:nvSpPr>
@@ -6810,7 +6858,7 @@
           <p:cNvSpPr txBox="1"/>
           <p:nvPr>
             <p:custDataLst>
-              <p:tags r:id="rId49"/>
+              <p:tags r:id="rId50"/>
             </p:custDataLst>
           </p:nvPr>
         </p:nvSpPr>
@@ -6855,7 +6903,7 @@
           <p:cNvSpPr txBox="1"/>
           <p:nvPr>
             <p:custDataLst>
-              <p:tags r:id="rId50"/>
+              <p:tags r:id="rId51"/>
             </p:custDataLst>
           </p:nvPr>
         </p:nvSpPr>
@@ -6900,7 +6948,7 @@
           <p:cNvSpPr txBox="1"/>
           <p:nvPr>
             <p:custDataLst>
-              <p:tags r:id="rId51"/>
+              <p:tags r:id="rId52"/>
             </p:custDataLst>
           </p:nvPr>
         </p:nvSpPr>
@@ -6945,7 +6993,7 @@
           <p:cNvSpPr txBox="1"/>
           <p:nvPr>
             <p:custDataLst>
-              <p:tags r:id="rId52"/>
+              <p:tags r:id="rId53"/>
             </p:custDataLst>
           </p:nvPr>
         </p:nvSpPr>
@@ -6989,7 +7037,7 @@
           <p:cNvSpPr txBox="1"/>
           <p:nvPr>
             <p:custDataLst>
-              <p:tags r:id="rId53"/>
+              <p:tags r:id="rId54"/>
             </p:custDataLst>
           </p:nvPr>
         </p:nvSpPr>
@@ -7026,7 +7074,7 @@
           <p:cNvSpPr txBox="1"/>
           <p:nvPr>
             <p:custDataLst>
-              <p:tags r:id="rId54"/>
+              <p:tags r:id="rId55"/>
             </p:custDataLst>
           </p:nvPr>
         </p:nvSpPr>
@@ -7063,7 +7111,7 @@
           <p:cNvSpPr txBox="1"/>
           <p:nvPr>
             <p:custDataLst>
-              <p:tags r:id="rId55"/>
+              <p:tags r:id="rId56"/>
             </p:custDataLst>
           </p:nvPr>
         </p:nvSpPr>
@@ -7108,7 +7156,7 @@
           <p:cNvSpPr txBox="1"/>
           <p:nvPr>
             <p:custDataLst>
-              <p:tags r:id="rId56"/>
+              <p:tags r:id="rId57"/>
             </p:custDataLst>
           </p:nvPr>
         </p:nvSpPr>
@@ -7153,7 +7201,7 @@
           <p:cNvSpPr txBox="1"/>
           <p:nvPr>
             <p:custDataLst>
-              <p:tags r:id="rId57"/>
+              <p:tags r:id="rId58"/>
             </p:custDataLst>
           </p:nvPr>
         </p:nvSpPr>
@@ -7198,7 +7246,7 @@
           <p:cNvSpPr txBox="1"/>
           <p:nvPr>
             <p:custDataLst>
-              <p:tags r:id="rId58"/>
+              <p:tags r:id="rId59"/>
             </p:custDataLst>
           </p:nvPr>
         </p:nvSpPr>
@@ -7248,7 +7296,7 @@
           <p:cNvSpPr txBox="1"/>
           <p:nvPr>
             <p:custDataLst>
-              <p:tags r:id="rId59"/>
+              <p:tags r:id="rId60"/>
             </p:custDataLst>
           </p:nvPr>
         </p:nvSpPr>
@@ -7285,7 +7333,7 @@
           <p:cNvSpPr txBox="1"/>
           <p:nvPr>
             <p:custDataLst>
-              <p:tags r:id="rId60"/>
+              <p:tags r:id="rId61"/>
             </p:custDataLst>
           </p:nvPr>
         </p:nvSpPr>
@@ -7322,7 +7370,7 @@
           <p:cNvSpPr txBox="1"/>
           <p:nvPr>
             <p:custDataLst>
-              <p:tags r:id="rId61"/>
+              <p:tags r:id="rId62"/>
             </p:custDataLst>
           </p:nvPr>
         </p:nvSpPr>
@@ -7367,7 +7415,7 @@
           <p:cNvSpPr txBox="1"/>
           <p:nvPr>
             <p:custDataLst>
-              <p:tags r:id="rId62"/>
+              <p:tags r:id="rId63"/>
             </p:custDataLst>
           </p:nvPr>
         </p:nvSpPr>
@@ -7412,7 +7460,7 @@
           <p:cNvSpPr txBox="1"/>
           <p:nvPr>
             <p:custDataLst>
-              <p:tags r:id="rId63"/>
+              <p:tags r:id="rId64"/>
             </p:custDataLst>
           </p:nvPr>
         </p:nvSpPr>
@@ -7457,7 +7505,7 @@
           <p:cNvSpPr txBox="1"/>
           <p:nvPr>
             <p:custDataLst>
-              <p:tags r:id="rId64"/>
+              <p:tags r:id="rId65"/>
             </p:custDataLst>
           </p:nvPr>
         </p:nvSpPr>
@@ -7507,7 +7555,7 @@
           <p:cNvSpPr txBox="1"/>
           <p:nvPr>
             <p:custDataLst>
-              <p:tags r:id="rId65"/>
+              <p:tags r:id="rId66"/>
             </p:custDataLst>
           </p:nvPr>
         </p:nvSpPr>
@@ -7544,7 +7592,7 @@
           <p:cNvSpPr txBox="1"/>
           <p:nvPr>
             <p:custDataLst>
-              <p:tags r:id="rId66"/>
+              <p:tags r:id="rId67"/>
             </p:custDataLst>
           </p:nvPr>
         </p:nvSpPr>
@@ -7581,7 +7629,7 @@
           <p:cNvSpPr txBox="1"/>
           <p:nvPr>
             <p:custDataLst>
-              <p:tags r:id="rId67"/>
+              <p:tags r:id="rId68"/>
             </p:custDataLst>
           </p:nvPr>
         </p:nvSpPr>
@@ -7626,7 +7674,7 @@
           <p:cNvSpPr txBox="1"/>
           <p:nvPr>
             <p:custDataLst>
-              <p:tags r:id="rId68"/>
+              <p:tags r:id="rId69"/>
             </p:custDataLst>
           </p:nvPr>
         </p:nvSpPr>
@@ -7671,7 +7719,7 @@
           <p:cNvSpPr txBox="1"/>
           <p:nvPr>
             <p:custDataLst>
-              <p:tags r:id="rId69"/>
+              <p:tags r:id="rId70"/>
             </p:custDataLst>
           </p:nvPr>
         </p:nvSpPr>
@@ -7716,7 +7764,7 @@
           <p:cNvSpPr txBox="1"/>
           <p:nvPr>
             <p:custDataLst>
-              <p:tags r:id="rId70"/>
+              <p:tags r:id="rId71"/>
             </p:custDataLst>
           </p:nvPr>
         </p:nvSpPr>
@@ -7766,7 +7814,7 @@
           <p:cNvSpPr txBox="1"/>
           <p:nvPr>
             <p:custDataLst>
-              <p:tags r:id="rId71"/>
+              <p:tags r:id="rId72"/>
             </p:custDataLst>
           </p:nvPr>
         </p:nvSpPr>
@@ -7803,7 +7851,7 @@
           <p:cNvSpPr txBox="1"/>
           <p:nvPr>
             <p:custDataLst>
-              <p:tags r:id="rId72"/>
+              <p:tags r:id="rId73"/>
             </p:custDataLst>
           </p:nvPr>
         </p:nvSpPr>
@@ -7840,7 +7888,7 @@
           <p:cNvSpPr txBox="1"/>
           <p:nvPr>
             <p:custDataLst>
-              <p:tags r:id="rId73"/>
+              <p:tags r:id="rId74"/>
             </p:custDataLst>
           </p:nvPr>
         </p:nvSpPr>
@@ -7885,7 +7933,7 @@
           <p:cNvSpPr txBox="1"/>
           <p:nvPr>
             <p:custDataLst>
-              <p:tags r:id="rId74"/>
+              <p:tags r:id="rId75"/>
             </p:custDataLst>
           </p:nvPr>
         </p:nvSpPr>
@@ -7930,7 +7978,7 @@
           <p:cNvSpPr txBox="1"/>
           <p:nvPr>
             <p:custDataLst>
-              <p:tags r:id="rId75"/>
+              <p:tags r:id="rId76"/>
             </p:custDataLst>
           </p:nvPr>
         </p:nvSpPr>
@@ -7975,7 +8023,7 @@
           <p:cNvSpPr txBox="1"/>
           <p:nvPr>
             <p:custDataLst>
-              <p:tags r:id="rId76"/>
+              <p:tags r:id="rId77"/>
             </p:custDataLst>
           </p:nvPr>
         </p:nvSpPr>
@@ -10047,7 +10095,7 @@
 
 <file path=ppt/tags/tag1.xml><?xml version="1.0" encoding="utf-8"?>
 <p:tagLst xmlns:a="http://schemas.openxmlformats.org/drawingml/2006/main" xmlns:r="http://schemas.openxmlformats.org/officeDocument/2006/relationships" xmlns:p="http://schemas.openxmlformats.org/presentationml/2006/main">
-  <p:tag name="__PART_0" val="eyIkaWQiOiIxIiwiQ3VsdHVyZUluZm9OYW1lIjoiZW4tVVMiLCJTdHlsZU5hbWUiOm51bGwsIlZlcnNpb24iOnsiJGlkIjoiMiIsIlZlcnNpb24iOiIzLjIuMCIsIk9yaWdpbmFsQXNzZW1ibHlWZXJzaW9uIjoiNC4wMC4wNS4wMCIsIkVkaXRpb24iOiJQcm8iLCJJc1BsdXNFZGl0aW9uIjp0cnVlLCJJc1Byb0VkaXRpb24iOnRydWV9LCJFZmZlY3QiOjAsIlN0eWxlIjp7IiRpZCI6IjMiLCJUaW1lYmFuZFN0eWxlIjp7IiRpZCI6IjQiLCJTY2FsZU1hcmtpbmciOjAsIlNoYXBlIjo2LCJTaGFwZVN0eWxlIjp7IiRpZCI6IjUiLCJNYXJnaW4iOnsiJGlkIjoiNiIsIlRvcCI6MCwiTGVmdCI6MTAsIlJpZ2h0IjoxMCwiQm90dG9tIjowfSwiUGFkZGluZyI6eyIkaWQiOiI3IiwiVG9wIjozLCJMZWZ0IjoxMywiUmlnaHQiOjEzLCJCb3R0b20iOjN9LCJCYWNrZ3JvdW5kIjp7IiRpZCI6IjgiLCJDb2xvciI6eyIkaWQiOiI5IiwiQSI6MjU1LCJSIjo2OCwiRyI6ODQsIkIiOjEwNn19LCJJc1Zpc2libGUiOnRydWUsIldpZHRoIjo4NTguMCwiSGVpZ2h0IjozMC4wLCJCb3JkZXJTdHlsZSI6eyIkaWQiOiIxMCIsIkxpbmVDb2xvciI6eyIkaWQiOiIxMSIsIiR0eXBlIjoiTkxSRS5Db21tb24uRG9tLlNvbGlkQ29sb3JCcnVzaCwgTkxSRS5Db21tb24iLCJDb2xvciI6eyIkaWQiOiIxMiIsIkEiOjI1NSwiUiI6MjU1LCJHIjowLCJCIjowfX0sIkxpbmVXZWlnaHQiOjAuMCwiTGluZVR5cGUiOjAsIlBhcmVudFN0eWxlIjpudWxsfSwiUGFyZW50U3R5bGUiOm51bGx9LCJSaWdodEVuZENhcHNTdHlsZSI6eyIkaWQiOiIxMyIsIkZvbnRTZXR0aW5ncyI6eyIkaWQiOiIxNCIsIkZvbnRTaXplIjoxNCwiRm9udE5hbWUiOiJDYWxpYnJpIiwiSXNCb2xkIjp0cnVlLCJJc0l0YWxpYyI6ZmFsc2UsIklzVW5kZXJsaW5lZCI6ZmFsc2UsIlBhcmVudFN0eWxlIjpudWxsfSwiQXV0b1NpemUiOjAsIkZvcmVncm91bmQiOnsiJGlkIjoiMTUiLCJDb2xvciI6eyIkaWQiOiIxNiIsIkEiOjI1NSwiUiI6MjM3LCJHIjoxMjUsIkIiOjQ5fX0sIk1heFdpZHRoIjoiSW5maW5pdHkiLCJNYXhIZWlnaHQiOiJJbmZpbml0eSIsIlNtYXJ0Rm9yZWdyb3VuZElzQWN0aXZlIjpmYWxzZSwiSG9yaXpvbnRhbEFsaWdubWVudCI6MCwiVmVydGljYWxBbGlnbm1lbnQiOjAsIlNtYXJ0Rm9yZWdyb3VuZCI6bnVsbCwiQmFja2dyb3VuZEZpbGxUeXBlIjowLCJNYXJnaW4iOnsiJGlkIjoiMTciLCJUb3AiOjAsIkxlZnQiOjAsIlJpZ2h0IjoyMCwiQm90dG9tIjowfSwiUGFkZGluZyI6eyIkaWQiOiIxOCIsIlRvcCI6MCwiTGVmdCI6MCwiUmlnaHQiOjAsIkJvdHRvbSI6MH0sIkJhY2tncm91bmQiOnsiJGlkIjoiMTkiLCJDb2xvciI6eyIkaWQiOiIyMCIsIkEiOjg5LCJSIjowLCJHIjowLCJCIjowfX0sIklzVmlzaWJsZSI6dHJ1ZSwiV2lkdGgiOjAuMCwiSGVpZ2h0IjowLjAsIkJvcmRlclN0eWxlIjpudWxsLCJQYXJlbnRTdHlsZSI6bnVsbH0sIkxlZnRFbmRDYXBzU3R5bGUiOnsiJGlkIjoiMjEiLCJGb250U2V0dGluZ3MiOnsiJGlkIjoiMjIiLCJGb250U2l6ZSI6MTQsIkZvbnROYW1lIjoiQ2FsaWJyaSIsIklzQm9sZCI6dHJ1ZSwiSXNJdGFsaWMiOmZhbHNlLCJJc1VuZGVybGluZWQiOmZhbHNlLCJQYXJlbnRTdHlsZSI6bnVsbH0sIkF1dG9TaXplIjowLCJGb3JlZ3JvdW5kIjp7IiRpZCI6IjIzIiwiQ29sb3IiOnsiJGlkIjoiMjQiLCJBIjoyNTUsIlIiOjIzNywiRyI6MTI1LCJCIjo0OX19LCJNYXhXaWR0aCI6IkluZmluaXR5IiwiTWF4SGVpZ2h0IjoiSW5maW5pdHkiLCJTbWFydEZvcmVncm91bmRJc0FjdGl2ZSI6ZmFsc2UsIkhvcml6b250YWxBbGlnbm1lbnQiOjAsIlZlcnRpY2FsQWxpZ25tZW50IjowLCJTbWFydEZvcmVncm91bmQiOm51bGwsIkJhY2tncm91bmRGaWxsVHlwZSI6MCwiTWFyZ2luIjp7IiRpZCI6IjI1IiwiVG9wIjowLCJMZWZ0IjoyMCwiUmlnaHQiOjAsIkJvdHRvbSI6MH0sIlBhZGRpbmciOnsiJGlkIjoiMjYiLCJUb3AiOjAsIkxlZnQiOjAsIlJpZ2h0IjowLCJCb3R0b20iOjB9LCJCYWNrZ3JvdW5kIjp7IiRpZCI6IjI3IiwiQ29sb3IiOnsiJHJlZiI6IjIwIn19LCJJc1Zpc2libGUiOnRydWUsIldpZHRoIjowLjAsIkhlaWdodCI6MC4wLCJCb3JkZXJTdHlsZSI6bnVsbCwiUGFyZW50U3R5bGUiOm51bGx9LCJUb2RheVRleHRTdHlsZSI6eyIkaWQiOiIyOCIsIkZvbnRTZXR0aW5ncyI6eyIkaWQiOiIyOSIsIkZvbnRTaXplIjoxMiwiRm9udE5hbWUiOiJDYWxpYnJpIiwiSXNCb2xkIjpmYWxzZSwiSXNJdGFsaWMiOmZhbHNlLCJJc1VuZGVybGluZWQiOmZhbHNlLCJQYXJlbnRTdHlsZSI6bnVsbH0sIkF1dG9TaXplIjowLCJGb3JlZ3JvdW5kIjp7IiRpZCI6IjMwIiwiQ29sb3IiOnsiJGlkIjoiMzEiLCJBIjoyNTUsIlIiOjAsIkciOjAsIkIiOjB9fSwiTWF4V2lkdGgiOjIwMC4wLCJNYXhIZWlnaHQiOiJJbmZpbml0eSIsIlNtYXJ0Rm9yZWdyb3VuZElzQWN0aXZlIjpmYWxzZSwiSG9yaXpvbnRhbEFsaWdubWVudCI6MCwiVmVydGljYWxBbGlnbm1lbnQiOjAsIlNtYXJ0Rm9yZWdyb3VuZCI6bnVsbCwiQmFja2dyb3VuZEZpbGxUeXBlIjowLCJNYXJnaW4iOnsiJGlkIjoiMzIiLCJUb3AiOjAsIkxlZnQiOjAsIlJpZ2h0IjowLCJCb3R0b20iOjB9LCJQYWRkaW5nIjp7IiRpZCI6IjMzIiwiVG9wIjowLCJMZWZ0IjowLCJSaWdodCI6MCwiQm90dG9tIjowfSwiQmFja2dyb3VuZCI6eyIkaWQiOiIzNCIsIkNvbG9yIjp7IiRyZWYiOiIyMCJ9fSwiSXNWaXNpYmxlIjp0cnVlLCJXaWR0aCI6MC4wLCJIZWlnaHQiOjAuMCwiQm9yZGVyU3R5bGUiOm51bGwsIlBhcmVudFN0eWxlIjpudWxsfSwiVG9kYXlNYXJrZXJTdHlsZSI6eyIkaWQiOiIzNSIsIk1hcmdpbiI6eyIkaWQiOiIzNiIsIlRvcCI6MCwiTGVmdCI6MCwiUmlnaHQiOjAsIkJvdHRvbSI6MH0sIlBhZGRpbmciOnsiJGlkIjoiMzciLCJUb3AiOjAsIkxlZnQiOjAsIlJpZ2h0IjowLCJCb3R0b20iOjB9LCJCYWNrZ3JvdW5kIjp7IiRpZCI6IjM4IiwiQ29sb3IiOnsiJGlkIjoiMzkiLCJBIjoyNTUsIlIiOjI1NSwiRyI6MCwiQiI6MH19LCJJc1Zpc2libGUiOnRydWUsIldpZHRoIjowLjAsIkhlaWdodCI6MC4wLCJCb3JkZXJTdHlsZSI6bnVsbCwiUGFyZW50U3R5bGUiOm51bGx9LCJTY2FsZVN0eWxlIjp7IiRpZCI6IjQwIiwiU2hvd1NlZ21lbnRTZXBhcmF0b3JzIjp0cnVlLCJTZWdtZW50U2VwYXJhdG9yT3BhY2l0eSI6MzAsIkZvbnRTZXR0aW5ncyI6eyIkaWQiOiI0MSIsIkZvbnRTaXplIjoxMiwiRm9udE5hbWUiOiJDYWxpYnJpIiwiSXNCb2xkIjpmYWxzZSwiSXNJdGFsaWMiOmZhbHNlLCJJc1VuZGVybGluZWQiOmZhbHNlLCJQYXJlbnRTdHlsZSI6bnVsbH0sIkF1dG9TaXplIjowLCJGb3JlZ3JvdW5kIjp7IiRpZCI6IjQyIiwiQ29sb3IiOnsiJGlkIjoiNDMiLCJBIjoyNTUsIlIiOjI1NSwiRyI6MjU1LCJCIjoyNTV9fSwiTWF4V2lkdGgiOjIwMC4wLCJNYXhIZWlnaHQiOiJJbmZpbml0eSIsIlNtYXJ0Rm9yZWdyb3VuZElzQWN0aXZlIjpmYWxzZSwiSG9yaXpvbnRhbEFsaWdubWVudCI6MCwiVmVydGljYWxBbGlnbm1lbnQiOjEsIlNtYXJ0Rm9yZWdyb3VuZCI6bnVsbCwiQmFja2dyb3VuZEZpbGxUeXBlIjowLCJNYXJnaW4iOnsiJGlkIjoiNDQiLCJUb3AiOjAsIkxlZnQiOjUsIlJpZ2h0IjowLCJCb3R0b20iOjB9LCJQYWRkaW5nIjp7IiRpZCI6IjQ1IiwiVG9wIjowLCJMZWZ0IjowLCJSaWdodCI6MCwiQm90dG9tIjowfSwiQmFja2dyb3VuZCI6eyIkaWQiOiI0NiIsIkNvbG9yIjp7IiRyZWYiOiIyMCJ9fSwiSXNWaXNpYmxlIjp0cnVlLCJXaWR0aCI6MC4wLCJIZWlnaHQiOjAuMCwiQm9yZGVyU3R5bGUiOm51bGwsIlBhcmVudFN0eWxlIjpudWxsfSwiRWxhcHNlZFRpbWVCYWNrZ3JvdW5kIjp7IiRpZCI6IjQ3IiwiQ29sb3IiOnsiJGlkIjoiNDgiLCJBIjo3NywiUiI6MCwiRyI6MCwiQiI6MH19LCJBcHBlbmRZZWFyT25ZZWFyQ2hhbmdlIjp0cnVlLCJFbGFwc2VkVGltZUZvcm1hdCI6MSwiVG9kYXlNYXJrZXJQb3NpdGlvbiI6MywiUXVpY2tQb3NpdGlvbiI6MiwiQWJzb2x1dGVQb3NpdGlvbiI6NDA1LjAsIk1hcmdpbiI6eyIkaWQiOiI0OSIsIlRvcCI6MCwiTGVmdCI6MTAsIlJpZ2h0IjoxMCwiQm90dG9tIjowfSwiUGFkZGluZyI6eyIkaWQiOiI1MCIsIlRvcCI6MCwiTGVmdCI6MCwiUmlnaHQiOjAsIkJvdHRvbSI6MH0sIkJhY2tncm91bmQiOnsiJGlkIjoiNTEiLCJDb2xvciI6eyIkaWQiOiI1MiIsIkEiOjI1NSwiUiI6NjgsIkciOjg0LCJCIjoxMDZ9fSwiSXNWaXNpYmxlIjp0cnVlLCJXaWR0aCI6MC4wLCJIZWlnaHQiOjAuMCwiQm9yZGVyU3R5bGUiOm51bGwsIlBhcmVudFN0eWxlIjpudWxsfSwiRGVmYXVsdE1pbGVzdG9uZVN0eWxlIjp7IiRpZCI6IjUzIiwiU2hhcGUiOjMsIkNvbm5lY3Rvck1hcmdpbiI6eyIkaWQiOiI1NCIsIlRvcCI6MCwiTGVmdCI6MiwiUmlnaHQiOjIsIkJvdHRvbSI6MH0sIkNvbm5lY3RvclN0eWxlIjp7IiRpZCI6IjU1IiwiTGluZUNvbG9yIjp7IiRpZCI6IjU2IiwiJHR5cGUiOiJOTFJFLkNvbW1vbi5Eb20uU29saWRDb2xvckJydXNoLCBOTFJFLkNvbW1vbiIsIkNvbG9yIjp7IiRpZCI6IjU3IiwiQSI6MTI3LCJSIjo3OSwiRyI6MTI5LCJCIjoxODl9fSwiTGluZVdlaWdodCI6MS4wLCJMaW5lVHlwZSI6MCwiUGFyZW50U3R5bGUiOm51bGx9LCJJc0JlbG93VGltZWJhbmQiOmZhbHNlLCJQb3NpdGlvbk9uVGFzayI6MCwiSGlkZURhdGUiOmZhbHNlLCJTaGFwZVNpemUiOjEsIlNwYWNpbmciOjIuMCwiUGFkZGluZyI6eyIkaWQiOiI1OCIsIlRvcCI6NywiTGVmdCI6MywiUmlnaHQiOjAsIkJvdHRvbSI6Mn0sIlNoYXBlU3R5bGUiOnsiJGlkIjoiNTkiLCJNYXJnaW4iOnsiJGlkIjoiNjAiLCJUb3AiOjAsIkxlZnQiOjAsIlJpZ2h0IjowLCJCb3R0b20iOjB9LCJQYWRkaW5nIjp7IiRpZCI6IjYxIiwiVG9wIjowLCJMZWZ0IjowLCJSaWdodCI6MCwiQm90dG9tIjowfSwiQmFja2dyb3VuZCI6eyIkaWQiOiI2MiIsIkNvbG9yIjp7IiRpZCI6IjYzIiwiQSI6MjU1LCJSIjowLCJHIjoxMTQsIkIiOjE4OH19LCJJc1Zpc2libGUiOnRydWUsIldpZHRoIjoxOC4wLCJIZWlnaHQiOjIwLjAsIkJvcmRlclN0eWxlIjp7IiRpZCI6IjY0IiwiTGluZUNvbG9yIjp7IiRpZCI6IjY1IiwiJHR5cGUiOiJOTFJFLkNvbW1vbi5Eb20uU29saWRDb2xvckJydXNoLCBOTFJFLkNvbW1vbiIsIkNvbG9yIjp7IiRpZCI6IjY2IiwiQSI6MjU1LCJSIjoyNTUsIkciOjAsIkIiOjB9fSwiTGluZVdlaWdodCI6MC4wLCJMaW5lVHlwZSI6MCwiUGFyZW50U3R5bGUiOm51bGx9LCJQYXJlbnRTdHlsZSI6bnVsbH0sIlRpdGxlU3R5bGUiOnsiJGlkIjoiNjciLCJGb250U2V0dGluZ3MiOnsiJGlkIjoiNjgiLCJGb250U2l6ZSI6MTEsIkZvbnROYW1lIjoiQ2FsaWJyaSIsIklzQm9sZCI6ZmFsc2UsIklzSXRhbGljIjpmYWxzZSwiSXNVbmRlcmxpbmVkIjpmYWxzZSwiUGFyZW50U3R5bGUiOm51bGx9LCJBdXRvU2l6ZSI6MCwiRm9yZWdyb3VuZCI6eyIkaWQiOiI2OSIsIkNvbG9yIjp7IiRpZCI6IjcwIiwiQSI6MjU1LCJSIjowLCJHIjowLCJCIjowfX0sIk1heFdpZHRoIjoyMDAuMCwiTWF4SGVpZ2h0IjoiSW5maW5pdHkiLCJTbWFydEZvcmVncm91bmRJc0FjdGl2ZSI6ZmFsc2UsIkhvcml6b250YWxBbGlnbm1lbnQiOjEsIlZlcnRpY2FsQWxpZ25tZW50IjowLCJTbWFydEZvcmVncm91bmQiOm51bGwsIkJhY2tncm91bmRGaWxsVHlwZSI6MCwiTWFyZ2luIjp7IiRpZCI6IjcxIiwiVG9wIjowLCJMZWZ0IjowLCJSaWdodCI6MCwiQm90dG9tIjowfSwiUGFkZGluZyI6eyIkaWQiOiI3MiIsIlRvcCI6MCwiTGVmdCI6MCwiUmlnaHQiOjAsIkJvdHRvbSI6MH0sIkJhY2tncm91bmQiOnsiJGlkIjoiNzMiLCJDb2xvciI6eyIkcmVmIjoiMjAifX0sIklzVmlzaWJsZSI6dHJ1ZSwiV2lkdGgiOjAuMCwiSGVpZ2h0IjowLjAsIkJvcmRlclN0eWxlIjpudWxsLCJQYXJlbnRTdHlsZSI6bnVsbH0sIkRhdGVTdHlsZSI6eyIkaWQiOiI3NCIsIkZvbnRTZXR0aW5ncyI6eyIkaWQiOiI3NSIsIkZvbnRTaXplIjoxMCwiRm9udE5hbWUiOiJDYWxpYnJpIiwiSXNCb2xkIjpmYWxzZSwiSXNJdGFsaWMiOmZhbHNlLCJJc1VuZGVybGluZWQiOmZhbHNlLCJQYXJlbnRTdHlsZSI6bnVsbH0sIkF1dG9TaXplIjowLCJGb3JlZ3JvdW5kIjp7IiRpZCI6Ijc2IiwiQ29sb3IiOnsiJGlkIjoiNzciLCJBIjoyNTUsIlIiOjY4LCJHIjo4NCwiQiI6MTA2fX0sIk1heFdpZHRoIjoyMDAuMCwiTWF4SGVpZ2h0IjoiSW5maW5pdHkiLCJTbWFydEZvcmVncm91bmRJc0FjdGl2ZSI6ZmFsc2UsIkhvcml6b250YWxBbGlnbm1lbnQiOjAsIlZlcnRpY2FsQWxpZ25tZW50IjowLCJTbWFydEZvcmVncm91bmQiOm51bGwsIkJhY2tncm91bmRGaWxsVHlwZSI6MCwiTWFyZ2luIjp7IiRpZCI6Ijc4IiwiVG9wIjowLCJMZWZ0IjowLCJSaWdodCI6MCwiQm90dG9tIjowfSwiUGFkZGluZyI6eyIkaWQiOiI3OSIsIlRvcCI6MCwiTGVmdCI6MCwiUmlnaHQiOjAsIkJvdHRvbSI6MH0sIkJhY2tncm91bmQiOnsiJGlkIjoiODAiLCJDb2xvciI6eyIkcmVmIjoiMjAifX0sIklzVmlzaWJsZSI6dHJ1ZSwiV2lkdGgiOjAuMCwiSGVpZ2h0IjowLjAsIkJvcmRlclN0eWxlIjpudWxsLCJQYXJlbnRTdHlsZSI6bnVsbH0sIkRhdGVGb3JtYXQiOnsiJGlkIjoiODEiLCJGb3JtYXRTdHJpbmciOiJNTU0gZCIsIlNlcGFyYXRvciI6Ii8iLCJVc2VJbnRlcm5hdGlvbmFsRGF0ZUZvcm1hdCI6ZmFsc2UsIkRhdGVJc1Zpc2libGUiOnRydWUsIlRpbWVJc1Zpc2libGUiOmZhbHNlLCJIb3VyRGlnaXRzIjoxLCJBbVBtRGVzaWduYXRvciI6MiwiVHJpbTAwTWludXRlcyI6ZmFsc2UsIkxhc3RLbm93blZpc2liaWxpdHlTdGF0ZSI6bnVsbH0sIklzVmlzaWJsZSI6dHJ1ZSwiUGFyZW50U3R5bGUiOm51bGx9LCJEZWZhdWx0VGFza1N0eWxlIjp7IiRpZCI6IjgyIiwiU2hhcGUiOjcsIlNoYXBlVGhpY2tuZXNzIjoxLCJEdXJhdGlvbkZvcm1hdCI6NSwiSW5jbHVkZU5vbldvcmtpbmdEYXlzSW5EdXJhdGlvbiI6ZmFsc2UsIlBlcmNlbnRhZ2VDb21wbGV0ZVN0eWxlIjp7IiRpZCI6IjgzIiwiRm9udFNldHRpbmdzIjp7IiRpZCI6Ijg0IiwiRm9udFNpemUiOjEwLCJGb250TmFtZSI6IkNhbGlicmkiLCJJc0JvbGQiOmZhbHNlLCJJc0l0YWxpYyI6ZmFsc2UsIklzVW5kZXJsaW5lZCI6ZmFsc2UsIlBhcmVudFN0eWxlIjpudWxsfSwiQXV0b1NpemUiOjAsIkZvcmVncm91bmQiOnsiJGlkIjoiODUiLCJDb2xvciI6eyIkaWQiOiI4NiIsIkEiOjI1NSwiUiI6MTkyLCJHIjo4MCwiQiI6Nzd9fSwiTWF4V2lkdGgiOjIwMC4wLCJNYXhIZWlnaHQiOiJJbmZpbml0eSIsIlNtYXJ0Rm9yZWdyb3VuZElzQWN0aXZlIjpmYWxzZSwiSG9yaXpvbnRhbEFsaWdubWVudCI6MCwiVmVydGljYWxBbGlnbm1lbnQiOjAsIlNtYXJ0Rm9yZWdyb3VuZCI6bnVsbCwiQmFja2dyb3VuZEZpbGxUeXBlIjowLCJNYXJnaW4iOnsiJGlkIjoiODciLCJUb3AiOjAsIkxlZnQiOjAsIlJpZ2h0IjowLCJCb3R0b20iOjB9LCJQYWRkaW5nIjp7IiRpZCI6Ijg4IiwiVG9wIjowLCJMZWZ0IjowLCJSaWdodCI6MCwiQm90dG9tIjowfSwiQmFja2dyb3VuZCI6eyIkaWQiOiI4OSIsIkNvbG9yIjp7IiRyZWYiOiIyMCJ9fSwiSXNWaXNpYmxlIjp0cnVlLCJXaWR0aCI6MC4wLCJIZWlnaHQiOjAuMCwiQm9yZGVyU3R5bGUiOm51bGwsIlBhcmVudFN0eWxlIjpudWxsfSwiRHVyYXRpb25TdHlsZSI6eyIkaWQiOiI5MCIsIkZvbnRTZXR0aW5ncyI6eyIkaWQiOiI5MSIsIkZvbnRTaXplIjoxMCwiRm9udE5hbWUiOiJDYWxpYnJpIiwiSXNCb2xkIjpmYWxzZSwiSXNJdGFsaWMiOmZhbHNlLCJJc1VuZGVybGluZWQiOmZhbHNlLCJQYXJlbnRTdHlsZSI6bnVsbH0sIkF1dG9TaXplIjowLCJGb3JlZ3JvdW5kIjp7IiRpZCI6IjkyIiwiQ29sb3IiOnsiJGlkIjoiOTMiLCJBIjoyNTUsIlIiOjAsIkciOjAsIkIiOjB9fSwiTWF4V2lkdGgiOjIwMC4wLCJNYXhIZWlnaHQiOiJJbmZpbml0eSIsIlNtYXJ0Rm9yZWdyb3VuZElzQWN0aXZlIjpmYWxzZSwiSG9yaXpvbnRhbEFsaWdubWVudCI6MSwiVmVydGljYWxBbGlnbm1lbnQiOjAsIlNtYXJ0Rm9yZWdyb3VuZCI6bnVsbCwiQmFja2dyb3VuZEZpbGxUeXBlIjowLCJNYXJnaW4iOnsiJGlkIjoiOTQiLCJUb3AiOjAsIkxlZnQiOjAsIlJpZ2h0IjowLCJCb3R0b20iOjB9LCJQYWRkaW5nIjp7IiRpZCI6Ijk1IiwiVG9wIjowLCJMZWZ0IjowLCJSaWdodCI6MCwiQm90dG9tIjowfSwiQmFja2dyb3VuZCI6eyIkaWQiOiI5NiIsIkNvbG9yIjp7IiRyZWYiOiIyMCJ9fSwiSXNWaXNpYmxlIjp0cnVlLCJXaWR0aCI6MC4wLCJIZWlnaHQiOjAuMCwiQm9yZGVyU3R5bGUiOm51bGwsIlBhcmVudFN0eWxlIjpudWxsfSwiSG9yaXpvbnRhbENvbm5lY3RvclN0eWxlIjp7IiRpZCI6Ijk3IiwiTGluZUNvbG9yIjp7IiRpZCI6Ijk4IiwiJHR5cGUiOiJOTFJFLkNvbW1vbi5Eb20uU29saWRDb2xvckJydXNoLCBOTFJFLkNvbW1vbiIsIkNvbG9yIjp7IiRpZCI6Ijk5IiwiQSI6MjU1LCJSIjoyMDQsIkciOjIwNCwiQiI6MjA0fX0sIkxpbmVXZWlnaHQiOjEuMCwiTGluZVR5cGUiOjAsIlBhcmVudFN0eWxlIjpudWxsfSwiVmVydGljYWxDb25uZWN0b3JTdHlsZSI6eyIkaWQiOiIxMDAiLCJMaW5lQ29sb3IiOnsiJGlkIjoiMTAxIiwiJHR5cGUiOiJOTFJFLkNvbW1vbi5Eb20uU29saWRDb2xvckJydXNoLCBOTFJFLkNvbW1vbiIsIkNvbG9yIjp7IiRpZCI6IjEwMiIsIkEiOjI1NSwiUiI6MjA0LCJHIjoyMDQsIkIiOjIwNH19LCJMaW5lV2VpZ2h0IjowLjAsIkxpbmVUeXBlIjowLCJQYXJlbnRTdHlsZSI6bnVsbH0sIk1hcmdpbiI6bnVsbCwiU3RhcnREYXRlUG9zaXRpb24iOjMsIkVuZERhdGVQb3NpdGlvbiI6NCwiRGF0ZUlzVmlzaWJsZSI6dHJ1ZSwiVGl0bGVQb3NpdGlvbiI6NSwiRHVyYXRpb25Qb3NpdGlvbiI6MiwiUGVyY2VudGFnZUNvbXBsZXRlZFBvc2l0aW9uIjo2LCJTcGFjaW5nIjoxMCwiSXNCZWxvd1RpbWViYW5kIjpmYWxzZSwiUGVyY2VudGFnZUNvbXBsZXRlU2hhcGVPcGFjaXR5IjozNSwiU2hhcGVTdHlsZSI6eyIkaWQiOiIxMDMiLCJNYXJnaW4iOnsiJGlkIjoiMTA0IiwiVG9wIjowLCJMZWZ0Ijo0LCJSaWdodCI6NCwiQm90dG9tIjowfSwiUGFkZGluZyI6eyIkaWQiOiIxMDUiLCJUb3AiOjAsIkxlZnQiOjAsIlJpZ2h0IjowLCJCb3R0b20iOjB9LCJCYWNrZ3JvdW5kIjp7IiRpZCI6IjEwNiIsIkNvbG9yIjp7IiRpZCI6IjEwNyIsIkEiOjI1NSwiUiI6MCwiRyI6MTE0LCJCIjoxODh9fSwiSXNWaXNpYmxlIjp0cnVlLCJXaWR0aCI6MC4wLCJIZWlnaHQiOjE2LjAsIkJvcmRlclN0eWxlIjp7IiRpZCI6IjEwOCIsIkxpbmVDb2xvciI6eyIkaWQiOiIxMDkiLCIkdHlwZSI6Ik5MUkUuQ29tbW9uLkRvbS5Tb2xpZENvbG9yQnJ1c2gsIE5MUkUuQ29tbW9uIiwiQ29sb3IiOnsiJGlkIjoiMTEwIiwiQSI6MjU1LCJSIjoyNTUsIkciOjAsIkIiOjB9fSwiTGluZVdlaWdodCI6MC4wLCJMaW5lVHlwZSI6MCwiUGFyZW50U3R5bGUiOm51bGx9LCJQYXJlbnRTdHlsZSI6bnVsbH0sIlRpdGxlU3R5bGUiOnsiJGlkIjoiMTExIiwiRm9udFNldHRpbmdzIjp7IiRpZCI6IjExMiIsIkZvbnRTaXplIjoxMiwiRm9udE5hbWUiOiJDYWxpYnJpIiwiSXNCb2xkIjpmYWxzZSwiSXNJdGFsaWMiOmZhbHNlLCJJc1VuZGVybGluZWQiOmZhbHNlLCJQYXJlbnRTdHlsZSI6bnVsbH0sIkF1dG9TaXplIjowLCJGb3JlZ3JvdW5kIjp7IiRpZCI6IjExMyIsIkNvbG9yIjp7IiRpZCI6IjExNCIsIkEiOjI1NSwiUiI6MCwiRyI6MCwiQiI6MH19LCJNYXhXaWR0aCI6OTYwLjAsIk1heEhlaWdodCI6IkluZmluaXR5IiwiU21hcnRGb3JlZ3JvdW5kSXNBY3RpdmUiOmZhbHNlLCJIb3Jpem9udGFsQWxpZ25tZW50IjowLCJWZXJ0aWNhbEFsaWdubWVudCI6MCwiU21hcnRGb3JlZ3JvdW5kIjpudWxsLCJCYWNrZ3JvdW5kRmlsbFR5cGUiOjAsIk1hcmdpbiI6eyIkaWQiOiIxMTUiLCJUb3AiOjAsIkxlZnQiOjAsIlJpZ2h0IjowLCJCb3R0b20iOjB9LCJQYWRkaW5nIjp7IiRpZCI6IjExNiIsIlRvcCI6MCwiTGVmdCI6MCwiUmlnaHQiOjAsIkJvdHRvbSI6MH0sIkJhY2tncm91bmQiOnsiJGlkIjoiMTE3IiwiQ29sb3IiOnsiJHJlZiI6IjIwIn19LCJJc1Zpc2libGUiOnRydWUsIldpZHRoIjowLjAsIkhlaWdodCI6MC4wLCJCb3JkZXJTdHlsZSI6bnVsbCwiUGFyZW50U3R5bGUiOm51bGx9LCJEYXRlU3R5bGUiOnsiJGlkIjoiMTE4IiwiRm9udFNldHRpbmdzIjp7IiRpZCI6IjExOSIsIkZvbnRTaXplIjoxMCwiRm9udE5hbWUiOiJDYWxpYnJpIiwiSXNCb2xkIjpmYWxzZSwiSXNJdGFsaWMiOmZhbHNlLCJJc1VuZGVybGluZWQiOmZhbHNlLCJQYXJlbnRTdHlsZSI6bnVsbH0sIkF1dG9TaXplIjowLCJGb3JlZ3JvdW5kIjp7IiRpZCI6IjEyMCIsIkNvbG9yIjp7IiRpZCI6IjEyMSIsIkEiOjI1NSwiUiI6MCwiRyI6MCwiQiI6MH19LCJNYXhXaWR0aCI6MjAwLjAsIk1heEhlaWdodCI6IkluZmluaXR5IiwiU21hcnRGb3JlZ3JvdW5kSXNBY3RpdmUiOmZhbHNlLCJIb3Jpem9udGFsQWxpZ25tZW50IjoxLCJWZXJ0aWNhbEFsaWdubWVudCI6MCwiU21hcnRGb3JlZ3JvdW5kIjpudWxsLCJCYWNrZ3JvdW5kRmlsbFR5cGUiOjAsIk1hcmdpbiI6eyIkaWQiOiIxMjIiLCJUb3AiOjAsIkxlZnQiOjAsIlJpZ2h0IjowLCJCb3R0b20iOjB9LCJQYWRkaW5nIjp7IiRpZCI6IjEyMyIsIlRvcCI6MCwiTGVmdCI6MCwiUmlnaHQiOjAsIkJvdHRvbSI6MH0sIkJhY2tncm91bmQiOnsiJGlkIjoiMTI0IiwiQ29sb3IiOnsiJHJlZiI6IjIwIn19LCJJc1Zpc2libGUiOnRydWUsIldpZHRoIjowLjAsIkhlaWdodCI6MC4wLCJCb3JkZXJTdHlsZSI6bnVsbCwiUGFyZW50U3R5bGUiOm51bGx9LCJEYXRlRm9ybWF0Ijp7IiRpZCI6IjEyNSIsIkZvcm1hdFN0cmluZyI6Ik1NTSBkIiwiU2VwYXJhdG9yIjoiLyIsIlVzZUludGVybmF0aW9uYWxEYXRlRm9ybWF0IjpmYWxzZSwiRGF0ZUlzVmlzaWJsZSI6dHJ1ZSwiVGltZUlzVmlzaWJsZSI6ZmFsc2UsIkhvdXJEaWdpdHMiOjEsIkFtUG1EZXNpZ25hdG9yIjoyLCJUcmltMDBNaW51dGVzIjpmYWxzZSwiTGFzdEtub3duVmlzaWJpbGl0eVN0YXRlIjpudWxsfSwiSXNWaXNpYmxlIjp0cnVlLCJQYXJlbnRTdHlsZSI6bnVsbCwiX2V4cGxpY2l0bHlTZXQiOnsiJGlkIjoiMTI2IiwiU2hhcGVTdHlsZSI6ZmFsc2UsIlRpdGxlU3R5bGUiOmZhbHNlLCJEYXRlU3R5bGUiOmZhbHNlLCJIb3Jpem9udGFsQ29ubmVjdG9yU3R5bGUiOmZhbHNlLCJWZXJ0aWNhbENvbm5lY3RvclN0eWxlIjpmYWxzZSwiUGVyY2VudGFnZUNvbXBsZXRlU2hhcGVPcGFjaXR5IjpmYWxzZSwiRHVyYXRpb25Gb3JtYXQiOmZhbHNlLCJEdXJhdGlvblBvc2l0aW9uIjpmYWxzZSwiRW5kRGF0ZVBvc2l0aW9uIjpmYWxzZSwiSXNCZWxvd1RpbWViYW5kIjpmYWxzZSwiUGVyY2VudGFnZUNvbXBsZXRlZFBvc2l0aW9uIjpmYWxzZSwiU2hhcGUiOmZhbHNlLCJTaGFwZVRoaWNrbmVzcyI6ZmFsc2UsIlNwYWNpbmciOmZhbHNlLCJTdGFydERhdGVQb3NpdGlvbiI6ZmFsc2UsIlRpdGxlUG9zaXRpb24iOmZhbHNlLCJEYXRlRm9ybWF0IjpmYWxzZSwiSXNWaXNpYmxlIjpmYWxzZSwiTWFyZ2luIjpmYWxzZX19LCJHcmlkbGluZVBhbmVsU3R5bGUiOnsiJGlkIjoiMTI3IiwiR3JpZGxpbmVTdHlsZSI6eyIkaWQiOiIxMjgiLCJMaW5lQ29sb3IiOnsiJGlkIjoiMTI5IiwiJHR5cGUiOiJOTFJFLkNvbW1vbi5Eb20uU29saWRDb2xvckJydXNoLCBOTFJFLkNvbW1vbiIsIkNvbG9yIjp7IiRpZCI6IjEzMCIsIkEiOjM4LCJSIjo5MSwiRyI6MTU1LCJCIjoyMTN9fSwiTGluZVdlaWdodCI6MS4wLCJMaW5lVHlwZSI6MCwiUGFyZW50U3R5bGUiOm51bGx9LCJNYXJnaW4iOnsiJGlkIjoiMTMxIiwiVG9wIjowLCJMZWZ0IjowLCJSaWdodCI6MCwiQm90dG9tIjowfSwiUGFkZGluZyI6eyIkaWQiOiIxMzIiLCJUb3AiOjAsIkxlZnQiOjAsIlJpZ2h0IjowLCJCb3R0b20iOjB9LCJCYWNrZ3JvdW5kIjpudWxsLCJJc1Zpc2libGUiOnRydWUsIldpZHRoIjowLjAsIkhlaWdodCI6MC4wLCJCb3JkZXJTdHlsZSI6eyIkaWQiOiIxMzMiLCJMaW5lQ29sb3IiOm51bGwsIkxpbmVXZWlnaHQiOjAuMCwiTGluZVR5cGUiOjAsIlBhcmVudFN0eWxlIjpudWxsfSwiUGFyZW50U3R5bGUiOm51bGx9LCJTaG93RWxhcHNlZFRpbWVHcmFkaWVudFN0eWxlIjpmYWxzZSwiRGVmYXVsdFN3aW1sYW5lU3R5bGUiOnsiJGlkIjoiMTM0IiwiSGVhZGVyU3R5bGUiOnsiJGlkIjoiMTM1IiwiVGV4dFN0eWxlIjp7IiRpZCI6IjEzNiIsIkZvbnRTZXR0aW5ncyI6eyIkaWQiOiIxMzciLCJGb250U2l6ZSI6MTIsIkZvbnROYW1lIjoiQ2FsaWJyaSIsIklzQm9sZCI6ZmFsc2UsIklzSXRhbGljIjpmYWxzZSwiSXNVbmRlcmxpbmVkIjpmYWxzZSwiUGFyZW50U3R5bGUiOm51bGx9LCJBdXRvU2l6ZSI6MCwiRm9yZWdyb3VuZCI6eyIkaWQiOiIxMzgiLCJDb2xvciI6eyIkaWQiOiIxMzkiLCJBIjoyNTUsIlIiOjMyLCJHIjo1NiwiQiI6MTAwfX0sIk1heFdpZHRoIjowLjAsIk1heEhlaWdodCI6MC4wLCJTbWFydEZvcmVncm91bmRJc0FjdGl2ZSI6ZmFsc2UsIkhvcml6b250YWxBbGlnbm1lbnQiOjAsIlZlcnRpY2FsQWxpZ25tZW50IjowLCJTbWFydEZvcmVncm91bmQiOm51bGwsIkJhY2tncm91bmRGaWxsVHlwZSI6MCwiTWFyZ2luIjp7IiRpZCI6IjE0MCIsIlRvcCI6MCwiTGVmdCI6MCwiUmlnaHQiOjAsIkJvdHRvbSI6MH0sIlBhZGRpbmciOnsiJGlkIjoiMTQxIiwiVG9wIjowLCJMZWZ0IjowLCJSaWdodCI6MCwiQm90dG9tIjowfSwiQmFja2dyb3VuZCI6bnVsbCwiSXNWaXNpYmxlIjpmYWxzZSwiV2lkdGgiOjAuMCwiSGVpZ2h0IjowLjAsIkJvcmRlclN0eWxlIjpudWxsLCJQYXJlbnRTdHlsZSI6bnVsbH0sIlJlY3RhbmdsZVN0eWxlIjp7IiRpZCI6IjE0MiIsIk1hcmdpbiI6eyIkaWQiOiIxNDMiLCJUb3AiOjAsIkxlZnQiOjAsIlJpZ2h0IjowLCJCb3R0b20iOjB9LCJQYWRkaW5nIjp7IiRpZCI6IjE0NCIsIlRvcCI6MCwiTGVmdCI6MCwiUmlnaHQiOjAsIkJvdHRvbSI6MH0sIkJhY2tncm91bmQiOnsiJGlkIjoiMTQ1IiwiQ29sb3IiOnsiJGlkIjoiMTQ2IiwiQSI6MTI3LCJSIjo5MSwiRyI6MTU1LCJCIjoyMTN9fSwiSXNWaXNpYmxlIjpmYWxzZSwiV2lkdGgiOjAuMCwiSGVpZ2h0IjowLjAsIkJvcmRlclN0eWxlIjp7IiRpZCI6IjE0NyIsIkxpbmVDb2xvciI6eyIkaWQiOiIxNDgiLCIkdHlwZSI6Ik5MUkUuQ29tbW9uLkRvbS5Tb2xpZENvbG9yQnJ1c2gsIE5MUkUuQ29tbW9uIiwiQ29sb3IiOnsiJGlkIjoiMTQ5IiwiQSI6MjU1LCJSIjoyNTUsIkciOjAsIkIiOjB9fSwiTGluZVdlaWdodCI6MC4wLCJMaW5lVHlwZSI6MCwiUGFyZW50U3R5bGUiOm51bGx9LCJQYXJlbnRTdHlsZSI6bnVsbH0sIk1hcmdpbiI6eyIkaWQiOiIxNTAiLCJUb3AiOjAsIkxlZnQiOjAsIlJpZ2h0IjowLCJCb3R0b20iOjB9LCJQYWRkaW5nIjp7IiRpZCI6IjE1MSIsIlRvcCI6MCwiTGVmdCI6MCwiUmlnaHQiOjAsIkJvdHRvbSI6MH0sIkJhY2tncm91bmQiOm51bGwsIklzVmlzaWJsZSI6dHJ1ZSwiV2lkdGgiOjAuMCwiSGVpZ2h0IjowLjAsIkJvcmRlclN0eWxlIjpudWxsLCJQYXJlbnRTdHlsZSI6bnVsbH0sIkJhY2tncm91bmRTdHlsZSI6eyIkaWQiOiIxNTIiLCJNYXJnaW4iOnsiJGlkIjoiMTUzIiwiVG9wIjowLCJMZWZ0IjowLCJSaWdodCI6MCwiQm90dG9tIjowfSwiUGFkZGluZyI6eyIkaWQiOiIxNTQiLCJUb3AiOjAsIkxlZnQiOjAsIlJpZ2h0IjowLCJCb3R0b20iOjB9LCJCYWNrZ3JvdW5kIjp7IiRpZCI6IjE1NSIsIkNvbG9yIjp7IiRpZCI6IjE1NiIsIkEiOjM4LCJSIjo5MSwiRyI6MTU1LCJCIjoyMTN9fSwiSXNWaXNpYmxlIjp0cnVlLCJXaWR0aCI6MC4wLCJIZWlnaHQiOjAuMCwiQm9yZGVyU3R5bGUiOnsiJGlkIjoiMTU3IiwiTGluZUNvbG9yIjp7IiRpZCI6IjE1OCIsIiR0eXBlIjoiTkxSRS5Db21tb24uRG9tLlNvbGlkQ29sb3JCcnVzaCwgTkxSRS5Db21tb24iLCJDb2xvciI6eyIkaWQiOiIxNTkiLCJBIjoyNTUsIlIiOjI1NSwiRyI6MCwiQiI6MH19LCJMaW5lV2VpZ2h0IjowLjAsIkxpbmVUeXBlIjowLCJQYXJlbnRTdHlsZSI6bnVsbH0sIlBhcmVudFN0eWxlIjpudWxsfSwiSXNBYm92ZVRpbWViYW5kIjpmYWxzZSwiTWFyZ2luIjp7IiRpZCI6IjE2MCIsIlRvcCI6MCwiTGVmdCI6MCwiUmlnaHQiOjAsIkJvdHRvbSI6MH0sIlBhZGRpbmciOnsiJGlkIjoiMTYxIiwiVG9wIjowLCJMZWZ0IjowLCJSaWdodCI6MCwiQm90dG9tIjowfSwiSXNWaXNpYmxlIjp0cnVlLCJXaWR0aCI6MC4wLCJIZWlnaHQiOjAuMCwiQm9yZGVyU3R5bGUiOm51bGwsIlBhcmVudFN0eWxlIjpudWxsfX0sIlNjYWxlIjp7IiRpZCI6IjE2MiIsIlN0YXJ0RGF0ZSI6IjIwMTgtMDgtMDJUMjM6NTk6MDBaIiwiRW5kRGF0ZSI6IjIwMjEtMDQtMTZUMjM6NTk6MDAiLCJGb3JtYXQiOiJNTU0iLCJUeXBlIjoyLCJBdXRvRGF0ZVJhbmdlIjp0cnVlLCJXb3JraW5nRGF5cyI6MzEsIlRvZGF5TWFya2VyVGV4dCI6IlRvZGF5IiwiQXV0b1NjYWxlVHlwZSI6dHJ1ZX0sIk1pbGVzdG9uZXMiOltdLCJUYXNrcyI6W3siJGlkIjoiMTYzIiwiR3JvdXBOYW1lIjpudWxsLCJTdGFydERhdGUiOiIyMDIxLTAxLTMxVDE1OjU0OjAwWiIsIkVuZERhdGUiOiIyMDIxLTAyLTEzVDIzOjU5OjAwWiIsIlBlcmNlbnRhZ2VDb21wbGV0ZSI6bnVsbCwiU3R5bGUiOnsiJGlkIjoiMTY0IiwiU2hhcGUiOjMsIlNoYXBlVGhpY2tuZXNzIjozLCJEdXJhdGlvbkZvcm1hdCI6MCwiSW5jbHVkZU5vbldvcmtpbmdEYXlzSW5EdXJhdGlvbiI6ZmFsc2UsIlBlcmNlbnRhZ2VDb21wbGV0ZVN0eWxlIjp7IiRpZCI6IjE2NSIsIkZvbnRTZXR0aW5ncyI6eyIkaWQiOiIxNjYiLCJGb250U2l6ZSI6MTAsIkZvbnROYW1lIjoiQ2FsaWJyaSIsIklzQm9sZCI6ZmFsc2UsIklzSXRhbGljIjpmYWxzZSwiSXNVbmRlcmxpbmVkIjpmYWxzZSwiUGFyZW50U3R5bGUiOm51bGx9LCJBdXRvU2l6ZSI6MCwiRm9yZWdyb3VuZCI6eyIkcmVmIjoiODUifSwiTWF4V2lkdGgiOjIwMC4wLCJNYXhIZWlnaHQiOiJJbmZpbml0eSIsIlNtYXJ0Rm9yZWdyb3VuZElzQWN0aXZlIjpmYWxzZSwiSG9yaXpvbnRhbEFsaWdubWVudCI6MCwiVmVydGljYWxBbGlnbm1lbnQiOjAsIlNtYXJ0Rm9yZWdyb3VuZCI6bnVsbCwiQmFja2dyb3VuZEZpbGxUeXBlIjowLCJNYXJnaW4iOnsiJHJlZiI6Ijg3In0sIlBhZGRpbmciOnsiJHJlZiI6Ijg4In0sIkJhY2tncm91bmQiOnsiJHJlZiI6Ijg5In0sIklzVmlzaWJsZSI6dHJ1ZSwiV2lkdGgiOjAuMCwiSGVpZ2h0IjowLjAsIkJvcmRlclN0eWxlIjp7IiRpZCI6IjE2NyIsIkxpbmVDb2xvciI6bnVsbCwiTGluZVdlaWdodCI6MC4wLCJMaW5lVHlwZSI6MCwiUGFyZW50U3R5bGUiOm51bGx9LCJQYXJlbnRTdHlsZSI6bnVsbH0sIkR1cmF0aW9uU3R5bGUiOnsiJGlkIjoiMTY4IiwiRm9udFNldHRpbmdzIjp7IiRpZCI6IjE2OSIsIkZvbnRTaXplIjoxMCwiRm9udE5hbWUiOiJDYWxpYnJpIiwiSXNCb2xkIjpmYWxzZSwiSXNJdGFsaWMiOmZhbHNlLCJJc1VuZGVybGluZWQiOmZhbHNlLCJQYXJlbnRTdHlsZSI6bnVsbH0sIkF1dG9TaXplIjowLCJGb3JlZ3JvdW5kIjp7IiRpZCI6IjE3MCIsIkNvbG9yIjp7IiRpZCI6IjE3MSIsIkEiOjI1NSwiUiI6MCwiRyI6MCwiQiI6MH19LCJNYXhXaWR0aCI6MjAwLjAsIk1heEhlaWdodCI6IkluZmluaXR5IiwiU21hcnRGb3JlZ3JvdW5kSXNBY3RpdmUiOmZhbHNlLCJIb3Jpem9udGFsQWxpZ25tZW50IjoxLCJWZXJ0aWNhbEFsaWdubWVudCI6MCwiU21hcnRGb3JlZ3JvdW5kIjpudWxsLCJCYWNrZ3JvdW5kRmlsbFR5cGUiOjAsIk1hcmdpbiI6eyIkcmVmIjoiOTQifSwiUGFkZGluZyI6eyIkcmVmIjoiOTUifSwiQmFja2dyb3VuZCI6eyIkcmVmIjoiOTYifSwiSXNWaXNpYmxlIjp0cnVlLCJXaWR0aCI6MC4wLCJIZWlnaHQiOjAuMCwiQm9yZGVyU3R5bGUiOnsiJGlkIjoiMTcyIiwiTGluZUNvbG9yIjpudWxsLCJMaW5lV2VpZ2h0IjowLjAsIkxpbmVUeXBlIjowLCJQYXJlbnRTdHlsZSI6bnVsbH0sIlBhcmVudFN0eWxlIjpudWxsfSwiSG9yaXpvbnRhbENvbm5lY3RvclN0eWxlIjp7IiRpZCI6IjE3MyIsIkxpbmVDb2xvciI6eyIkcmVmIjoiOTgifSwiTGluZVdlaWdodCI6MS4wLCJMaW5lVHlwZSI6MCwiUGFyZW50U3R5bGUiOm51bGx9LCJWZXJ0aWNhbENvbm5lY3RvclN0eWxlIjp7IiRpZCI6IjE3NCIsIkxpbmVDb2xvciI6eyIkcmVmIjoiMTAxIn0sIkxpbmVXZWlnaHQiOjAuMCwiTGluZVR5cGUiOjAsIlBhcmVudFN0eWxlIjpudWxsfSwiTWFyZ2luIjpudWxsLCJTdGFydERhdGVQb3NpdGlvbiI6NCwiRW5kRGF0ZVBvc2l0aW9uIjo0LCJEYXRlSXNWaXNpYmxlIjp0cnVlLCJUaXRsZVBvc2l0aW9uIjozLCJEdXJhdGlvblBvc2l0aW9uIjoyLCJQZXJjZW50YWdlQ29tcGxldGVkUG9zaXRpb24iOjYsIlNwYWNpbmciOjEwLCJJc0JlbG93VGltZWJhbmQiOmZhbHNlLCJQZXJjZW50YWdlQ29tcGxldGVTaGFwZU9wYWNpdHkiOjM1LCJTaGFwZVN0eWxlIjp7IiRpZCI6IjE3NSIsIk1hcmdpbiI6eyIkcmVmIjoiMTA0In0sIlBhZGRpbmciOnsiJHJlZiI6IjEwNSJ9LCJCYWNrZ3JvdW5kIjp7IiRpZCI6IjE3NiIsIkNvbG9yIjp7IiRpZCI6IjE3NyIsIkEiOjI1NSwiUiI6OTEsIkciOjE1NSwiQiI6MjEzfX0sIklzVmlzaWJsZSI6dHJ1ZSwiV2lkdGgiOjAuMCwiSGVpZ2h0IjoyMi41OTU0MTk4NDczMjgxMTcsIkJvcmRlclN0eWxlIjp7IiRpZCI6IjE3OCIsIkxpbmVDb2xvciI6eyIkcmVmIjoiMTA5In0sIkxpbmVXZWlnaHQiOjAuMCwiTGluZVR5cGUiOjAsIlBhcmVudFN0eWxlIjpudWxsfSwiUGFyZW50U3R5bGUiOm51bGx9LCJUaXRsZVN0eWxlIjp7IiRpZCI6IjE3OSIsIkZvbnRTZXR0aW5ncyI6eyIkaWQiOiIxODAiLCJGb250U2l6ZSI6MTIsIkZvbnROYW1lIjoiVGltZXMgTmV3IFJvbWFuIiwiSXNCb2xkIjpmYWxzZSwiSXNJdGFsaWMiOmZhbHNlLCJJc1VuZGVybGluZWQiOmZhbHNlLCJQYXJlbnRTdHlsZSI6bnVsbH0sIkF1dG9TaXplIjoyLCJGb3JlZ3JvdW5kIjp7IiRpZCI6IjE4MSIsIkNvbG9yIjp7IiRpZCI6IjE4MiIsIkEiOjI1NSwiUiI6MCwiRyI6MCwiQiI6MH19LCJNYXhXaWR0aCI6MjMwLjczMDAwMDAwMDAwMDAyLCJNYXhIZWlnaHQiOiJJbmZpbml0eSIsIlNtYXJ0Rm9yZWdyb3VuZElzQWN0aXZlIjpmYWxzZSwiSG9yaXpvbnRhbEFsaWdubWVudCI6MiwiVmVydGljYWxBbGlnbm1lbnQiOjAsIlNtYXJ0Rm9yZWdyb3VuZCI6bnVsbCwiQmFja2dyb3VuZEZpbGxUeXBlIjowLCJNYXJnaW4iOnsiJHJlZiI6IjExNSJ9LCJQYWRkaW5nIjp7IiRyZWYiOiIxMTYifSwiQmFja2dyb3VuZCI6eyIkcmVmIjoiMTE3In0sIklzVmlzaWJsZSI6dHJ1ZSwiV2lkdGgiOjAuMCwiSGVpZ2h0IjowLjAsIkJvcmRlclN0eWxlIjp7IiRpZCI6IjE4MyIsIkxpbmVDb2xvciI6bnVsbCwiTGluZVdlaWdodCI6MC4wLCJMaW5lVHlwZSI6MCwiUGFyZW50U3R5bGUiOm51bGx9LCJQYXJlbnRTdHlsZSI6bnVsbH0sIkRhdGVTdHlsZSI6eyIkaWQiOiIxODQiLCJGb250U2V0dGluZ3MiOnsiJGlkIjoiMTg1IiwiRm9udFNpemUiOjEwLCJGb250TmFtZSI6IkNhbGlicmkiLCJJc0JvbGQiOmZhbHNlLCJJc0l0YWxpYyI6ZmFsc2UsIklzVW5kZXJsaW5lZCI6ZmFsc2UsIlBhcmVudFN0eWxlIjpudWxsfSwiQXV0b1NpemUiOjAsIkZvcmVncm91bmQiOnsiJGlkIjoiMTg2IiwiQ29sb3IiOnsiJGlkIjoiMTg3IiwiQSI6MjU1LCJSIjowLCJHIjowLCJCIjowfX0sIk1heFdpZHRoIjoyMDAuMCwiTWF4SGVpZ2h0IjoiSW5maW5pdHkiLCJTbWFydEZvcmVncm91bmRJc0FjdGl2ZSI6ZmFsc2UsIkhvcml6b250YWxBbGlnbm1lbnQiOjAsIlZlcnRpY2FsQWxpZ25tZW50IjowLCJTbWFydEZvcmVncm91bmQiOm51bGwsIkJhY2tncm91bmRGaWxsVHlwZSI6MCwiTWFyZ2luIjp7IiRyZWYiOiIxMjIifSwiUGFkZGluZyI6eyIkcmVmIjoiMTIzIn0sIkJhY2tncm91bmQiOnsiJHJlZiI6IjEyNCJ9LCJJc1Zpc2libGUiOnRydWUsIldpZHRoIjowLjAsIkhlaWdodCI6MC4wLCJCb3JkZXJTdHlsZSI6eyIkaWQiOiIxODgiLCJMaW5lQ29sb3IiOm51bGwsIkxpbmVXZWlnaHQiOjAuMCwiTGluZVR5cGUiOjAsIlBhcmVudFN0eWxlIjpudWxsfSwiUGFyZW50U3R5bGUiOm51bGx9LCJEYXRlRm9ybWF0Ijp7IiRyZWYiOiIxMjUifSwiSXNWaXNpYmxlIjp0cnVlLCJQYXJlbnRTdHlsZSI6bnVsbH0sIkluZGV4IjowLCJTbWFydER1cmF0aW9uQWN0aXZhdGVkIjpmYWxzZSwiRGF0ZUZvcm1hdCI6eyIkcmVmIjoiMTI1In0sIklkIjoiOWM0ZjM1ZmYtODU3Zi00YjEzLWI5NTItMjg4ZTFhNzE3YjdmIiwiSW1wb3J0SWQiOm51bGwsIlRpdGxlIjoiTGVhcm5pbmcgQWJvdXQgaG93IHRoZSBlbGVjdGlvbiBwcm9jZXNzIHdvcmtzIiwiTm90ZSI6bnVsbCwiSHlwZXJsaW5rIjp7IiRpZCI6IjE4OSIsIkFkZHJlc3MiOiIiLCJTdWJBZGRyZXNzIjoiIn0sIklzQ2hhbmdlZCI6ZmFsc2UsIklzTmV3IjpmYWxzZX0seyIkaWQiOiIxOTAiLCJHcm91cE5hbWUiOm51bGwsIlN0YXJ0RGF0ZSI6IjIwMjEtMDItMTNUMDA6MDA6MDBaIiwiRW5kRGF0ZSI6IjIwMjEtMDItMTVUMjI6NTg6MDAiLCJQZXJjZW50YWdlQ29tcGxldGUiOm51bGwsIlN0eWxlIjp7IiRpZCI6IjE5MSIsIlNoYXBlIjozLCJTaGFwZVRoaWNrbmVzcyI6MSwiRHVyYXRpb25Gb3JtYXQiOjAsIkluY2x1ZGVOb25Xb3JraW5nRGF5c0luRHVyYXRpb24iOmZhbHNlLCJQZXJjZW50YWdlQ29tcGxldGVTdHlsZSI6eyIkaWQiOiIxOTIiLCJGb250U2V0dGluZ3MiOnsiJGlkIjoiMTkzIiwiRm9udFNpemUiOjEwLCJGb250TmFtZSI6IkNhbGlicmkiLCJJc0JvbGQiOmZhbHNlLCJJc0l0YWxpYyI6ZmFsc2UsIklzVW5kZXJsaW5lZCI6ZmFsc2UsIlBhcmVudFN0eWxlIjpudWxsfSwiQXV0b1NpemUiOjAsIkZvcmVncm91bmQiOnsiJHJlZiI6Ijg1In0sIk1heFdpZHRoIjoyMDAuMCwiTWF4SGVpZ2h0IjoiSW5maW5pdHkiLCJTbWFydEZvcmVncm91bmRJc0FjdGl2ZSI6ZmFsc2UsIkhvcml6b250YWxBbGlnbm1lbnQiOjAsIlZlcnRpY2FsQWxpZ25tZW50IjowLCJTbWFydEZvcmVncm91bmQiOm51bGwsIkJhY2tncm91bmRGaWxsVHlwZSI6MCwiTWFyZ2luIjp7IiRyZWYiOiI4NyJ9LCJQYWRkaW5nIjp7IiRyZWYiOiI4OCJ9LCJCYWNrZ3JvdW5kIjp7IiRyZWYiOiI4OSJ9LCJJc1Zpc2libGUiOnRydWUsIldpZHRoIjowLjAsIkhlaWdodCI6MC4wLCJCb3JkZXJTdHlsZSI6eyIkaWQiOiIxOTQiLCJMaW5lQ29sb3IiOm51bGwsIkxpbmVXZWlnaHQiOjAuMCwiTGluZVR5cGUiOjAsIlBhcmVudFN0eWxlIjpudWxsfSwiUGFyZW50U3R5bGUiOm51bGx9LCJEdXJhdGlvblN0eWxlIjp7IiRpZCI6IjE5NSIsIkZvbnRTZXR0aW5ncyI6eyIkaWQiOiIxOTYiLCJGb250U2l6ZSI6MTAsIkZvbnROYW1lIjoiQ2FsaWJyaSIsIklzQm9sZCI6ZmFsc2UsIklzSXRhbGljIjpmYWxzZSwiSXNVbmRlcmxpbmVkIjpmYWxzZSwiUGFyZW50U3R5bGUiOm51bGx9LCJBdXRvU2l6ZSI6MCwiRm9yZWdyb3VuZCI6eyIkaWQiOiIxOTciLCJDb2xvciI6eyIkaWQiOiIxOTgiLCJBIjoyNTUsIlIiOjAsIkciOjAsIkIiOjB9fSwiTWF4V2lkdGgiOjIwMC4wLCJNYXhIZWlnaHQiOiJJbmZpbml0eSIsIlNtYXJ0Rm9yZWdyb3VuZElzQWN0aXZlIjpmYWxzZSwiSG9yaXpvbnRhbEFsaWdubWVudCI6MCwiVmVydGljYWxBbGlnbm1lbnQiOjAsIlNtYXJ0Rm9yZWdyb3VuZCI6bnVsbCwiQmFja2dyb3VuZEZpbGxUeXBlIjowLCJNYXJnaW4iOnsiJHJlZiI6Ijk0In0sIlBhZGRpbmciOnsiJHJlZiI6Ijk1In0sIkJhY2tncm91bmQiOnsiJHJlZiI6Ijk2In0sIklzVmlzaWJsZSI6dHJ1ZSwiV2lkdGgiOjAuMCwiSGVpZ2h0IjowLjAsIkJvcmRlclN0eWxlIjp7IiRpZCI6IjE5OSIsIkxpbmVDb2xvciI6bnVsbCwiTGluZVdlaWdodCI6MC4wLCJMaW5lVHlwZSI6MCwiUGFyZW50U3R5bGUiOm51bGx9LCJQYXJlbnRTdHlsZSI6bnVsbH0sIkhvcml6b250YWxDb25uZWN0b3JTdHlsZSI6eyIkaWQiOiIyMDAiLCJMaW5lQ29sb3IiOnsiJHJlZiI6Ijk4In0sIkxpbmVXZWlnaHQiOjEuMCwiTGluZVR5cGUiOjAsIlBhcmVudFN0eWxlIjpudWxsfSwiVmVydGljYWxDb25uZWN0b3JTdHlsZSI6eyIkaWQiOiIyMDEiLCJMaW5lQ29sb3IiOnsiJHJlZiI6IjEwMSJ9LCJMaW5lV2VpZ2h0IjowLjAsIkxpbmVUeXBlIjowLCJQYXJlbnRTdHlsZSI6bnVsbH0sIk1hcmdpbiI6bnVsbCwiU3RhcnREYXRlUG9zaXRpb24iOjMsIkVuZERhdGVQb3NpdGlvbiI6NCwiRGF0ZUlzVmlzaWJsZSI6dHJ1ZSwiVGl0bGVQb3NpdGlvbiI6NSwiRHVyYXRpb25Qb3NpdGlvbiI6MCwiUGVyY2VudGFnZUNvbXBsZXRlZFBvc2l0aW9uIjo2LCJTcGFjaW5nIjoxMCwiSXNCZWxvd1RpbWViYW5kIjpmYWxzZSwiUGVyY2VudGFnZUNvbXBsZXRlU2hhcGVPcGFjaXR5IjozNSwiU2hhcGVTdHlsZSI6eyIkaWQiOiIyMDIiLCJNYXJnaW4iOnsiJHJlZiI6IjEwNCJ9LCJQYWRkaW5nIjp7IiRyZWYiOiIxMDUifSwiQmFja2dyb3VuZCI6eyIkaWQiOiIyMDMiLCJDb2xvciI6eyIkaWQiOiIyMDQiLCJBIjoyNTUsIlIiOjkxLCJHIjoxNTUsIkIiOjIxM319LCJJc1Zpc2libGUiOnRydWUsIldpZHRoIjowLjAsIkhlaWdodCI6MTYuMCwiQm9yZGVyU3R5bGUiOnsiJGlkIjoiMjA1IiwiTGluZUNvbG9yIjp7IiRyZWYiOiIxMDkifSwiTGluZVdlaWdodCI6MC4wLCJMaW5lVHlwZSI6MCwiUGFyZW50U3R5bGUiOm51bGx9LCJQYXJlbnRTdHlsZSI6bnVsbH0sIlRpdGxlU3R5bGUiOnsiJGlkIjoiMjA2IiwiRm9udFNldHRpbmdzIjp7IiRpZCI6IjIwNyIsIkZvbnRTaXplIjoxMiwiRm9udE5hbWUiOiJUaW1lcyBOZXcgUm9tYW4iLCJJc0JvbGQiOmZhbHNlLCJJc0l0YWxpYyI6ZmFsc2UsIklzVW5kZXJsaW5lZCI6ZmFsc2UsIlBhcmVudFN0eWxlIjpudWxsfSwiQXV0b1NpemUiOjAsIkZvcmVncm91bmQiOnsiJGlkIjoiMjA4IiwiQ29sb3IiOnsiJGlkIjoiMjA5IiwiQSI6MjU1LCJSIjowLCJHIjowLCJCIjowfX0sIk1heFdpZHRoIjo3MjAuMCwiTWF4SGVpZ2h0IjoiSW5maW5pdHkiLCJTbWFydEZvcmVncm91bmRJc0FjdGl2ZSI6ZmFsc2UsIkhvcml6b250YWxBbGlnbm1lbnQiOjAsIlZlcnRpY2FsQWxpZ25tZW50IjowLCJTbWFydEZvcmVncm91bmQiOm51bGwsIkJhY2tncm91bmRGaWxsVHlwZSI6MCwiTWFyZ2luIjp7IiRyZWYiOiIxMTUifSwiUGFkZGluZyI6eyIkcmVmIjoiMTE2In0sIkJhY2tncm91bmQiOnsiJHJlZiI6IjExNyJ9LCJJc1Zpc2libGUiOnRydWUsIldpZHRoIjowLjAsIkhlaWdodCI6MC4wLCJCb3JkZXJTdHlsZSI6eyIkaWQiOiIyMTAiLCJMaW5lQ29sb3IiOm51bGwsIkxpbmVXZWlnaHQiOjAuMCwiTGluZVR5cGUiOjAsIlBhcmVudFN0eWxlIjpudWxsfSwiUGFyZW50U3R5bGUiOm51bGx9LCJEYXRlU3R5bGUiOnsiJGlkIjoiMjExIiwiRm9udFNldHRpbmdzIjp7IiRpZCI6IjIxMiIsIkZvbnRTaXplIjoxMCwiRm9udE5hbWUiOiJDYWxpYnJpIiwiSXNCb2xkIjpmYWxzZSwiSXNJdGFsaWMiOmZhbHNlLCJJc1VuZGVybGluZWQiOmZhbHNlLCJQYXJlbnRTdHlsZSI6bnVsbH0sIkF1dG9TaXplIjowLCJGb3JlZ3JvdW5kIjp7IiRpZCI6IjIxMyIsIkNvbG9yIjp7IiRpZCI6IjIxNCIsIkEiOjI1NSwiUiI6MCwiRyI6MCwiQiI6MH19LCJNYXhXaWR0aCI6MjAwLjAsIk1heEhlaWdodCI6IkluZmluaXR5IiwiU21hcnRGb3JlZ3JvdW5kSXNBY3RpdmUiOmZhbHNlLCJIb3Jpem9udGFsQWxpZ25tZW50IjoxLCJWZXJ0aWNhbEFsaWdubWVudCI6MCwiU21hcnRGb3JlZ3JvdW5kIjpudWxsLCJCYWNrZ3JvdW5kRmlsbFR5cGUiOjAsIk1hcmdpbiI6eyIkcmVmIjoiMTIyIn0sIlBhZGRpbmciOnsiJHJlZiI6IjEyMyJ9LCJCYWNrZ3JvdW5kIjp7IiRyZWYiOiIxMjQifSwiSXNWaXNpYmxlIjp0cnVlLCJXaWR0aCI6MC4wLCJIZWlnaHQiOjAuMCwiQm9yZGVyU3R5bGUiOnsiJGlkIjoiMjE1IiwiTGluZUNvbG9yIjpudWxsLCJMaW5lV2VpZ2h0IjowLjAsIkxpbmVUeXBlIjowLCJQYXJlbnRTdHlsZSI6bnVsbH0sIlBhcmVudFN0eWxlIjpudWxsfSwiRGF0ZUZvcm1hdCI6eyIkcmVmIjoiMTI1In0sIklzVmlzaWJsZSI6dHJ1ZSwiUGFyZW50U3R5bGUiOm51bGx9LCJJbmRleCI6MSwiU21hcnREdXJhdGlvbkFjdGl2YXRlZCI6ZmFsc2UsIkRhdGVGb3JtYXQiOnsiJHJlZiI6IjEyNSJ9LCJJZCI6ImFlMDYwN2ZjLWU5YzItNDM1Yy1iZjI3LTQ4ODZjNWQ0ZTQxYiIsIkltcG9ydElkIjpudWxsLCJUaXRsZSI6IlN0YXJ0IENvZGluZyAoc3RhdGVyIHByb2plY3QpIiwiTm90ZSI6bnVsbCwiSHlwZXJsaW5rIjp7IiRpZCI6IjIxNiIsIkFkZHJlc3MiOiIiLCJTdWJBZGRyZXNzIjoiIn0sIklzQ2hhbmdlZCI6ZmFsc2UsIklzTmV3IjpmYWxzZX0seyIkaWQiOiIyMTciLCJHcm91cE5hbWUiOm51bGwsIlN0YXJ0RGF0ZSI6IjIwMjEtMDItMTVUMDA6MDA6MDBaIiwiRW5kRGF0ZSI6IjIwMjEtMDMtMDNUMjM6NTk6MDBaIiwiUGVyY2VudGFnZUNvbXBsZXRlIjpudWxsLCJTdHlsZSI6eyIkaWQiOiIyMTgiLCJTaGFwZSI6MywiU2hhcGVUaGlja25lc3MiOjEsIkR1cmF0aW9uRm9ybWF0IjowLCJJbmNsdWRlTm9uV29ya2luZ0RheXNJbkR1cmF0aW9uIjpmYWxzZSwiUGVyY2VudGFnZUNvbXBsZXRlU3R5bGUiOnsiJGlkIjoiMjE5IiwiRm9udFNldHRpbmdzIjp7IiRpZCI6IjIyMCIsIkZvbnRTaXplIjoxMCwiRm9udE5hbWUiOiJDYWxpYnJpIiwiSXNCb2xkIjpmYWxzZSwiSXNJdGFsaWMiOmZhbHNlLCJJc1VuZGVybGluZWQiOmZhbHNlLCJQYXJlbnRTdHlsZSI6bnVsbH0sIkF1dG9TaXplIjowLCJGb3JlZ3JvdW5kIjp7IiRyZWYiOiI4NSJ9LCJNYXhXaWR0aCI6MjAwLjAsIk1heEhlaWdodCI6IkluZmluaXR5IiwiU21hcnRGb3JlZ3JvdW5kSXNBY3RpdmUiOmZhbHNlLCJIb3Jpem9udGFsQWxpZ25tZW50IjowLCJWZXJ0aWNhbEFsaWdubWVudCI6MCwiU21hcnRGb3JlZ3JvdW5kIjpudWxsLCJCYWNrZ3JvdW5kRmlsbFR5cGUiOjAsIk1hcmdpbiI6eyIkcmVmIjoiODcifSwiUGFkZGluZyI6eyIkcmVmIjoiODgifSwiQmFja2dyb3VuZCI6eyIkcmVmIjoiODkifSwiSXNWaXNpYmxlIjp0cnVlLCJXaWR0aCI6MC4wLCJIZWlnaHQiOjAuMCwiQm9yZGVyU3R5bGUiOnsiJGlkIjoiMjIxIiwiTGluZUNvbG9yIjpudWxsLCJMaW5lV2VpZ2h0IjowLjAsIkxpbmVUeXBlIjowLCJQYXJlbnRTdHlsZSI6bnVsbH0sIlBhcmVudFN0eWxlIjpudWxsfSwiRHVyYXRpb25TdHlsZSI6eyIkaWQiOiIyMjIiLCJGb250U2V0dGluZ3MiOnsiJGlkIjoiMjIzIiwiRm9udFNpemUiOjEwLCJGb250TmFtZSI6IkNhbGlicmkiLCJJc0JvbGQiOmZhbHNlLCJJc0l0YWxpYyI6ZmFsc2UsIklzVW5kZXJsaW5lZCI6ZmFsc2UsIlBhcmVudFN0eWxlIjpudWxsfSwiQXV0b1NpemUiOjAsIkZvcmVncm91bmQiOnsiJGlkIjoiMjI0IiwiQ29sb3IiOnsiJGlkIjoiMjI1IiwiQSI6MjU1LCJSIjowLCJHIjowLCJCIjowfX0sIk1heFdpZHRoIjoyMDAuMCwiTWF4SGVpZ2h0IjoiSW5maW5pdHkiLCJTbWFydEZvcmVncm91bmRJc0FjdGl2ZSI6ZmFsc2UsIkhvcml6b250YWxBbGlnbm1lbnQiOjEsIlZlcnRpY2FsQWxpZ25tZW50IjowLCJTbWFydEZvcmVncm91bmQiOm51bGwsIkJhY2tncm91bmRGaWxsVHlwZSI6MCwiTWFyZ2luIjp7IiRyZWYiOiI5NCJ9LCJQYWRkaW5nIjp7IiRyZWYiOiI5NSJ9LCJCYWNrZ3JvdW5kIjp7IiRyZWYiOiI5NiJ9LCJJc1Zpc2libGUiOnRydWUsIldpZHRoIjowLjAsIkhlaWdodCI6MC4wLCJCb3JkZXJTdHlsZSI6eyIkaWQiOiIyMjYiLCJMaW5lQ29sb3IiOm51bGwsIkxpbmVXZWlnaHQiOjAuMCwiTGluZVR5cGUiOjAsIlBhcmVudFN0eWxlIjpudWxsfSwiUGFyZW50U3R5bGUiOm51bGx9LCJIb3Jpem9udGFsQ29ubmVjdG9yU3R5bGUiOnsiJGlkIjoiMjI3IiwiTGluZUNvbG9yIjp7IiRyZWYiOiI5OCJ9LCJMaW5lV2VpZ2h0IjoxLjAsIkxpbmVUeXBlIjowLCJQYXJlbnRTdHlsZSI6bnVsbH0sIlZlcnRpY2FsQ29ubmVjdG9yU3R5bGUiOnsiJGlkIjoiMjI4IiwiTGluZUNvbG9yIjp7IiRyZWYiOiIxMDEifSwiTGluZVdlaWdodCI6MC4wLCJMaW5lVHlwZSI6MCwiUGFyZW50U3R5bGUiOm51bGx9LCJNYXJnaW4iOm51bGwsIlN0YXJ0RGF0ZVBvc2l0aW9uIjozLCJFbmREYXRlUG9zaXRpb24iOjQsIkRhdGVJc1Zpc2libGUiOnRydWUsIlRpdGxlUG9zaXRpb24iOjUsIkR1cmF0aW9uUG9zaXRpb24iOjIsIlBlcmNlbnRhZ2VDb21wbGV0ZWRQb3NpdGlvbiI6NiwiU3BhY2luZyI6MTAsIklzQmVsb3dUaW1lYmFuZCI6ZmFsc2UsIlBlcmNlbnRhZ2VDb21wbGV0ZVNoYXBlT3BhY2l0eSI6MzUsIlNoYXBlU3R5bGUiOnsiJGlkIjoiMjI5IiwiTWFyZ2luIjp7IiRyZWYiOiIxMDQifSwiUGFkZGluZyI6eyIkcmVmIjoiMTA1In0sIkJhY2tncm91bmQiOnsiJGlkIjoiMjMwIiwiQ29sb3IiOnsiJGlkIjoiMjMxIiwiQSI6MjU1LCJSIjo5MSwiRyI6MTU1LCJCIjoyMTN9fSwiSXNWaXNpYmxlIjp0cnVlLCJXaWR0aCI6MC4wLCJIZWlnaHQiOjE2LjAsIkJvcmRlclN0eWxlIjp7IiRpZCI6IjIzMiIsIkxpbmVDb2xvciI6eyIkcmVmIjoiMTA5In0sIkxpbmVXZWlnaHQiOjAuMCwiTGluZVR5cGUiOjAsIlBhcmVudFN0eWxlIjpudWxsfSwiUGFyZW50U3R5bGUiOm51bGx9LCJUaXRsZVN0eWxlIjp7IiRpZCI6IjIzMyIsIkZvbnRTZXR0aW5ncyI6eyIkaWQiOiIyMzQiLCJGb250U2l6ZSI6MTIsIkZvbnROYW1lIjoiVGltZXMgTmV3IFJvbWFuIiwiSXNCb2xkIjpmYWxzZSwiSXNJdGFsaWMiOmZhbHNlLCJJc1VuZGVybGluZWQiOmZhbHNlLCJQYXJlbnRTdHlsZSI6bnVsbH0sIkF1dG9TaXplIjowLCJGb3JlZ3JvdW5kIjp7IiRpZCI6IjIzNSIsIkNvbG9yIjp7IiRpZCI6IjIzNiIsIkEiOjI1NSwiUiI6MCwiRyI6MCwiQiI6MH19LCJNYXhXaWR0aCI6NzIwLjAsIk1heEhlaWdodCI6IkluZmluaXR5IiwiU21hcnRGb3JlZ3JvdW5kSXNBY3RpdmUiOmZhbHNlLCJIb3Jpem9udGFsQWxpZ25tZW50IjowLCJWZXJ0aWNhbEFsaWdubWVudCI6MCwiU21hcnRGb3JlZ3JvdW5kIjpudWxsLCJCYWNrZ3JvdW5kRmlsbFR5cGUiOjAsIk1hcmdpbiI6eyIkcmVmIjoiMTE1In0sIlBhZGRpbmciOnsiJHJlZiI6IjExNiJ9LCJCYWNrZ3JvdW5kIjp7IiRyZWYiOiIxMTcifSwiSXNWaXNpYmxlIjp0cnVlLCJXaWR0aCI6MC4wLCJIZWlnaHQiOjAuMCwiQm9yZGVyU3R5bGUiOnsiJGlkIjoiMjM3IiwiTGluZUNvbG9yIjpudWxsLCJMaW5lV2VpZ2h0IjowLjAsIkxpbmVUeXBlIjowLCJQYXJlbnRTdHlsZSI6bnVsbH0sIlBhcmVudFN0eWxlIjpudWxsfSwiRGF0ZVN0eWxlIjp7IiRpZCI6IjIzOCIsIkZvbnRTZXR0aW5ncyI6eyIkaWQiOiIyMzkiLCJGb250U2l6ZSI6MTAsIkZvbnROYW1lIjoiQ2FsaWJyaSIsIklzQm9sZCI6ZmFsc2UsIklzSXRhbGljIjpmYWxzZSwiSXNVbmRlcmxpbmVkIjpmYWxzZSwiUGFyZW50U3R5bGUiOm51bGx9LCJBdXRvU2l6ZSI6MCwiRm9yZWdyb3VuZCI6eyIkaWQiOiIyNDAiLCJDb2xvciI6eyIkaWQiOiIyNDEiLCJBIjoyNTUsIlIiOjAsIkciOjAsIkIiOjB9fSwiTWF4V2lkdGgiOjIwMC4wLCJNYXhIZWlnaHQiOiJJbmZpbml0eSIsIlNtYXJ0Rm9yZWdyb3VuZElzQWN0aXZlIjpmYWxzZSwiSG9yaXpvbnRhbEFsaWdubWVudCI6MSwiVmVydGljYWxBbGlnbm1lbnQiOjAsIlNtYXJ0Rm9yZWdyb3VuZCI6bnVsbCwiQmFja2dyb3VuZEZpbGxUeXBlIjowLCJNYXJnaW4iOnsiJHJlZiI6IjEyMiJ9LCJQYWRkaW5nIjp7IiRyZWYiOiIxMjMifSwiQmFja2dyb3VuZCI6eyIkcmVmIjoiMTI0In0sIklzVmlzaWJsZSI6dHJ1ZSwiV2lkdGgiOjAuMCwiSGVpZ2h0IjowLjAsIkJvcmRlclN0eWxlIjp7IiRpZCI6IjI0MiIsIkxpbmVDb2xvciI6bnVsbCwiTGluZVdlaWdodCI6MC4wLCJMaW5lVHlwZSI6MCwiUGFyZW50U3R5bGUiOm51bGx9LCJQYXJlbnRTdHlsZSI6bnVsbH0sIkRhdGVGb3JtYXQiOnsiJHJlZiI6IjEyNSJ9LCJJc1Zpc2libGUiOnRydWUsIlBhcmVudFN0eWxlIjpudWxsfSwiSW5kZXgiOjIsIlNtYXJ0RHVyYXRpb25BY3RpdmF0ZWQiOmZhbHNlLCJEYXRlRm9ybWF0Ijp7IiRyZWYiOiIxMjUifSwiSWQiOiJmNmUyY2M2ZC00NjE1LTRjY2MtYTIxMC1jOWIxY2VmZTIxNzAiLCJJbXBvcnRJZCI6bnVsbCwiVGl0bGUiOiJGcm9udCAtIEVuZCBDb2RpbmciLCJOb3RlIjpudWxsLCJIeXBlcmxpbmsiOnsiJGlkIjoiMjQzIiwiQWRkcmVzcyI6IiIsIlN1YkFkZHJlc3MiOiIifSwiSXNDaGFuZ2VkIjpmYWxzZSwiSXNOZXciOmZhbHNlfSx7IiRpZCI6IjI0NCIsIkdyb3VwTmFtZSI6bnVsbCwiU3RhcnREYXRlIjoiMjAyMS0wMy0wNFQwMDowMDowMFoiLCJFbmREYXRlIjoiMjAyMS0wMy0wOVQyMzo1OTowMFoiLCJQZXJjZW50YWdlQ29tcGxldGUiOm51bGwsIlN0eWxlIjp7IiRpZCI6IjI0NSIsIlNoYXBlIjozLCJTaGFwZVRoaWNrbmVzcyI6MSwiRHVyYXRpb25Gb3JtYXQiOjAsIkluY2x1ZGVOb25Xb3JraW5nRGF5c0luRHVyYXRpb24iOmZhbHNlLCJQZXJjZW50YWdlQ29tcGxldGVTdHlsZSI6eyIkaWQiOiIyNDYiLCJGb250U2V0dGluZ3MiOnsiJGlkIjoiMjQ3IiwiRm9udFNpemUiOjEwLCJGb250TmFtZSI6IkNhbGlicmkiLCJJc0JvbGQiOmZhbHNlLCJJc0l0YWxpYyI6ZmFsc2UsIklzVW5kZXJsaW5lZCI6ZmFsc2UsIlBhcmVudFN0eWxlIjpudWxsfSwiQXV0b1NpemUiOjAsIkZvcmVncm91bmQiOnsiJHJlZiI6Ijg1In0sIk1heFdpZHRoIjoyMDAuMCwiTWF4SGVpZ2h0IjoiSW5maW5pdHkiLCJTbWFydEZvcmVncm91bmRJc0FjdGl2ZSI6ZmFsc2UsIkhvcml6b250YWxBbGlnbm1lbnQiOjAsIlZlcnRpY2FsQWxpZ25tZW50IjowLCJTbWFydEZvcmVncm91bmQiOm51bGwsIkJhY2tncm91bmRGaWxsVHlwZSI6MCwiTWFyZ2luIjp7IiRyZWYiOiI4NyJ9LCJQYWRkaW5nIjp7IiRyZWYiOiI4OCJ9LCJCYWNrZ3JvdW5kIjp7IiRyZWYiOiI4OSJ9LCJJc1Zpc2libGUiOnRydWUsIldpZHRoIjowLjAsIkhlaWdodCI6MC4wLCJCb3JkZXJTdHlsZSI6eyIkaWQiOiIyNDgiLCJMaW5lQ29sb3IiOm51bGwsIkxpbmVXZWlnaHQiOjAuMCwiTGluZVR5cGUiOjAsIlBhcmVudFN0eWxlIjpudWxsfSwiUGFyZW50U3R5bGUiOm51bGx9LCJEdXJhdGlvblN0eWxlIjp7IiRpZCI6IjI0OSIsIkZvbnRTZXR0aW5ncyI6eyIkaWQiOiIyNTAiLCJGb250U2l6ZSI6MTAsIkZvbnROYW1lIjoiQ2FsaWJyaSIsIklzQm9sZCI6ZmFsc2UsIklzSXRhbGljIjpmYWxzZSwiSXNVbmRlcmxpbmVkIjpmYWxzZSwiUGFyZW50U3R5bGUiOm51bGx9LCJBdXRvU2l6ZSI6MCwiRm9yZWdyb3VuZCI6eyIkaWQiOiIyNTEiLCJDb2xvciI6eyIkaWQiOiIyNTIiLCJBIjoyNTUsIlIiOjAsIkciOjAsIkIiOjB9fSwiTWF4V2lkdGgiOjIwMC4wLCJNYXhIZWlnaHQiOiJJbmZpbml0eSIsIlNtYXJ0Rm9yZWdyb3VuZElzQWN0aXZlIjpmYWxzZSwiSG9yaXpvbnRhbEFsaWdubWVudCI6MSwiVmVydGljYWxBbGlnbm1lbnQiOjAsIlNtYXJ0Rm9yZWdyb3VuZCI6bnVsbCwiQmFja2dyb3VuZEZpbGxUeXBlIjowLCJNYXJnaW4iOnsiJHJlZiI6Ijk0In0sIlBhZGRpbmciOnsiJHJlZiI6Ijk1In0sIkJhY2tncm91bmQiOnsiJHJlZiI6Ijk2In0sIklzVmlzaWJsZSI6dHJ1ZSwiV2lkdGgiOjAuMCwiSGVpZ2h0IjowLjAsIkJvcmRlclN0eWxlIjp7IiRpZCI6IjI1MyIsIkxpbmVDb2xvciI6bnVsbCwiTGluZVdlaWdodCI6MC4wLCJMaW5lVHlwZSI6MCwiUGFyZW50U3R5bGUiOm51bGx9LCJQYXJlbnRTdHlsZSI6bnVsbH0sIkhvcml6b250YWxDb25uZWN0b3JTdHlsZSI6eyIkaWQiOiIyNTQiLCJMaW5lQ29sb3IiOnsiJHJlZiI6Ijk4In0sIkxpbmVXZWlnaHQiOjEuMCwiTGluZVR5cGUiOjAsIlBhcmVudFN0eWxlIjpudWxsfSwiVmVydGljYWxDb25uZWN0b3JTdHlsZSI6eyIkaWQiOiIyNTUiLCJMaW5lQ29sb3IiOnsiJHJlZiI6IjEwMSJ9LCJMaW5lV2VpZ2h0IjowLjAsIkxpbmVUeXBlIjowLCJQYXJlbnRTdHlsZSI6bnVsbH0sIk1hcmdpbiI6bnVsbCwiU3RhcnREYXRlUG9zaXRpb24iOjMsIkVuZERhdGVQb3NpdGlvbiI6NCwiRGF0ZUlzVmlzaWJsZSI6dHJ1ZSwiVGl0bGVQb3NpdGlvbiI6NSwiRHVyYXRpb25Qb3NpdGlvbiI6MiwiUGVyY2VudGFnZUNvbXBsZXRlZFBvc2l0aW9uIjo2LCJTcGFjaW5nIjoxMCwiSXNCZWxvd1RpbWViYW5kIjpmYWxzZSwiUGVyY2VudGFnZUNvbXBsZXRlU2hhcGVPcGFjaXR5IjozNSwiU2hhcGVTdHlsZSI6eyIkaWQiOiIyNTYiLCJNYXJnaW4iOnsiJHJlZiI6IjEwNCJ9LCJQYWRkaW5nIjp7IiRyZWYiOiIxMDUifSwiQmFja2dyb3VuZCI6eyIkaWQiOiIyNTciLCJDb2xvciI6eyIkaWQiOiIyNTgiLCJBIjoyNTUsIlIiOjkxLCJHIjoxNTUsIkIiOjIxM319LCJJc1Zpc2libGUiOnRydWUsIldpZHRoIjowLjAsIkhlaWdodCI6MTYuMCwiQm9yZGVyU3R5bGUiOnsiJGlkIjoiMjU5IiwiTGluZUNvbG9yIjp7IiRyZWYiOiIxMDkifSwiTGluZVdlaWdodCI6MC4wLCJMaW5lVHlwZSI6MCwiUGFyZW50U3R5bGUiOm51bGx9LCJQYXJlbnRTdHlsZSI6bnVsbH0sIlRpdGxlU3R5bGUiOnsiJGlkIjoiMjYwIiwiRm9udFNldHRpbmdzIjp7IiRpZCI6IjI2MSIsIkZvbnRTaXplIjoxMiwiRm9udE5hbWUiOiJUaW1lcyBOZXcgUm9tYW4iLCJJc0JvbGQiOmZhbHNlLCJJc0l0YWxpYyI6ZmFsc2UsIklzVW5kZXJsaW5lZCI6ZmFsc2UsIlBhcmVudFN0eWxlIjpudWxsfSwiQXV0b1NpemUiOjAsIkZvcmVncm91bmQiOnsiJGlkIjoiMjYyIiwiQ29sb3IiOnsiJGlkIjoiMjYzIiwiQSI6MjU1LCJSIjowLCJHIjowLCJCIjowfX0sIk1heFdpZHRoIjo3MjAuMCwiTWF4SGVpZ2h0IjoiSW5maW5pdHkiLCJTbWFydEZvcmVncm91bmRJc0FjdGl2ZSI6ZmFsc2UsIkhvcml6b250YWxBbGlnbm1lbnQiOjAsIlZlcnRpY2FsQWxpZ25tZW50IjowLCJTbWFydEZvcmVncm91bmQiOm51bGwsIkJhY2tncm91bmRGaWxsVHlwZSI6MCwiTWFyZ2luIjp7IiRyZWYiOiIxMTUifSwiUGFkZGluZyI6eyIkcmVmIjoiMTE2In0sIkJhY2tncm91bmQiOnsiJHJlZiI6IjExNyJ9LCJJc1Zpc2libGUiOnRydWUsIldpZHRoIjowLjAsIkhlaWdodCI6MC4wLCJCb3JkZXJTdHlsZSI6eyIkaWQiOiIyNjQiLCJMaW5lQ29sb3IiOm51bGwsIkxpbmVXZWlnaHQiOjAuMCwiTGluZVR5cGUiOjAsIlBhcmVudFN0eWxlIjpudWxsfSwiUGFyZW50U3R5bGUiOm51bGx9LCJEYXRlU3R5bGUiOnsiJGlkIjoiMjY1IiwiRm9udFNldHRpbmdzIjp7IiRpZCI6IjI2NiIsIkZvbnRTaXplIjoxMCwiRm9udE5hbWUiOiJDYWxpYnJpIiwiSXNCb2xkIjpmYWxzZSwiSXNJdGFsaWMiOmZhbHNlLCJJc1VuZGVybGluZWQiOmZhbHNlLCJQYXJlbnRTdHlsZSI6bnVsbH0sIkF1dG9TaXplIjowLCJGb3JlZ3JvdW5kIjp7IiRpZCI6IjI2NyIsIkNvbG9yIjp7IiRpZCI6IjI2OCIsIkEiOjI1NSwiUiI6MCwiRyI6MCwiQiI6MH19LCJNYXhXaWR0aCI6MjAwLjAsIk1heEhlaWdodCI6IkluZmluaXR5IiwiU21hcnRGb3JlZ3JvdW5kSXNBY3RpdmUiOmZhbHNlLCJIb3Jpem9udGFsQWxpZ25tZW50IjoxLCJWZXJ0aWNhbEFsaWdubWVudCI6MCwiU21hcnRGb3JlZ3JvdW5kIjpudWxsLCJCYWNrZ3JvdW5kRmlsbFR5cGUiOjAsIk1hcmdpbiI6eyIkcmVmIjoiMTIyIn0sIlBhZGRpbmciOnsiJHJlZiI6IjEyMyJ9LCJCYWNrZ3JvdW5kIjp7IiRyZWYiOiIxMjQifSwiSXNWaXNpYmxlIjp0cnVlLCJXaWR0aCI6MC4wLCJIZWlnaHQiOjAuMCwiQm9yZGVyU3R5bGUiOnsiJGlkIjoiMjY5IiwiTGluZUNvbG9yIjpudWxsLCJMaW5lV2VpZ2h0IjowLjAsIkxpbmVUeXBlIjowLCJQYXJlbnRTdHlsZSI6bnVsbH0sIlBhcmVudFN0eWxlIjpudWxsfSwiRGF0ZUZvcm1hdCI6eyIkcmVmIjoiMTI1In0sIklzVmlzaWJsZSI6dHJ1ZSwiUGFyZW50U3R5bGUiOm51bGx9LCJJbmRleCI6MywiU21hcnREdXJhdGlvbkFjdGl2YXRlZCI6ZmFsc2UsIkRhdGVGb3JtYXQiOnsiJHJlZiI6IjEyNSJ9LCJJZCI6ImEzMWQ5Yjk0LTQzNmUtNGM1Ny05YWNiLWY0YzAzZmNjZjZlZCIsIkltcG9ydElkIjpudWxsLCJUaXRsZSI6IkJhY2sgLSBFbmQgQ29kaW5nIChQYXJ0IC0xKSAoQWNjb3VudCBCYXNlZCBMb2dpbikiLCJOb3RlIjpudWxsLCJIeXBlcmxpbmsiOnsiJGlkIjoiMjcwIiwiQWRkcmVzcyI6IiIsIlN1YkFkZHJlc3MiOiIifSwiSXNDaGFuZ2VkIjpmYWxzZSwiSXNOZXciOmZhbHNlfSx7IiRpZCI6IjI3MSIsIkdyb3VwTmFtZSI6bnVsbCwiU3RhcnREYXRlIjoiMjAyMS0wMy0yM1QwMDowMDowMFoiLCJFbmREYXRlIjoiMjAyMS0wMy0zMVQyMzo1OTowMFoiLCJQZXJjZW50YWdlQ29tcGxldGUiOm51bGwsIlN0eWxlIjp7IiRpZCI6IjI3MiIsIlNoYXBlIjozLCJTaGFwZVRoaWNrbmVzcyI6MSwiRHVyYXRpb25Gb3JtYXQiOjAsIkluY2x1ZGVOb25Xb3JraW5nRGF5c0luRHVyYXRpb24iOmZhbHNlLCJQZXJjZW50YWdlQ29tcGxldGVTdHlsZSI6eyIkaWQiOiIyNzMiLCJGb250U2V0dGluZ3MiOnsiJGlkIjoiMjc0IiwiRm9udFNpemUiOjEwLCJGb250TmFtZSI6IkNhbGlicmkiLCJJc0JvbGQiOmZhbHNlLCJJc0l0YWxpYyI6ZmFsc2UsIklzVW5kZXJsaW5lZCI6ZmFsc2UsIlBhcmVudFN0eWxlIjpudWxsfSwiQXV0b1NpemUiOjAsIkZvcmVncm91bmQiOnsiJHJlZiI6Ijg1In0sIk1heFdpZHRoIjoyMDAuMCwiTWF4SGVpZ2h0IjoiSW5maW5pdHkiLCJTbWFydEZvcmVncm91bmRJc0FjdGl2ZSI6ZmFsc2UsIkhvcml6b250YWxBbGlnbm1lbnQiOjAsIlZlcnRpY2FsQWxpZ25tZW50IjowLCJTbWFydEZvcmVncm91bmQiOm51bGwsIkJhY2tncm91bmRGaWxsVHlwZSI6MCwiTWFyZ2luIjp7IiRyZWYiOiI4NyJ9LCJQYWRkaW5nIjp7IiRyZWYiOiI4OCJ9LCJCYWNrZ3JvdW5kIjp7IiRyZWYiOiI4OSJ9LCJJc1Zpc2libGUiOnRydWUsIldpZHRoIjowLjAsIkhlaWdodCI6MC4wLCJCb3JkZXJTdHlsZSI6eyIkaWQiOiIyNzUiLCJMaW5lQ29sb3IiOm51bGwsIkxpbmVXZWlnaHQiOjAuMCwiTGluZVR5cGUiOjAsIlBhcmVudFN0eWxlIjpudWxsfSwiUGFyZW50U3R5bGUiOm51bGx9LCJEdXJhdGlvblN0eWxlIjp7IiRpZCI6IjI3NiIsIkZvbnRTZXR0aW5ncyI6eyIkaWQiOiIyNzciLCJGb250U2l6ZSI6MTAsIkZvbnROYW1lIjoiQ2FsaWJyaSIsIklzQm9sZCI6ZmFsc2UsIklzSXRhbGljIjpmYWxzZSwiSXNVbmRlcmxpbmVkIjpmYWxzZSwiUGFyZW50U3R5bGUiOm51bGx9LCJBdXRvU2l6ZSI6MCwiRm9yZWdyb3VuZCI6eyIkaWQiOiIyNzgiLCJDb2xvciI6eyIkaWQiOiIyNzkiLCJBIjoyNTUsIlIiOjAsIkciOjAsIkIiOjB9fSwiTWF4V2lkdGgiOjIwMC4wLCJNYXhIZWlnaHQiOiJJbmZpbml0eSIsIlNtYXJ0Rm9yZWdyb3VuZElzQWN0aXZlIjpmYWxzZSwiSG9yaXpvbnRhbEFsaWdubWVudCI6MSwiVmVydGljYWxBbGlnbm1lbnQiOjAsIlNtYXJ0Rm9yZWdyb3VuZCI6bnVsbCwiQmFja2dyb3VuZEZpbGxUeXBlIjowLCJNYXJnaW4iOnsiJHJlZiI6Ijk0In0sIlBhZGRpbmciOnsiJHJlZiI6Ijk1In0sIkJhY2tncm91bmQiOnsiJHJlZiI6Ijk2In0sIklzVmlzaWJsZSI6dHJ1ZSwiV2lkdGgiOjAuMCwiSGVpZ2h0IjowLjAsIkJvcmRlclN0eWxlIjp7IiRpZCI6IjI4MCIsIkxpbmVDb2xvciI6bnVsbCwiTGluZVdlaWdodCI6MC4wLCJMaW5lVHlwZSI6MCwiUGFyZW50U3R5bGUiOm51bGx9LCJQYXJlbnRTdHlsZSI6bnVsbH0sIkhvcml6b250YWxDb25uZWN0b3JTdHlsZSI6eyIkaWQiOiIyODEiLCJMaW5lQ29sb3IiOnsiJHJlZiI6Ijk4In0sIkxpbmVXZWlnaHQiOjEuMCwiTGluZVR5cGUiOjAsIlBhcmVudFN0eWxlIjpudWxsfSwiVmVydGljYWxDb25uZWN0b3JTdHlsZSI6eyIkaWQiOiIyODIiLCJMaW5lQ29sb3IiOnsiJHJlZiI6IjEwMSJ9LCJMaW5lV2VpZ2h0IjowLjAsIkxpbmVUeXBlIjowLCJQYXJlbnRTdHlsZSI6bnVsbH0sIk1hcmdpbiI6bnVsbCwiU3RhcnREYXRlUG9zaXRpb24iOjMsIkVuZERhdGVQb3NpdGlvbiI6NCwiRGF0ZUlzVmlzaWJsZSI6dHJ1ZSwiVGl0bGVQb3NpdGlvbiI6NSwiRHVyYXRpb25Qb3NpdGlvbiI6MiwiUGVyY2VudGFnZUNvbXBsZXRlZFBvc2l0aW9uIjo2LCJTcGFjaW5nIjoxMCwiSXNCZWxvd1RpbWViYW5kIjpmYWxzZSwiUGVyY2VudGFnZUNvbXBsZXRlU2hhcGVPcGFjaXR5IjozNSwiU2hhcGVTdHlsZSI6eyIkaWQiOiIyODMiLCJNYXJnaW4iOnsiJHJlZiI6IjEwNCJ9LCJQYWRkaW5nIjp7IiRyZWYiOiIxMDUifSwiQmFja2dyb3VuZCI6eyIkaWQiOiIyODQiLCJDb2xvciI6eyIkaWQiOiIyODUiLCJBIjoyNTUsIlIiOjkxLCJHIjoxNTUsIkIiOjIxM319LCJJc1Zpc2libGUiOnRydWUsIldpZHRoIjowLjAsIkhlaWdodCI6MTYuMCwiQm9yZGVyU3R5bGUiOnsiJGlkIjoiMjg2IiwiTGluZUNvbG9yIjp7IiRyZWYiOiIxMDkifSwiTGluZVdlaWdodCI6MC4wLCJMaW5lVHlwZSI6MCwiUGFyZW50U3R5bGUiOm51bGx9LCJQYXJlbnRTdHlsZSI6bnVsbH0sIlRpdGxlU3R5bGUiOnsiJGlkIjoiMjg3IiwiRm9udFNldHRpbmdzIjp7IiRpZCI6IjI4OCIsIkZvbnRTaXplIjoxMiwiRm9udE5hbWUiOiJUaW1lcyBOZXcgUm9tYW4iLCJJc0JvbGQiOmZhbHNlLCJJc0l0YWxpYyI6ZmFsc2UsIklzVW5kZXJsaW5lZCI6ZmFsc2UsIlBhcmVudFN0eWxlIjpudWxsfSwiQXV0b1NpemUiOjAsIkZvcmVncm91bmQiOnsiJGlkIjoiMjg5IiwiQ29sb3IiOnsiJGlkIjoiMjkwIiwiQSI6MjU1LCJSIjowLCJHIjowLCJCIjowfX0sIk1heFdpZHRoIjo3MjAuMCwiTWF4SGVpZ2h0IjoiSW5maW5pdHkiLCJTbWFydEZvcmVncm91bmRJc0FjdGl2ZSI6ZmFsc2UsIkhvcml6b250YWxBbGlnbm1lbnQiOjAsIlZlcnRpY2FsQWxpZ25tZW50IjowLCJTbWFydEZvcmVncm91bmQiOm51bGwsIkJhY2tncm91bmRGaWxsVHlwZSI6MCwiTWFyZ2luIjp7IiRyZWYiOiIxMTUifSwiUGFkZGluZyI6eyIkcmVmIjoiMTE2In0sIkJhY2tncm91bmQiOnsiJHJlZiI6IjExNyJ9LCJJc1Zpc2libGUiOnRydWUsIldpZHRoIjowLjAsIkhlaWdodCI6MC4wLCJCb3JkZXJTdHlsZSI6eyIkaWQiOiIyOTEiLCJMaW5lQ29sb3IiOm51bGwsIkxpbmVXZWlnaHQiOjAuMCwiTGluZVR5cGUiOjAsIlBhcmVudFN0eWxlIjpudWxsfSwiUGFyZW50U3R5bGUiOm51bGx9LCJEYXRlU3R5bGUiOnsiJGlkIjoiMjkyIiwiRm9udFNldHRpbmdzIjp7IiRpZCI6IjI5MyIsIkZvbnRTaXplIjoxMCwiRm9udE5hbWUiOiJDYWxpYnJpIiwiSXNCb2xkIjpmYWxzZSwiSXNJdGFsaWMiOmZhbHNlLCJJc1VuZGVybGluZWQiOmZhbHNlLCJQYXJlbnRTdHlsZSI6bnVsbH0sIkF1dG9TaXplIjowLCJGb3JlZ3JvdW5kIjp7IiRpZCI6IjI5NCIsIkNvbG9yIjp7IiRpZCI6IjI5NSIsIkEiOjI1NSwiUiI6MCwiRyI6MCwiQiI6MH19LCJNYXhXaWR0aCI6MjAwLjAsIk1heEhlaWdodCI6IkluZmluaXR5IiwiU21hcnRGb3JlZ3JvdW5kSXNBY3RpdmUiOmZhbHNlLCJIb3Jpem9udGFsQWxpZ25tZW50IjoxLCJWZXJ0aWNhbEFsaWdubWVudCI6MCwiU21hcnRGb3JlZ3JvdW5kIjpudWxsLCJCYWNrZ3JvdW5kRmlsbFR5cGUiOjAsIk1hcmdpbiI6eyIkcmVmIjoiMTIyIn0sIlBhZGRpbmciOnsiJHJlZiI6IjEyMyJ9LCJCYWNrZ3JvdW5kIjp7IiRyZWYiOiIxMjQifSwiSXNWaXNpYmxlIjp0cnVlLCJXaWR0aCI6MC4wLCJIZWlnaHQiOjAuMCwiQm9yZGVyU3R5bGUiOnsiJGlkIjoiMjk2IiwiTGluZUNvbG9yIjpudWxsLCJMaW5lV2VpZ2h0IjowLjAsIkxpbmVUeXBlIjowLCJQYXJlbnRTdHlsZSI6bnVsbH0sIlBhcmVudFN0eWxlIjpudWxsfSwiRGF0ZUZvcm1hdCI6eyIkcmVmIjoiMTI1In0sIklzVmlzaWJsZSI6dHJ1ZSwiUGFyZW50U3R5bGUiOm51bGx9LCJJbmRleCI6NCwiU21hcnREdXJhdGlvbkFjdGl2YXRlZCI6ZmFsc2UsIkRhdGVGb3JtYXQiOnsiJHJlZiI6IjEyNSJ9LCJJZCI6ImEwMGVlMjZmLTljZmYtNDk4OC05ODVlLTQ4ZDAwNTU5ZDYyNiIsIkltcG9ydElkIjpudWxsLCJUaXRsZSI6IkxlYXJuaW5nIEFib3V0IEhvdyBhbiBlbGVjdGlvbiBpcyBoZWxkIiwiTm90ZSI6bnVsbCwiSHlwZXJsaW5rIjp7IiRpZCI6IjI5NyIsIkFkZHJlc3MiOiIiLCJTdWJBZGRyZXNzIjoiIn0sIklzQ2hhbmdlZCI6ZmFsc2UsIklzTmV3IjpmYWxzZX0seyIkaWQiOiIyOTgiLCJHcm91cE5hbWUiOm51bGwsIlN0YXJ0RGF0ZSI6IjIwMjEtMDQtMDFUMDA6MDA6MDBaIiwiRW5kRGF0ZSI6IjIwMjEtMDQtMTBUMjM6NTk6MDAiLCJQZXJjZW50YWdlQ29tcGxldGUiOm51bGwsIlN0eWxlIjp7IiRpZCI6IjI5OSIsIlNoYXBlIjozLCJTaGFwZVRoaWNrbmVzcyI6MSwiRHVyYXRpb25Gb3JtYXQiOjAsIkluY2x1ZGVOb25Xb3JraW5nRGF5c0luRHVyYXRpb24iOmZhbHNlLCJQZXJjZW50YWdlQ29tcGxldGVTdHlsZSI6eyIkaWQiOiIzMDAiLCJGb250U2V0dGluZ3MiOnsiJGlkIjoiMzAxIiwiRm9udFNpemUiOjEwLCJGb250TmFtZSI6IkNhbGlicmkiLCJJc0JvbGQiOmZhbHNlLCJJc0l0YWxpYyI6ZmFsc2UsIklzVW5kZXJsaW5lZCI6ZmFsc2UsIlBhcmVudFN0eWxlIjpudWxsfSwiQXV0b1NpemUiOjAsIkZvcmVncm91bmQiOnsiJHJlZiI6Ijg1In0sIk1heFdpZHRoIjoyMDAuMCwiTWF4SGVpZ2h0IjoiSW5maW5pdHkiLCJTbWFydEZvcmVncm91bmRJc0FjdGl2ZSI6ZmFsc2UsIkhvcml6b250YWxBbGlnbm1lbnQiOjAsIlZlcnRpY2FsQWxpZ25tZW50IjowLCJTbWFydEZvcmVncm91bmQiOm51bGwsIkJhY2tncm91bmRGaWxsVHlwZSI6MCwiTWFyZ2luIjp7IiRyZWYiOiI4NyJ9LCJQYWRkaW5nIjp7IiRyZWYiOiI4OCJ9LCJCYWNrZ3JvdW5kIjp7IiRyZWYiOiI4OSJ9LCJJc1Zpc2libGUiOnRydWUsIldpZHRoIjowLjAsIkhlaWdodCI6MC4wLCJCb3JkZXJTdHlsZSI6eyIkaWQiOiIzMDIiLCJMaW5lQ29sb3IiOm51bGwsIkxpbmVXZWlnaHQiOjAuMCwiTGluZVR5cGUiOjAsIlBhcmVudFN0eWxlIjpudWxsfSwiUGFyZW50U3R5bGUiOm51bGx9LCJEdXJhdGlvblN0eWxlIjp7IiRpZCI6IjMwMyIsIkZvbnRTZXR0aW5ncyI6eyIkaWQiOiIzMDQiLCJGb250U2l6ZSI6MTAsIkZvbnROYW1lIjoiQ2FsaWJyaSIsIklzQm9sZCI6ZmFsc2UsIklzSXRhbGljIjpmYWxzZSwiSXNVbmRlcmxpbmVkIjpmYWxzZSwiUGFyZW50U3R5bGUiOm51bGx9LCJBdXRvU2l6ZSI6MCwiRm9yZWdyb3VuZCI6eyIkaWQiOiIzMDUiLCJDb2xvciI6eyIkaWQiOiIzMDYiLCJBIjoyNTUsIlIiOjAsIkciOjAsIkIiOjB9fSwiTWF4V2lkdGgiOjIwMC4wLCJNYXhIZWlnaHQiOiJJbmZpbml0eSIsIlNtYXJ0Rm9yZWdyb3VuZElzQWN0aXZlIjpmYWxzZSwiSG9yaXpvbnRhbEFsaWdubWVudCI6MSwiVmVydGljYWxBbGlnbm1lbnQiOjAsIlNtYXJ0Rm9yZWdyb3VuZCI6bnVsbCwiQmFja2dyb3VuZEZpbGxUeXBlIjowLCJNYXJnaW4iOnsiJHJlZiI6Ijk0In0sIlBhZGRpbmciOnsiJHJlZiI6Ijk1In0sIkJhY2tncm91bmQiOnsiJHJlZiI6Ijk2In0sIklzVmlzaWJsZSI6dHJ1ZSwiV2lkdGgiOjAuMCwiSGVpZ2h0IjowLjAsIkJvcmRlclN0eWxlIjp7IiRpZCI6IjMwNyIsIkxpbmVDb2xvciI6bnVsbCwiTGluZVdlaWdodCI6MC4wLCJMaW5lVHlwZSI6MCwiUGFyZW50U3R5bGUiOm51bGx9LCJQYXJlbnRTdHlsZSI6bnVsbH0sIkhvcml6b250YWxDb25uZWN0b3JTdHlsZSI6eyIkaWQiOiIzMDgiLCJMaW5lQ29sb3IiOnsiJHJlZiI6Ijk4In0sIkxpbmVXZWlnaHQiOjEuMCwiTGluZVR5cGUiOjAsIlBhcmVudFN0eWxlIjpudWxsfSwiVmVydGljYWxDb25uZWN0b3JTdHlsZSI6eyIkaWQiOiIzMDkiLCJMaW5lQ29sb3IiOnsiJHJlZiI6IjEwMSJ9LCJMaW5lV2VpZ2h0IjowLjAsIkxpbmVUeXBlIjowLCJQYXJlbnRTdHlsZSI6bnVsbH0sIk1hcmdpbiI6bnVsbCwiU3RhcnREYXRlUG9zaXRpb24iOjMsIkVuZERhdGVQb3NpdGlvbiI6NCwiRGF0ZUlzVmlzaWJsZSI6dHJ1ZSwiVGl0bGVQb3NpdGlvbiI6NSwiRHVyYXRpb25Qb3NpdGlvbiI6MiwiUGVyY2VudGFnZUNvbXBsZXRlZFBvc2l0aW9uIjo2LCJTcGFjaW5nIjoxMCwiSXNCZWxvd1RpbWViYW5kIjpmYWxzZSwiUGVyY2VudGFnZUNvbXBsZXRlU2hhcGVPcGFjaXR5IjozNSwiU2hhcGVTdHlsZSI6eyIkaWQiOiIzMTAiLCJNYXJnaW4iOnsiJHJlZiI6IjEwNCJ9LCJQYWRkaW5nIjp7IiRyZWYiOiIxMDUifSwiQmFja2dyb3VuZCI6eyIkaWQiOiIzMTEiLCJDb2xvciI6eyIkaWQiOiIzMTIiLCJBIjoyNTUsIlIiOjkxLCJHIjoxNTUsIkIiOjIxM319LCJJc1Zpc2libGUiOnRydWUsIldpZHRoIjowLjAsIkhlaWdodCI6MTYuMCwiQm9yZGVyU3R5bGUiOnsiJGlkIjoiMzEzIiwiTGluZUNvbG9yIjp7IiRyZWYiOiIxMDkifSwiTGluZVdlaWdodCI6MC4wLCJMaW5lVHlwZSI6MCwiUGFyZW50U3R5bGUiOm51bGx9LCJQYXJlbnRTdHlsZSI6bnVsbH0sIlRpdGxlU3R5bGUiOnsiJGlkIjoiMzE0IiwiRm9udFNldHRpbmdzIjp7IiRpZCI6IjMxNSIsIkZvbnRTaXplIjoxMiwiRm9udE5hbWUiOiJUaW1lcyBOZXcgUm9tYW4iLCJJc0JvbGQiOmZhbHNlLCJJc0l0YWxpYyI6ZmFsc2UsIklzVW5kZXJsaW5lZCI6ZmFsc2UsIlBhcmVudFN0eWxlIjpudWxsfSwiQXV0b1NpemUiOjAsIkZvcmVncm91bmQiOnsiJGlkIjoiMzE2IiwiQ29sb3IiOnsiJGlkIjoiMzE3IiwiQSI6MjU1LCJSIjowLCJHIjowLCJCIjowfX0sIk1heFdpZHRoIjo3MjAuMCwiTWF4SGVpZ2h0IjoiSW5maW5pdHkiLCJTbWFydEZvcmVncm91bmRJc0FjdGl2ZSI6ZmFsc2UsIkhvcml6b250YWxBbGlnbm1lbnQiOjAsIlZlcnRpY2FsQWxpZ25tZW50IjowLCJTbWFydEZvcmVncm91bmQiOm51bGwsIkJhY2tncm91bmRGaWxsVHlwZSI6MCwiTWFyZ2luIjp7IiRyZWYiOiIxMTUifSwiUGFkZGluZyI6eyIkcmVmIjoiMTE2In0sIkJhY2tncm91bmQiOnsiJHJlZiI6IjExNyJ9LCJJc1Zpc2libGUiOnRydWUsIldpZHRoIjowLjAsIkhlaWdodCI6MC4wLCJCb3JkZXJTdHlsZSI6eyIkaWQiOiIzMTgiLCJMaW5lQ29sb3IiOm51bGwsIkxpbmVXZWlnaHQiOjAuMCwiTGluZVR5cGUiOjAsIlBhcmVudFN0eWxlIjpudWxsfSwiUGFyZW50U3R5bGUiOm51bGx9LCJEYXRlU3R5bGUiOnsiJGlkIjoiMzE5IiwiRm9udFNldHRpbmdzIjp7IiRpZCI6IjMyMCIsIkZvbnRTaXplIjoxMCwiRm9udE5hbWUiOiJDYWxpYnJpIiwiSXNCb2xkIjpmYWxzZSwiSXNJdGFsaWMiOmZhbHNlLCJJc1VuZGVybGluZWQiOmZhbHNlLCJQYXJlbnRTdHlsZSI6bnVsbH0sIkF1dG9TaXplIjowLCJGb3JlZ3JvdW5kIjp7IiRpZCI6IjMyMSIsIkNvbG9yIjp7IiRpZCI6IjMyMiIsIkEiOjI1NSwiUiI6MCwiRyI6MCwiQiI6MH19LCJNYXhXaWR0aCI6MjAwLjAsIk1heEhlaWdodCI6IkluZmluaXR5IiwiU21hcnRGb3JlZ3JvdW5kSXNBY3RpdmUiOmZhbHNlLCJIb3Jpem9udGFsQWxpZ25tZW50IjoxLCJWZXJ0aWNhbEFsaWdubWVudCI6MCwiU21hcnRGb3JlZ3JvdW5kIjpudWxsLCJCYWNrZ3JvdW5kRmlsbFR5cGUiOjAsIk1hcmdpbiI6eyIkcmVmIjoiMTIyIn0sIlBhZGRpbmciOnsiJHJlZiI6IjEyMyJ9LCJCYWNrZ3JvdW5kIjp7IiRyZWYiOiIxMjQifSwiSXNWaXNpYmxlIjp0cnVlLCJXaWR0aCI6MC4wLCJIZWlnaHQiOjAuMCwiQm9yZGVyU3R5bGUiOnsiJGlkIjoiMzIzIiwiTGluZUNvbG9yIjpudWxsLCJMaW5lV2VpZ2h0IjowLjAsIkxpbmVUeXBlIjowLCJQYXJlbnRTdHlsZSI6bnVsbH0sIlBhcmVudFN0eWxlIjpudWxsfSwiRGF0ZUZvcm1hdCI6eyIkcmVmIjoiMTI1In0sIklzVmlzaWJsZSI6dHJ1ZSwiUGFyZW50U3R5bGUiOm51bGx9LCJJbmRleCI6NSwiU21hcnREdXJhdGlvbkFjdGl2YXRlZCI6ZmFsc2UsIkRhdGVGb3JtYXQiOnsiJHJlZiI6IjEyNSJ9LCJJZCI6IjAyYmNkNjQzLWY4NzUtNGEzNS1hNWJiLTE5YWFiMmZmZDMyMSIsIkltcG9ydElkIjpudWxsLCJUaXRsZSI6IkJhY2sgLSBFbmQgQ29kaW5nIChQYXJ0IC0yKSAoSGVsZCBhbiBFbGVjdGlvbiBPbmxpbmUpIiwiTm90ZSI6bnVsbCwiSHlwZXJsaW5rIjp7IiRpZCI6IjMyNCIsIkFkZHJlc3MiOiIiLCJTdWJBZGRyZXNzIjoiIn0sIklzQ2hhbmdlZCI6ZmFsc2UsIklzTmV3IjpmYWxzZX0seyIkaWQiOiIzMjUiLCJHcm91cE5hbWUiOm51bGwsIlN0YXJ0RGF0ZSI6IjIwMjEtMDQtMTBUMDA6MDA6MDBaIiwiRW5kRGF0ZSI6IjIwMjEtMDQtMTZUMjM6NTk6MDBaIiwiUGVyY2VudGFnZUNvbXBsZXRlIjpudWxsLCJTdHlsZSI6eyIkaWQiOiIzMjYiLCJTaGFwZSI6MywiU2hhcGVUaGlja25lc3MiOjEsIkR1cmF0aW9uRm9ybWF0IjowLCJJbmNsdWRlTm9uV29ya2luZ0RheXNJbkR1cmF0aW9uIjpmYWxzZSwiUGVyY2VudGFnZUNvbXBsZXRlU3R5bGUiOnsiJGlkIjoiMzI3IiwiRm9udFNldHRpbmdzIjp7IiRpZCI6IjMyOCIsIkZvbnRTaXplIjoxMCwiRm9udE5hbWUiOiJDYWxpYnJpIiwiSXNCb2xkIjpmYWxzZSwiSXNJdGFsaWMiOmZhbHNlLCJJc1VuZGVybGluZWQiOmZhbHNlLCJQYXJlbnRTdHlsZSI6bnVsbH0sIkF1dG9TaXplIjowLCJGb3JlZ3JvdW5kIjp7IiRyZWYiOiI4NSJ9LCJNYXhXaWR0aCI6MjAwLjAsIk1heEhlaWdodCI6IkluZmluaXR5IiwiU21hcnRGb3JlZ3JvdW5kSXNBY3RpdmUiOmZhbHNlLCJIb3Jpem9udGFsQWxpZ25tZW50IjowLCJWZXJ0aWNhbEFsaWdubWVudCI6MCwiU21hcnRGb3JlZ3JvdW5kIjpudWxsLCJCYWNrZ3JvdW5kRmlsbFR5cGUiOjAsIk1hcmdpbiI6eyIkcmVmIjoiODcifSwiUGFkZGluZyI6eyIkcmVmIjoiODgifSwiQmFja2dyb3VuZCI6eyIkcmVmIjoiODkifSwiSXNWaXNpYmxlIjp0cnVlLCJXaWR0aCI6MC4wLCJIZWlnaHQiOjAuMCwiQm9yZGVyU3R5bGUiOnsiJGlkIjoiMzI5IiwiTGluZUNvbG9yIjpudWxsLCJMaW5lV2VpZ2h0IjowLjAsIkxpbmVUeXBlIjowLCJQYXJlbnRTdHlsZSI6bnVsbH0sIlBhcmVudFN0eWxlIjpudWxsfSwiRHVyYXRpb25TdHlsZSI6eyIkaWQiOiIzMzAiLCJGb250U2V0dGluZ3MiOnsiJGlkIjoiMzMxIiwiRm9udFNpemUiOjEwLCJGb250TmFtZSI6IkNhbGlicmkiLCJJc0JvbGQiOmZhbHNlLCJJc0l0YWxpYyI6ZmFsc2UsIklzVW5kZXJsaW5lZCI6ZmFsc2UsIlBhcmVudFN0eWxlIjpudWxsfSwiQXV0b1NpemUiOjAsIkZvcmVncm91bmQiOnsiJGlkIjoiMzMyIiwiQ29sb3IiOnsiJGlkIjoiMzMzIiwiQSI6MjU1LCJSIjowLCJHIjowLCJCIjowfX0sIk1heFdpZHRoIjoyMDAuMCwiTWF4SGVpZ2h0IjoiSW5maW5pdHkiLCJTbWFydEZvcmVncm91bmRJc0FjdGl2ZSI6ZmFsc2UsIkhvcml6b250YWxBbGlnbm1lbnQiOjEsIlZlcnRpY2FsQWxpZ25tZW50IjowLCJTbWFydEZvcmVncm91bmQiOm51bGwsIkJhY2tncm91bmRGaWxsVHlwZSI6MCwiTWFyZ2luIjp7IiRyZWYiOiI5NCJ9LCJQYWRkaW5nIjp7IiRyZWYiOiI5NSJ9LCJCYWNrZ3JvdW5kIjp7IiRyZWYiOiI5NiJ9LCJJc1Zpc2libGUiOnRydWUsIldpZHRoIjowLjAsIkhlaWdodCI6MC4wLCJCb3JkZXJTdHlsZSI6eyIkaWQiOiIzMzQiLCJMaW5lQ29sb3IiOm51bGwsIkxpbmVXZWlnaHQiOjAuMCwiTGluZVR5cGUiOjAsIlBhcmVudFN0eWxlIjpudWxsfSwiUGFyZW50U3R5bGUiOm51bGx9LCJIb3Jpem9udGFsQ29ubmVjdG9yU3R5bGUiOnsiJGlkIjoiMzM1IiwiTGluZUNvbG9yIjp7IiRyZWYiOiI5OCJ9LCJMaW5lV2VpZ2h0IjoxLjAsIkxpbmVUeXBlIjowLCJQYXJlbnRTdHlsZSI6bnVsbH0sIlZlcnRpY2FsQ29ubmVjdG9yU3R5bGUiOnsiJGlkIjoiMzM2IiwiTGluZUNvbG9yIjp7IiRyZWYiOiIxMDEifSwiTGluZVdlaWdodCI6MC4wLCJMaW5lVHlwZSI6MCwiUGFyZW50U3R5bGUiOm51bGx9LCJNYXJnaW4iOm51bGwsIlN0YXJ0RGF0ZVBvc2l0aW9uIjozLCJFbmREYXRlUG9zaXRpb24iOjQsIkRhdGVJc1Zpc2libGUiOnRydWUsIlRpdGxlUG9zaXRpb24iOjUsIkR1cmF0aW9uUG9zaXRpb24iOjIsIlBlcmNlbnRhZ2VDb21wbGV0ZWRQb3NpdGlvbiI6NiwiU3BhY2luZyI6MTAsIklzQmVsb3dUaW1lYmFuZCI6ZmFsc2UsIlBlcmNlbnRhZ2VDb21wbGV0ZVNoYXBlT3BhY2l0eSI6MzUsIlNoYXBlU3R5bGUiOnsiJGlkIjoiMzM3IiwiTWFyZ2luIjp7IiRyZWYiOiIxMDQifSwiUGFkZGluZyI6eyIkcmVmIjoiMTA1In0sIkJhY2tncm91bmQiOnsiJGlkIjoiMzM4IiwiQ29sb3IiOnsiJGlkIjoiMzM5IiwiQSI6MjU1LCJSIjo5MSwiRyI6MTU1LCJCIjoyMTN9fSwiSXNWaXNpYmxlIjp0cnVlLCJXaWR0aCI6MC4wLCJIZWlnaHQiOjE2LjAsIkJvcmRlclN0eWxlIjp7IiRpZCI6IjM0MCIsIkxpbmVDb2xvciI6eyIkcmVmIjoiMTA5In0sIkxpbmVXZWlnaHQiOjAuMCwiTGluZVR5cGUiOjAsIlBhcmVudFN0eWxlIjpudWxsfSwiUGFyZW50U3R5bGUiOm51bGx9LCJUaXRsZVN0eWxlIjp7IiRpZCI6IjM0MSIsIkZvbnRTZXR0aW5ncyI6eyIkaWQiOiIzNDIiLCJGb250U2l6ZSI6MTIsIkZvbnROYW1lIjoiVGltZXMgTmV3IFJvbWFuIiwiSXNCb2xkIjpmYWxzZSwiSXNJdGFsaWMiOmZhbHNlLCJJc1VuZGVybGluZWQiOmZhbHNlLCJQYXJlbnRTdHlsZSI6bnVsbH0sIkF1dG9TaXplIjowLCJGb3JlZ3JvdW5kIjp7IiRpZCI6IjM0MyIsIkNvbG9yIjp7IiRpZCI6IjM0NCIsIkEiOjI1NSwiUiI6MCwiRyI6MCwiQiI6MH19LCJNYXhXaWR0aCI6NzIwLjAsIk1heEhlaWdodCI6IkluZmluaXR5IiwiU21hcnRGb3JlZ3JvdW5kSXNBY3RpdmUiOmZhbHNlLCJIb3Jpem9udGFsQWxpZ25tZW50IjowLCJWZXJ0aWNhbEFsaWdubWVudCI6MCwiU21hcnRGb3JlZ3JvdW5kIjpudWxsLCJCYWNrZ3JvdW5kRmlsbFR5cGUiOjAsIk1hcmdpbiI6eyIkcmVmIjoiMTE1In0sIlBhZGRpbmciOnsiJHJlZiI6IjExNiJ9LCJCYWNrZ3JvdW5kIjp7IiRyZWYiOiIxMTcifSwiSXNWaXNpYmxlIjp0cnVlLCJXaWR0aCI6MC4wLCJIZWlnaHQiOjAuMCwiQm9yZGVyU3R5bGUiOnsiJGlkIjoiMzQ1IiwiTGluZUNvbG9yIjpudWxsLCJMaW5lV2VpZ2h0IjowLjAsIkxpbmVUeXBlIjowLCJQYXJlbnRTdHlsZSI6bnVsbH0sIlBhcmVudFN0eWxlIjpudWxsfSwiRGF0ZVN0eWxlIjp7IiRpZCI6IjM0NiIsIkZvbnRTZXR0aW5ncyI6eyIkaWQiOiIzNDciLCJGb250U2l6ZSI6MTAsIkZvbnROYW1lIjoiQ2FsaWJyaSIsIklzQm9sZCI6ZmFsc2UsIklzSXRhbGljIjpmYWxzZSwiSXNVbmRlcmxpbmVkIjpmYWxzZSwiUGFyZW50U3R5bGUiOm51bGx9LCJBdXRvU2l6ZSI6MCwiRm9yZWdyb3VuZCI6eyIkaWQiOiIzNDgiLCJDb2xvciI6eyIkaWQiOiIzNDkiLCJBIjoyNTUsIlIiOjAsIkciOjAsIkIiOjB9fSwiTWF4V2lkdGgiOjIwMC4wLCJNYXhIZWlnaHQiOiJJbmZpbml0eSIsIlNtYXJ0Rm9yZWdyb3VuZElzQWN0aXZlIjpmYWxzZSwiSG9yaXpvbnRhbEFsaWdubWVudCI6MSwiVmVydGljYWxBbGlnbm1lbnQiOjAsIlNtYXJ0Rm9yZWdyb3VuZCI6bnVsbCwiQmFja2dyb3VuZEZpbGxUeXBlIjowLCJNYXJnaW4iOnsiJHJlZiI6IjEyMiJ9LCJQYWRkaW5nIjp7IiRyZWYiOiIxMjMifSwiQmFja2dyb3VuZCI6eyIkcmVmIjoiMTI0In0sIklzVmlzaWJsZSI6dHJ1ZSwiV2lkdGgiOjAuMCwiSGVpZ2h0IjowLjAsIkJvcmRlclN0eWxlIjp7IiRpZCI6IjM1MCIsIkxpbmVDb2xvciI6bnVsbCwiTGluZVdlaWdodCI6MC4wLCJMaW5lVHlwZSI6MCwiUGFyZW50U3R5bGUiOm51bGx9LCJQYXJlbnRTdHlsZSI6bnVsbH0sIkRhdGVGb3JtYXQiOnsiJHJlZiI6IjEyNSJ9LCJJc1Zpc2libGUiOnRydWUsIlBhcmVudFN0eWxlIjpudWxsfSwiSW5kZXgiOjYsIlNtYXJ0RHVyYXRpb25BY3RpdmF0ZWQiOmZhbHNlLCJEYXRlRm9ybWF0Ijp7IiRyZWYiOiIxMjUifSwiSWQiOiJiZDBkNmVhYi02YjY1LTRjNDktOWI5Zi01ZDRiMDllYTJhZTUiLCJJbXBvcnRJZCI6bnVsbCwiVGl0bGUiOiJGaW5zaWhpbmcgVG91Y2hlcyIsIk5vdGUiOm51bGwsIkh5cGVybGluayI6eyIkaWQiOiIzNTEiLCJBZGRyZXNzIjoiIiwiU3ViQWRkcmVzcyI6IiJ9LCJJc0NoYW5nZWQiOmZhbHNlLCJJc05ldyI6ZmFsc2V9XSwiU3dpbWxhbmVzIjpbXSwiTXNQcm9qZWN0SXRlbXNUcmVlIjp7IiRpZCI6IjM1MiIsIlJvb3QiOnsiSW1wb3J0SWQiOm51bGwsIklzSW1wb3J0ZWQiOmZhbHNlLCJDaGlsZHJlbiI6W119fSwiTWV0YWRhdGEiOnsiJGlkIjoiMzUzIiwiUmVjZW50Q29sb3JzQ29sbGVjdGlvbiI6IltcIiNGRjVCOUJENVwiLFwiI0ZGNzBBRDQ3XCIsXCIjRkYxQUFBNDJcIixcIiNGRkVEN0QzMVwiLFwiI0ZGRkZDMDAwXCIsXCIjRkZDMzJEMkVcIixcIiNGRjZGMzE5OFwiLFwiI0ZGQTVBNUE1XCJdIn0sIlNldHRpbmdzIjp7IiRpZCI6IjM1NCIsIkltcGFPcHRpb25zIjp7IiRpZCI6IjM1NSIsIkxlZnRUb1JpZ2h0IjpmYWxzZSwiUGF5bG9hZE9wdGlvbnMiOjJ9LCJVc2VDb21wcmVzc2lvbiI6ZmFsc2UsIkNvbXByZXNpb25QZXJjZW50YWdlIjo1MC4wLCJJbmFjdGl2ZUludGVydmFsV2lkdGhUaHJlc2hvbGQiOjMwLjAsIkluYWN0aXZlSW50ZXJ2YWxXaWR0aCI6MS4wLCJTcGxpdFRhc2tzIjpmYWxzZSwiVXNlQ2x1c3RlciI6ZmFsc2UsIkVwc2lsb24iOjUuMCwiTWluUG9pbnRzVG9Gb3JtQUNsdXN0ZXIiOjIsIkdlbmVyYXRlSW52aXNpYmxlU2hhcGVzIjpmYWxzZSwiU21hcnRUaW1lbGluZVRhc2tQZXJjZW50YWdlRml0IjpmYWxzZX0sIklzTmV3IjpmYWxzZSwiSW1wb3J0VHlwZSI6MCwiRmlsZVBhdGgiOm51bGwsIlRpbWVDb25maWd1cmF0aW9uIjp7IiRpZCI6IjM1NiIsIlVzZVRpbWUiOmZhbHNlLCJXb3JrRGF5U3RhcnQiOiIwMDowMDowMCIsIldvcmtEYXlFbmQiOiIyMzo1OTowMCJ9LCJMYXN0VXNlZFRlbXBsYXRlSWQiOiI2MjdiY2FkZi0zOWFiLTQ0ZGQtODMzOS1jMzNmMmQxM2I5OWQifQ=="/>
+  <p:tag name="__PART_0" val="eyIkaWQiOiIxIiwiQ3VsdHVyZUluZm9OYW1lIjoiZW4tVVMiLCJTdHlsZU5hbWUiOm51bGwsIlZlcnNpb24iOnsiJGlkIjoiMiIsIlZlcnNpb24iOiIzLjIuMCIsIk9yaWdpbmFsQXNzZW1ibHlWZXJzaW9uIjoiNC4wMC4wNS4wMCIsIkVkaXRpb24iOiJQcm8iLCJJc1BsdXNFZGl0aW9uIjp0cnVlLCJJc1Byb0VkaXRpb24iOnRydWV9LCJFZmZlY3QiOjAsIlN0eWxlIjp7IiRpZCI6IjMiLCJUaW1lYmFuZFN0eWxlIjp7IiRpZCI6IjQiLCJTY2FsZU1hcmtpbmciOjAsIlNoYXBlIjo2LCJTaGFwZVN0eWxlIjp7IiRpZCI6IjUiLCJNYXJnaW4iOnsiJGlkIjoiNiIsIlRvcCI6MCwiTGVmdCI6MTAsIlJpZ2h0IjoxMCwiQm90dG9tIjowfSwiUGFkZGluZyI6eyIkaWQiOiI3IiwiVG9wIjozLCJMZWZ0IjoxMywiUmlnaHQiOjEzLCJCb3R0b20iOjN9LCJCYWNrZ3JvdW5kIjp7IiRpZCI6IjgiLCJDb2xvciI6eyIkaWQiOiI5IiwiQSI6MjU1LCJSIjo2OCwiRyI6ODQsIkIiOjEwNn19LCJJc1Zpc2libGUiOnRydWUsIldpZHRoIjo4NTguMCwiSGVpZ2h0IjozMC4wLCJCb3JkZXJTdHlsZSI6eyIkaWQiOiIxMCIsIkxpbmVDb2xvciI6eyIkaWQiOiIxMSIsIiR0eXBlIjoiTkxSRS5Db21tb24uRG9tLlNvbGlkQ29sb3JCcnVzaCwgTkxSRS5Db21tb24iLCJDb2xvciI6eyIkaWQiOiIxMiIsIkEiOjI1NSwiUiI6MjU1LCJHIjowLCJCIjowfX0sIkxpbmVXZWlnaHQiOjAuMCwiTGluZVR5cGUiOjAsIlBhcmVudFN0eWxlIjpudWxsfSwiUGFyZW50U3R5bGUiOm51bGx9LCJSaWdodEVuZENhcHNTdHlsZSI6eyIkaWQiOiIxMyIsIkZvbnRTZXR0aW5ncyI6eyIkaWQiOiIxNCIsIkZvbnRTaXplIjoxNCwiRm9udE5hbWUiOiJDYWxpYnJpIiwiSXNCb2xkIjp0cnVlLCJJc0l0YWxpYyI6ZmFsc2UsIklzVW5kZXJsaW5lZCI6ZmFsc2UsIlBhcmVudFN0eWxlIjpudWxsfSwiQXV0b1NpemUiOjAsIkZvcmVncm91bmQiOnsiJGlkIjoiMTUiLCJDb2xvciI6eyIkaWQiOiIxNiIsIkEiOjI1NSwiUiI6MjM3LCJHIjoxMjUsIkIiOjQ5fX0sIk1heFdpZHRoIjoiSW5maW5pdHkiLCJNYXhIZWlnaHQiOiJJbmZpbml0eSIsIlNtYXJ0Rm9yZWdyb3VuZElzQWN0aXZlIjpmYWxzZSwiSG9yaXpvbnRhbEFsaWdubWVudCI6MCwiVmVydGljYWxBbGlnbm1lbnQiOjAsIlNtYXJ0Rm9yZWdyb3VuZCI6bnVsbCwiQmFja2dyb3VuZEZpbGxUeXBlIjowLCJNYXJnaW4iOnsiJGlkIjoiMTciLCJUb3AiOjAsIkxlZnQiOjAsIlJpZ2h0IjoyMCwiQm90dG9tIjowfSwiUGFkZGluZyI6eyIkaWQiOiIxOCIsIlRvcCI6MCwiTGVmdCI6MCwiUmlnaHQiOjAsIkJvdHRvbSI6MH0sIkJhY2tncm91bmQiOnsiJGlkIjoiMTkiLCJDb2xvciI6eyIkaWQiOiIyMCIsIkEiOjg5LCJSIjowLCJHIjowLCJCIjowfX0sIklzVmlzaWJsZSI6dHJ1ZSwiV2lkdGgiOjAuMCwiSGVpZ2h0IjowLjAsIkJvcmRlclN0eWxlIjpudWxsLCJQYXJlbnRTdHlsZSI6bnVsbH0sIkxlZnRFbmRDYXBzU3R5bGUiOnsiJGlkIjoiMjEiLCJGb250U2V0dGluZ3MiOnsiJGlkIjoiMjIiLCJGb250U2l6ZSI6MTQsIkZvbnROYW1lIjoiQ2FsaWJyaSIsIklzQm9sZCI6dHJ1ZSwiSXNJdGFsaWMiOmZhbHNlLCJJc1VuZGVybGluZWQiOmZhbHNlLCJQYXJlbnRTdHlsZSI6bnVsbH0sIkF1dG9TaXplIjowLCJGb3JlZ3JvdW5kIjp7IiRpZCI6IjIzIiwiQ29sb3IiOnsiJGlkIjoiMjQiLCJBIjoyNTUsIlIiOjIzNywiRyI6MTI1LCJCIjo0OX19LCJNYXhXaWR0aCI6IkluZmluaXR5IiwiTWF4SGVpZ2h0IjoiSW5maW5pdHkiLCJTbWFydEZvcmVncm91bmRJc0FjdGl2ZSI6ZmFsc2UsIkhvcml6b250YWxBbGlnbm1lbnQiOjAsIlZlcnRpY2FsQWxpZ25tZW50IjowLCJTbWFydEZvcmVncm91bmQiOm51bGwsIkJhY2tncm91bmRGaWxsVHlwZSI6MCwiTWFyZ2luIjp7IiRpZCI6IjI1IiwiVG9wIjowLCJMZWZ0IjoyMCwiUmlnaHQiOjAsIkJvdHRvbSI6MH0sIlBhZGRpbmciOnsiJGlkIjoiMjYiLCJUb3AiOjAsIkxlZnQiOjAsIlJpZ2h0IjowLCJCb3R0b20iOjB9LCJCYWNrZ3JvdW5kIjp7IiRpZCI6IjI3IiwiQ29sb3IiOnsiJHJlZiI6IjIwIn19LCJJc1Zpc2libGUiOnRydWUsIldpZHRoIjowLjAsIkhlaWdodCI6MC4wLCJCb3JkZXJTdHlsZSI6bnVsbCwiUGFyZW50U3R5bGUiOm51bGx9LCJUb2RheVRleHRTdHlsZSI6eyIkaWQiOiIyOCIsIkZvbnRTZXR0aW5ncyI6eyIkaWQiOiIyOSIsIkZvbnRTaXplIjoxMiwiRm9udE5hbWUiOiJDYWxpYnJpIiwiSXNCb2xkIjpmYWxzZSwiSXNJdGFsaWMiOmZhbHNlLCJJc1VuZGVybGluZWQiOmZhbHNlLCJQYXJlbnRTdHlsZSI6bnVsbH0sIkF1dG9TaXplIjowLCJGb3JlZ3JvdW5kIjp7IiRpZCI6IjMwIiwiQ29sb3IiOnsiJGlkIjoiMzEiLCJBIjoyNTUsIlIiOjAsIkciOjAsIkIiOjB9fSwiTWF4V2lkdGgiOjIwMC4wLCJNYXhIZWlnaHQiOiJJbmZpbml0eSIsIlNtYXJ0Rm9yZWdyb3VuZElzQWN0aXZlIjpmYWxzZSwiSG9yaXpvbnRhbEFsaWdubWVudCI6MCwiVmVydGljYWxBbGlnbm1lbnQiOjAsIlNtYXJ0Rm9yZWdyb3VuZCI6bnVsbCwiQmFja2dyb3VuZEZpbGxUeXBlIjowLCJNYXJnaW4iOnsiJGlkIjoiMzIiLCJUb3AiOjAsIkxlZnQiOjAsIlJpZ2h0IjowLCJCb3R0b20iOjB9LCJQYWRkaW5nIjp7IiRpZCI6IjMzIiwiVG9wIjowLCJMZWZ0IjowLCJSaWdodCI6MCwiQm90dG9tIjowfSwiQmFja2dyb3VuZCI6eyIkaWQiOiIzNCIsIkNvbG9yIjp7IiRyZWYiOiIyMCJ9fSwiSXNWaXNpYmxlIjp0cnVlLCJXaWR0aCI6MC4wLCJIZWlnaHQiOjAuMCwiQm9yZGVyU3R5bGUiOm51bGwsIlBhcmVudFN0eWxlIjpudWxsfSwiVG9kYXlNYXJrZXJTdHlsZSI6eyIkaWQiOiIzNSIsIk1hcmdpbiI6eyIkaWQiOiIzNiIsIlRvcCI6MCwiTGVmdCI6MCwiUmlnaHQiOjAsIkJvdHRvbSI6MH0sIlBhZGRpbmciOnsiJGlkIjoiMzciLCJUb3AiOjAsIkxlZnQiOjAsIlJpZ2h0IjowLCJCb3R0b20iOjB9LCJCYWNrZ3JvdW5kIjp7IiRpZCI6IjM4IiwiQ29sb3IiOnsiJGlkIjoiMzkiLCJBIjoyNTUsIlIiOjI1NSwiRyI6MCwiQiI6MH19LCJJc1Zpc2libGUiOnRydWUsIldpZHRoIjowLjAsIkhlaWdodCI6MC4wLCJCb3JkZXJTdHlsZSI6bnVsbCwiUGFyZW50U3R5bGUiOm51bGx9LCJTY2FsZVN0eWxlIjp7IiRpZCI6IjQwIiwiU2hvd1NlZ21lbnRTZXBhcmF0b3JzIjp0cnVlLCJTZWdtZW50U2VwYXJhdG9yT3BhY2l0eSI6MzAsIkZvbnRTZXR0aW5ncyI6eyIkaWQiOiI0MSIsIkZvbnRTaXplIjoxMiwiRm9udE5hbWUiOiJDYWxpYnJpIiwiSXNCb2xkIjpmYWxzZSwiSXNJdGFsaWMiOmZhbHNlLCJJc1VuZGVybGluZWQiOmZhbHNlLCJQYXJlbnRTdHlsZSI6bnVsbH0sIkF1dG9TaXplIjowLCJGb3JlZ3JvdW5kIjp7IiRpZCI6IjQyIiwiQ29sb3IiOnsiJGlkIjoiNDMiLCJBIjoyNTUsIlIiOjI1NSwiRyI6MjU1LCJCIjoyNTV9fSwiTWF4V2lkdGgiOjIwMC4wLCJNYXhIZWlnaHQiOiJJbmZpbml0eSIsIlNtYXJ0Rm9yZWdyb3VuZElzQWN0aXZlIjpmYWxzZSwiSG9yaXpvbnRhbEFsaWdubWVudCI6MCwiVmVydGljYWxBbGlnbm1lbnQiOjEsIlNtYXJ0Rm9yZWdyb3VuZCI6bnVsbCwiQmFja2dyb3VuZEZpbGxUeXBlIjowLCJNYXJnaW4iOnsiJGlkIjoiNDQiLCJUb3AiOjAsIkxlZnQiOjUsIlJpZ2h0IjowLCJCb3R0b20iOjB9LCJQYWRkaW5nIjp7IiRpZCI6IjQ1IiwiVG9wIjowLCJMZWZ0IjowLCJSaWdodCI6MCwiQm90dG9tIjowfSwiQmFja2dyb3VuZCI6eyIkaWQiOiI0NiIsIkNvbG9yIjp7IiRyZWYiOiIyMCJ9fSwiSXNWaXNpYmxlIjp0cnVlLCJXaWR0aCI6MC4wLCJIZWlnaHQiOjAuMCwiQm9yZGVyU3R5bGUiOm51bGwsIlBhcmVudFN0eWxlIjpudWxsfSwiRWxhcHNlZFRpbWVCYWNrZ3JvdW5kIjp7IiRpZCI6IjQ3IiwiQ29sb3IiOnsiJGlkIjoiNDgiLCJBIjo3NywiUiI6MCwiRyI6MCwiQiI6MH19LCJBcHBlbmRZZWFyT25ZZWFyQ2hhbmdlIjp0cnVlLCJFbGFwc2VkVGltZUZvcm1hdCI6MSwiVG9kYXlNYXJrZXJQb3NpdGlvbiI6MywiUXVpY2tQb3NpdGlvbiI6MiwiQWJzb2x1dGVQb3NpdGlvbiI6NDA1LjAsIk1hcmdpbiI6eyIkaWQiOiI0OSIsIlRvcCI6MCwiTGVmdCI6MTAsIlJpZ2h0IjoxMCwiQm90dG9tIjowfSwiUGFkZGluZyI6eyIkaWQiOiI1MCIsIlRvcCI6MCwiTGVmdCI6MCwiUmlnaHQiOjAsIkJvdHRvbSI6MH0sIkJhY2tncm91bmQiOnsiJGlkIjoiNTEiLCJDb2xvciI6eyIkaWQiOiI1MiIsIkEiOjI1NSwiUiI6NjgsIkciOjg0LCJCIjoxMDZ9fSwiSXNWaXNpYmxlIjp0cnVlLCJXaWR0aCI6MC4wLCJIZWlnaHQiOjAuMCwiQm9yZGVyU3R5bGUiOm51bGwsIlBhcmVudFN0eWxlIjpudWxsfSwiRGVmYXVsdE1pbGVzdG9uZVN0eWxlIjp7IiRpZCI6IjUzIiwiU2hhcGUiOjMsIkNvbm5lY3Rvck1hcmdpbiI6eyIkaWQiOiI1NCIsIlRvcCI6MCwiTGVmdCI6MiwiUmlnaHQiOjIsIkJvdHRvbSI6MH0sIkNvbm5lY3RvclN0eWxlIjp7IiRpZCI6IjU1IiwiTGluZUNvbG9yIjp7IiRpZCI6IjU2IiwiJHR5cGUiOiJOTFJFLkNvbW1vbi5Eb20uU29saWRDb2xvckJydXNoLCBOTFJFLkNvbW1vbiIsIkNvbG9yIjp7IiRpZCI6IjU3IiwiQSI6MTI3LCJSIjo3OSwiRyI6MTI5LCJCIjoxODl9fSwiTGluZVdlaWdodCI6MS4wLCJMaW5lVHlwZSI6MCwiUGFyZW50U3R5bGUiOm51bGx9LCJJc0JlbG93VGltZWJhbmQiOmZhbHNlLCJQb3NpdGlvbk9uVGFzayI6MCwiSGlkZURhdGUiOmZhbHNlLCJTaGFwZVNpemUiOjEsIlNwYWNpbmciOjIuMCwiUGFkZGluZyI6eyIkaWQiOiI1OCIsIlRvcCI6NywiTGVmdCI6MywiUmlnaHQiOjAsIkJvdHRvbSI6Mn0sIlNoYXBlU3R5bGUiOnsiJGlkIjoiNTkiLCJNYXJnaW4iOnsiJGlkIjoiNjAiLCJUb3AiOjAsIkxlZnQiOjAsIlJpZ2h0IjowLCJCb3R0b20iOjB9LCJQYWRkaW5nIjp7IiRpZCI6IjYxIiwiVG9wIjowLCJMZWZ0IjowLCJSaWdodCI6MCwiQm90dG9tIjowfSwiQmFja2dyb3VuZCI6eyIkaWQiOiI2MiIsIkNvbG9yIjp7IiRpZCI6IjYzIiwiQSI6MjU1LCJSIjowLCJHIjoxMTQsIkIiOjE4OH19LCJJc1Zpc2libGUiOnRydWUsIldpZHRoIjoxOC4wLCJIZWlnaHQiOjIwLjAsIkJvcmRlclN0eWxlIjp7IiRpZCI6IjY0IiwiTGluZUNvbG9yIjp7IiRpZCI6IjY1IiwiJHR5cGUiOiJOTFJFLkNvbW1vbi5Eb20uU29saWRDb2xvckJydXNoLCBOTFJFLkNvbW1vbiIsIkNvbG9yIjp7IiRpZCI6IjY2IiwiQSI6MjU1LCJSIjoyNTUsIkciOjAsIkIiOjB9fSwiTGluZVdlaWdodCI6MC4wLCJMaW5lVHlwZSI6MCwiUGFyZW50U3R5bGUiOm51bGx9LCJQYXJlbnRTdHlsZSI6bnVsbH0sIlRpdGxlU3R5bGUiOnsiJGlkIjoiNjciLCJGb250U2V0dGluZ3MiOnsiJGlkIjoiNjgiLCJGb250U2l6ZSI6MTEsIkZvbnROYW1lIjoiQ2FsaWJyaSIsIklzQm9sZCI6ZmFsc2UsIklzSXRhbGljIjpmYWxzZSwiSXNVbmRlcmxpbmVkIjpmYWxzZSwiUGFyZW50U3R5bGUiOm51bGx9LCJBdXRvU2l6ZSI6MCwiRm9yZWdyb3VuZCI6eyIkaWQiOiI2OSIsIkNvbG9yIjp7IiRpZCI6IjcwIiwiQSI6MjU1LCJSIjowLCJHIjowLCJCIjowfX0sIk1heFdpZHRoIjoyMDAuMCwiTWF4SGVpZ2h0IjoiSW5maW5pdHkiLCJTbWFydEZvcmVncm91bmRJc0FjdGl2ZSI6ZmFsc2UsIkhvcml6b250YWxBbGlnbm1lbnQiOjEsIlZlcnRpY2FsQWxpZ25tZW50IjowLCJTbWFydEZvcmVncm91bmQiOm51bGwsIkJhY2tncm91bmRGaWxsVHlwZSI6MCwiTWFyZ2luIjp7IiRpZCI6IjcxIiwiVG9wIjowLCJMZWZ0IjowLCJSaWdodCI6MCwiQm90dG9tIjowfSwiUGFkZGluZyI6eyIkaWQiOiI3MiIsIlRvcCI6MCwiTGVmdCI6MCwiUmlnaHQiOjAsIkJvdHRvbSI6MH0sIkJhY2tncm91bmQiOnsiJGlkIjoiNzMiLCJDb2xvciI6eyIkcmVmIjoiMjAifX0sIklzVmlzaWJsZSI6dHJ1ZSwiV2lkdGgiOjAuMCwiSGVpZ2h0IjowLjAsIkJvcmRlclN0eWxlIjpudWxsLCJQYXJlbnRTdHlsZSI6bnVsbH0sIkRhdGVTdHlsZSI6eyIkaWQiOiI3NCIsIkZvbnRTZXR0aW5ncyI6eyIkaWQiOiI3NSIsIkZvbnRTaXplIjoxMCwiRm9udE5hbWUiOiJDYWxpYnJpIiwiSXNCb2xkIjpmYWxzZSwiSXNJdGFsaWMiOmZhbHNlLCJJc1VuZGVybGluZWQiOmZhbHNlLCJQYXJlbnRTdHlsZSI6bnVsbH0sIkF1dG9TaXplIjowLCJGb3JlZ3JvdW5kIjp7IiRpZCI6Ijc2IiwiQ29sb3IiOnsiJGlkIjoiNzciLCJBIjoyNTUsIlIiOjY4LCJHIjo4NCwiQiI6MTA2fX0sIk1heFdpZHRoIjoyMDAuMCwiTWF4SGVpZ2h0IjoiSW5maW5pdHkiLCJTbWFydEZvcmVncm91bmRJc0FjdGl2ZSI6ZmFsc2UsIkhvcml6b250YWxBbGlnbm1lbnQiOjAsIlZlcnRpY2FsQWxpZ25tZW50IjowLCJTbWFydEZvcmVncm91bmQiOm51bGwsIkJhY2tncm91bmRGaWxsVHlwZSI6MCwiTWFyZ2luIjp7IiRpZCI6Ijc4IiwiVG9wIjowLCJMZWZ0IjowLCJSaWdodCI6MCwiQm90dG9tIjowfSwiUGFkZGluZyI6eyIkaWQiOiI3OSIsIlRvcCI6MCwiTGVmdCI6MCwiUmlnaHQiOjAsIkJvdHRvbSI6MH0sIkJhY2tncm91bmQiOnsiJGlkIjoiODAiLCJDb2xvciI6eyIkcmVmIjoiMjAifX0sIklzVmlzaWJsZSI6dHJ1ZSwiV2lkdGgiOjAuMCwiSGVpZ2h0IjowLjAsIkJvcmRlclN0eWxlIjpudWxsLCJQYXJlbnRTdHlsZSI6bnVsbH0sIkRhdGVGb3JtYXQiOnsiJGlkIjoiODEiLCJGb3JtYXRTdHJpbmciOiJNTU0gZCIsIlNlcGFyYXRvciI6Ii8iLCJVc2VJbnRlcm5hdGlvbmFsRGF0ZUZvcm1hdCI6ZmFsc2UsIkRhdGVJc1Zpc2libGUiOnRydWUsIlRpbWVJc1Zpc2libGUiOmZhbHNlLCJIb3VyRGlnaXRzIjoxLCJBbVBtRGVzaWduYXRvciI6MiwiVHJpbTAwTWludXRlcyI6ZmFsc2UsIkxhc3RLbm93blZpc2liaWxpdHlTdGF0ZSI6bnVsbH0sIklzVmlzaWJsZSI6dHJ1ZSwiUGFyZW50U3R5bGUiOm51bGx9LCJEZWZhdWx0VGFza1N0eWxlIjp7IiRpZCI6IjgyIiwiU2hhcGUiOjcsIlNoYXBlVGhpY2tuZXNzIjoxLCJEdXJhdGlvbkZvcm1hdCI6NSwiSW5jbHVkZU5vbldvcmtpbmdEYXlzSW5EdXJhdGlvbiI6ZmFsc2UsIlBlcmNlbnRhZ2VDb21wbGV0ZVN0eWxlIjp7IiRpZCI6IjgzIiwiRm9udFNldHRpbmdzIjp7IiRpZCI6Ijg0IiwiRm9udFNpemUiOjEwLCJGb250TmFtZSI6IkNhbGlicmkiLCJJc0JvbGQiOmZhbHNlLCJJc0l0YWxpYyI6ZmFsc2UsIklzVW5kZXJsaW5lZCI6ZmFsc2UsIlBhcmVudFN0eWxlIjpudWxsfSwiQXV0b1NpemUiOjAsIkZvcmVncm91bmQiOnsiJGlkIjoiODUiLCJDb2xvciI6eyIkaWQiOiI4NiIsIkEiOjI1NSwiUiI6MTkyLCJHIjo4MCwiQiI6Nzd9fSwiTWF4V2lkdGgiOjIwMC4wLCJNYXhIZWlnaHQiOiJJbmZpbml0eSIsIlNtYXJ0Rm9yZWdyb3VuZElzQWN0aXZlIjpmYWxzZSwiSG9yaXpvbnRhbEFsaWdubWVudCI6MCwiVmVydGljYWxBbGlnbm1lbnQiOjAsIlNtYXJ0Rm9yZWdyb3VuZCI6bnVsbCwiQmFja2dyb3VuZEZpbGxUeXBlIjowLCJNYXJnaW4iOnsiJGlkIjoiODciLCJUb3AiOjAsIkxlZnQiOjAsIlJpZ2h0IjowLCJCb3R0b20iOjB9LCJQYWRkaW5nIjp7IiRpZCI6Ijg4IiwiVG9wIjowLCJMZWZ0IjowLCJSaWdodCI6MCwiQm90dG9tIjowfSwiQmFja2dyb3VuZCI6eyIkaWQiOiI4OSIsIkNvbG9yIjp7IiRyZWYiOiIyMCJ9fSwiSXNWaXNpYmxlIjp0cnVlLCJXaWR0aCI6MC4wLCJIZWlnaHQiOjAuMCwiQm9yZGVyU3R5bGUiOm51bGwsIlBhcmVudFN0eWxlIjpudWxsfSwiRHVyYXRpb25TdHlsZSI6eyIkaWQiOiI5MCIsIkZvbnRTZXR0aW5ncyI6eyIkaWQiOiI5MSIsIkZvbnRTaXplIjoxMCwiRm9udE5hbWUiOiJDYWxpYnJpIiwiSXNCb2xkIjpmYWxzZSwiSXNJdGFsaWMiOmZhbHNlLCJJc1VuZGVybGluZWQiOmZhbHNlLCJQYXJlbnRTdHlsZSI6bnVsbH0sIkF1dG9TaXplIjowLCJGb3JlZ3JvdW5kIjp7IiRpZCI6IjkyIiwiQ29sb3IiOnsiJGlkIjoiOTMiLCJBIjoyNTUsIlIiOjAsIkciOjAsIkIiOjB9fSwiTWF4V2lkdGgiOjIwMC4wLCJNYXhIZWlnaHQiOiJJbmZpbml0eSIsIlNtYXJ0Rm9yZWdyb3VuZElzQWN0aXZlIjpmYWxzZSwiSG9yaXpvbnRhbEFsaWdubWVudCI6MSwiVmVydGljYWxBbGlnbm1lbnQiOjAsIlNtYXJ0Rm9yZWdyb3VuZCI6bnVsbCwiQmFja2dyb3VuZEZpbGxUeXBlIjowLCJNYXJnaW4iOnsiJGlkIjoiOTQiLCJUb3AiOjAsIkxlZnQiOjAsIlJpZ2h0IjowLCJCb3R0b20iOjB9LCJQYWRkaW5nIjp7IiRpZCI6Ijk1IiwiVG9wIjowLCJMZWZ0IjowLCJSaWdodCI6MCwiQm90dG9tIjowfSwiQmFja2dyb3VuZCI6eyIkaWQiOiI5NiIsIkNvbG9yIjp7IiRyZWYiOiIyMCJ9fSwiSXNWaXNpYmxlIjp0cnVlLCJXaWR0aCI6MC4wLCJIZWlnaHQiOjAuMCwiQm9yZGVyU3R5bGUiOm51bGwsIlBhcmVudFN0eWxlIjpudWxsfSwiSG9yaXpvbnRhbENvbm5lY3RvclN0eWxlIjp7IiRpZCI6Ijk3IiwiTGluZUNvbG9yIjp7IiRpZCI6Ijk4IiwiJHR5cGUiOiJOTFJFLkNvbW1vbi5Eb20uU29saWRDb2xvckJydXNoLCBOTFJFLkNvbW1vbiIsIkNvbG9yIjp7IiRpZCI6Ijk5IiwiQSI6MjU1LCJSIjoyMDQsIkciOjIwNCwiQiI6MjA0fX0sIkxpbmVXZWlnaHQiOjEuMCwiTGluZVR5cGUiOjAsIlBhcmVudFN0eWxlIjpudWxsfSwiVmVydGljYWxDb25uZWN0b3JTdHlsZSI6eyIkaWQiOiIxMDAiLCJMaW5lQ29sb3IiOnsiJGlkIjoiMTAxIiwiJHR5cGUiOiJOTFJFLkNvbW1vbi5Eb20uU29saWRDb2xvckJydXNoLCBOTFJFLkNvbW1vbiIsIkNvbG9yIjp7IiRpZCI6IjEwMiIsIkEiOjI1NSwiUiI6MjA0LCJHIjoyMDQsIkIiOjIwNH19LCJMaW5lV2VpZ2h0IjowLjAsIkxpbmVUeXBlIjowLCJQYXJlbnRTdHlsZSI6bnVsbH0sIk1hcmdpbiI6bnVsbCwiU3RhcnREYXRlUG9zaXRpb24iOjMsIkVuZERhdGVQb3NpdGlvbiI6NCwiRGF0ZUlzVmlzaWJsZSI6dHJ1ZSwiVGl0bGVQb3NpdGlvbiI6NSwiRHVyYXRpb25Qb3NpdGlvbiI6MiwiUGVyY2VudGFnZUNvbXBsZXRlZFBvc2l0aW9uIjo2LCJTcGFjaW5nIjoxMCwiSXNCZWxvd1RpbWViYW5kIjpmYWxzZSwiUGVyY2VudGFnZUNvbXBsZXRlU2hhcGVPcGFjaXR5IjozNSwiU2hhcGVTdHlsZSI6eyIkaWQiOiIxMDMiLCJNYXJnaW4iOnsiJGlkIjoiMTA0IiwiVG9wIjowLCJMZWZ0Ijo0LCJSaWdodCI6NCwiQm90dG9tIjowfSwiUGFkZGluZyI6eyIkaWQiOiIxMDUiLCJUb3AiOjAsIkxlZnQiOjAsIlJpZ2h0IjowLCJCb3R0b20iOjB9LCJCYWNrZ3JvdW5kIjp7IiRpZCI6IjEwNiIsIkNvbG9yIjp7IiRpZCI6IjEwNyIsIkEiOjI1NSwiUiI6MCwiRyI6MTE0LCJCIjoxODh9fSwiSXNWaXNpYmxlIjp0cnVlLCJXaWR0aCI6MC4wLCJIZWlnaHQiOjE2LjAsIkJvcmRlclN0eWxlIjp7IiRpZCI6IjEwOCIsIkxpbmVDb2xvciI6eyIkaWQiOiIxMDkiLCIkdHlwZSI6Ik5MUkUuQ29tbW9uLkRvbS5Tb2xpZENvbG9yQnJ1c2gsIE5MUkUuQ29tbW9uIiwiQ29sb3IiOnsiJGlkIjoiMTEwIiwiQSI6MjU1LCJSIjoyNTUsIkciOjAsIkIiOjB9fSwiTGluZVdlaWdodCI6MC4wLCJMaW5lVHlwZSI6MCwiUGFyZW50U3R5bGUiOm51bGx9LCJQYXJlbnRTdHlsZSI6bnVsbH0sIlRpdGxlU3R5bGUiOnsiJGlkIjoiMTExIiwiRm9udFNldHRpbmdzIjp7IiRpZCI6IjExMiIsIkZvbnRTaXplIjoxMiwiRm9udE5hbWUiOiJDYWxpYnJpIiwiSXNCb2xkIjpmYWxzZSwiSXNJdGFsaWMiOmZhbHNlLCJJc1VuZGVybGluZWQiOmZhbHNlLCJQYXJlbnRTdHlsZSI6bnVsbH0sIkF1dG9TaXplIjowLCJGb3JlZ3JvdW5kIjp7IiRpZCI6IjExMyIsIkNvbG9yIjp7IiRpZCI6IjExNCIsIkEiOjI1NSwiUiI6MCwiRyI6MCwiQiI6MH19LCJNYXhXaWR0aCI6OTYwLjAsIk1heEhlaWdodCI6IkluZmluaXR5IiwiU21hcnRGb3JlZ3JvdW5kSXNBY3RpdmUiOmZhbHNlLCJIb3Jpem9udGFsQWxpZ25tZW50IjowLCJWZXJ0aWNhbEFsaWdubWVudCI6MCwiU21hcnRGb3JlZ3JvdW5kIjpudWxsLCJCYWNrZ3JvdW5kRmlsbFR5cGUiOjAsIk1hcmdpbiI6eyIkaWQiOiIxMTUiLCJUb3AiOjAsIkxlZnQiOjAsIlJpZ2h0IjowLCJCb3R0b20iOjB9LCJQYWRkaW5nIjp7IiRpZCI6IjExNiIsIlRvcCI6MCwiTGVmdCI6MCwiUmlnaHQiOjAsIkJvdHRvbSI6MH0sIkJhY2tncm91bmQiOnsiJGlkIjoiMTE3IiwiQ29sb3IiOnsiJHJlZiI6IjIwIn19LCJJc1Zpc2libGUiOnRydWUsIldpZHRoIjowLjAsIkhlaWdodCI6MC4wLCJCb3JkZXJTdHlsZSI6bnVsbCwiUGFyZW50U3R5bGUiOm51bGx9LCJEYXRlU3R5bGUiOnsiJGlkIjoiMTE4IiwiRm9udFNldHRpbmdzIjp7IiRpZCI6IjExOSIsIkZvbnRTaXplIjoxMCwiRm9udE5hbWUiOiJDYWxpYnJpIiwiSXNCb2xkIjpmYWxzZSwiSXNJdGFsaWMiOmZhbHNlLCJJc1VuZGVybGluZWQiOmZhbHNlLCJQYXJlbnRTdHlsZSI6bnVsbH0sIkF1dG9TaXplIjowLCJGb3JlZ3JvdW5kIjp7IiRpZCI6IjEyMCIsIkNvbG9yIjp7IiRpZCI6IjEyMSIsIkEiOjI1NSwiUiI6MCwiRyI6MCwiQiI6MH19LCJNYXhXaWR0aCI6MjAwLjAsIk1heEhlaWdodCI6IkluZmluaXR5IiwiU21hcnRGb3JlZ3JvdW5kSXNBY3RpdmUiOmZhbHNlLCJIb3Jpem9udGFsQWxpZ25tZW50IjoxLCJWZXJ0aWNhbEFsaWdubWVudCI6MCwiU21hcnRGb3JlZ3JvdW5kIjpudWxsLCJCYWNrZ3JvdW5kRmlsbFR5cGUiOjAsIk1hcmdpbiI6eyIkaWQiOiIxMjIiLCJUb3AiOjAsIkxlZnQiOjAsIlJpZ2h0IjowLCJCb3R0b20iOjB9LCJQYWRkaW5nIjp7IiRpZCI6IjEyMyIsIlRvcCI6MCwiTGVmdCI6MCwiUmlnaHQiOjAsIkJvdHRvbSI6MH0sIkJhY2tncm91bmQiOnsiJGlkIjoiMTI0IiwiQ29sb3IiOnsiJHJlZiI6IjIwIn19LCJJc1Zpc2libGUiOnRydWUsIldpZHRoIjowLjAsIkhlaWdodCI6MC4wLCJCb3JkZXJTdHlsZSI6bnVsbCwiUGFyZW50U3R5bGUiOm51bGx9LCJEYXRlRm9ybWF0Ijp7IiRpZCI6IjEyNSIsIkZvcm1hdFN0cmluZyI6Ik1NTSBkIiwiU2VwYXJhdG9yIjoiLyIsIlVzZUludGVybmF0aW9uYWxEYXRlRm9ybWF0IjpmYWxzZSwiRGF0ZUlzVmlzaWJsZSI6dHJ1ZSwiVGltZUlzVmlzaWJsZSI6ZmFsc2UsIkhvdXJEaWdpdHMiOjEsIkFtUG1EZXNpZ25hdG9yIjoyLCJUcmltMDBNaW51dGVzIjpmYWxzZSwiTGFzdEtub3duVmlzaWJpbGl0eVN0YXRlIjpudWxsfSwiSXNWaXNpYmxlIjp0cnVlLCJQYXJlbnRTdHlsZSI6bnVsbCwiX2V4cGxpY2l0bHlTZXQiOnsiJGlkIjoiMTI2IiwiU2hhcGVTdHlsZSI6ZmFsc2UsIlRpdGxlU3R5bGUiOmZhbHNlLCJEYXRlU3R5bGUiOmZhbHNlLCJIb3Jpem9udGFsQ29ubmVjdG9yU3R5bGUiOmZhbHNlLCJWZXJ0aWNhbENvbm5lY3RvclN0eWxlIjpmYWxzZSwiUGVyY2VudGFnZUNvbXBsZXRlU2hhcGVPcGFjaXR5IjpmYWxzZSwiU2hhcGUiOmZhbHNlLCJTaGFwZVRoaWNrbmVzcyI6ZmFsc2UsIkR1cmF0aW9uRm9ybWF0IjpmYWxzZSwiSW5jbHVkZU5vbldvcmtpbmdEYXlzSW5EdXJhdGlvbiI6ZmFsc2UsIk1hcmdpbiI6ZmFsc2UsIlN0YXJ0RGF0ZVBvc2l0aW9uIjpmYWxzZSwiRW5kRGF0ZVBvc2l0aW9uIjpmYWxzZSwiVGl0bGVQb3NpdGlvbiI6ZmFsc2UsIkR1cmF0aW9uUG9zaXRpb24iOmZhbHNlLCJQZXJjZW50YWdlQ29tcGxldGVkUG9zaXRpb24iOmZhbHNlLCJTcGFjaW5nIjpmYWxzZSwiSXNCZWxvd1RpbWViYW5kIjpmYWxzZSwiRGF0ZUZvcm1hdCI6ZmFsc2UsIklzVmlzaWJsZSI6ZmFsc2V9fSwiR3JpZGxpbmVQYW5lbFN0eWxlIjp7IiRpZCI6IjEyNyIsIkdyaWRsaW5lU3R5bGUiOnsiJGlkIjoiMTI4IiwiTGluZUNvbG9yIjp7IiRpZCI6IjEyOSIsIiR0eXBlIjoiTkxSRS5Db21tb24uRG9tLlNvbGlkQ29sb3JCcnVzaCwgTkxSRS5Db21tb24iLCJDb2xvciI6eyIkaWQiOiIxMzAiLCJBIjozOCwiUiI6OTEsIkciOjE1NSwiQiI6MjEzfX0sIkxpbmVXZWlnaHQiOjEuMCwiTGluZVR5cGUiOjAsIlBhcmVudFN0eWxlIjpudWxsfSwiTWFyZ2luIjp7IiRpZCI6IjEzMSIsIlRvcCI6MCwiTGVmdCI6MCwiUmlnaHQiOjAsIkJvdHRvbSI6MH0sIlBhZGRpbmciOnsiJGlkIjoiMTMyIiwiVG9wIjowLCJMZWZ0IjowLCJSaWdodCI6MCwiQm90dG9tIjowfSwiQmFja2dyb3VuZCI6bnVsbCwiSXNWaXNpYmxlIjp0cnVlLCJXaWR0aCI6MC4wLCJIZWlnaHQiOjAuMCwiQm9yZGVyU3R5bGUiOnsiJGlkIjoiMTMzIiwiTGluZUNvbG9yIjpudWxsLCJMaW5lV2VpZ2h0IjowLjAsIkxpbmVUeXBlIjowLCJQYXJlbnRTdHlsZSI6bnVsbH0sIlBhcmVudFN0eWxlIjpudWxsfSwiU2hvd0VsYXBzZWRUaW1lR3JhZGllbnRTdHlsZSI6ZmFsc2UsIkRlZmF1bHRTd2ltbGFuZVN0eWxlIjp7IiRpZCI6IjEzNCIsIkhlYWRlclN0eWxlIjp7IiRpZCI6IjEzNSIsIlRleHRTdHlsZSI6eyIkaWQiOiIxMzYiLCJGb250U2V0dGluZ3MiOnsiJGlkIjoiMTM3IiwiRm9udFNpemUiOjEyLCJGb250TmFtZSI6IkNhbGlicmkiLCJJc0JvbGQiOmZhbHNlLCJJc0l0YWxpYyI6ZmFsc2UsIklzVW5kZXJsaW5lZCI6ZmFsc2UsIlBhcmVudFN0eWxlIjpudWxsfSwiQXV0b1NpemUiOjAsIkZvcmVncm91bmQiOnsiJGlkIjoiMTM4IiwiQ29sb3IiOnsiJGlkIjoiMTM5IiwiQSI6MjU1LCJSIjozMiwiRyI6NTYsIkIiOjEwMH19LCJNYXhXaWR0aCI6MC4wLCJNYXhIZWlnaHQiOjAuMCwiU21hcnRGb3JlZ3JvdW5kSXNBY3RpdmUiOmZhbHNlLCJIb3Jpem9udGFsQWxpZ25tZW50IjowLCJWZXJ0aWNhbEFsaWdubWVudCI6MCwiU21hcnRGb3JlZ3JvdW5kIjpudWxsLCJCYWNrZ3JvdW5kRmlsbFR5cGUiOjAsIk1hcmdpbiI6eyIkaWQiOiIxNDAiLCJUb3AiOjAsIkxlZnQiOjAsIlJpZ2h0IjowLCJCb3R0b20iOjB9LCJQYWRkaW5nIjp7IiRpZCI6IjE0MSIsIlRvcCI6MCwiTGVmdCI6MCwiUmlnaHQiOjAsIkJvdHRvbSI6MH0sIkJhY2tncm91bmQiOm51bGwsIklzVmlzaWJsZSI6ZmFsc2UsIldpZHRoIjowLjAsIkhlaWdodCI6MC4wLCJCb3JkZXJTdHlsZSI6bnVsbCwiUGFyZW50U3R5bGUiOm51bGx9LCJSZWN0YW5nbGVTdHlsZSI6eyIkaWQiOiIxNDIiLCJNYXJnaW4iOnsiJGlkIjoiMTQzIiwiVG9wIjowLCJMZWZ0IjowLCJSaWdodCI6MCwiQm90dG9tIjowfSwiUGFkZGluZyI6eyIkaWQiOiIxNDQiLCJUb3AiOjAsIkxlZnQiOjAsIlJpZ2h0IjowLCJCb3R0b20iOjB9LCJCYWNrZ3JvdW5kIjp7IiRpZCI6IjE0NSIsIkNvbG9yIjp7IiRpZCI6IjE0NiIsIkEiOjEyNywiUiI6OTEsIkciOjE1NSwiQiI6MjEzfX0sIklzVmlzaWJsZSI6ZmFsc2UsIldpZHRoIjowLjAsIkhlaWdodCI6MC4wLCJCb3JkZXJTdHlsZSI6eyIkaWQiOiIxNDciLCJMaW5lQ29sb3IiOnsiJGlkIjoiMTQ4IiwiJHR5cGUiOiJOTFJFLkNvbW1vbi5Eb20uU29saWRDb2xvckJydXNoLCBOTFJFLkNvbW1vbiIsIkNvbG9yIjp7IiRpZCI6IjE0OSIsIkEiOjI1NSwiUiI6MjU1LCJHIjowLCJCIjowfX0sIkxpbmVXZWlnaHQiOjAuMCwiTGluZVR5cGUiOjAsIlBhcmVudFN0eWxlIjpudWxsfSwiUGFyZW50U3R5bGUiOm51bGx9LCJNYXJnaW4iOnsiJGlkIjoiMTUwIiwiVG9wIjowLCJMZWZ0IjowLCJSaWdodCI6MCwiQm90dG9tIjowfSwiUGFkZGluZyI6eyIkaWQiOiIxNTEiLCJUb3AiOjAsIkxlZnQiOjAsIlJpZ2h0IjowLCJCb3R0b20iOjB9LCJCYWNrZ3JvdW5kIjpudWxsLCJJc1Zpc2libGUiOnRydWUsIldpZHRoIjowLjAsIkhlaWdodCI6MC4wLCJCb3JkZXJTdHlsZSI6bnVsbCwiUGFyZW50U3R5bGUiOm51bGx9LCJCYWNrZ3JvdW5kU3R5bGUiOnsiJGlkIjoiMTUyIiwiTWFyZ2luIjp7IiRpZCI6IjE1MyIsIlRvcCI6MCwiTGVmdCI6MCwiUmlnaHQiOjAsIkJvdHRvbSI6MH0sIlBhZGRpbmciOnsiJGlkIjoiMTU0IiwiVG9wIjowLCJMZWZ0IjowLCJSaWdodCI6MCwiQm90dG9tIjowfSwiQmFja2dyb3VuZCI6eyIkaWQiOiIxNTUiLCJDb2xvciI6eyIkaWQiOiIxNTYiLCJBIjozOCwiUiI6OTEsIkciOjE1NSwiQiI6MjEzfX0sIklzVmlzaWJsZSI6dHJ1ZSwiV2lkdGgiOjAuMCwiSGVpZ2h0IjowLjAsIkJvcmRlclN0eWxlIjp7IiRpZCI6IjE1NyIsIkxpbmVDb2xvciI6eyIkaWQiOiIxNTgiLCIkdHlwZSI6Ik5MUkUuQ29tbW9uLkRvbS5Tb2xpZENvbG9yQnJ1c2gsIE5MUkUuQ29tbW9uIiwiQ29sb3IiOnsiJGlkIjoiMTU5IiwiQSI6MjU1LCJSIjoyNTUsIkciOjAsIkIiOjB9fSwiTGluZVdlaWdodCI6MC4wLCJMaW5lVHlwZSI6MCwiUGFyZW50U3R5bGUiOm51bGx9LCJQYXJlbnRTdHlsZSI6bnVsbH0sIklzQWJvdmVUaW1lYmFuZCI6ZmFsc2UsIk1hcmdpbiI6eyIkaWQiOiIxNjAiLCJUb3AiOjAsIkxlZnQiOjAsIlJpZ2h0IjowLCJCb3R0b20iOjB9LCJQYWRkaW5nIjp7IiRpZCI6IjE2MSIsIlRvcCI6MCwiTGVmdCI6MCwiUmlnaHQiOjAsIkJvdHRvbSI6MH0sIklzVmlzaWJsZSI6dHJ1ZSwiV2lkdGgiOjAuMCwiSGVpZ2h0IjowLjAsIkJvcmRlclN0eWxlIjpudWxsLCJQYXJlbnRTdHlsZSI6bnVsbH19LCJTY2FsZSI6eyIkaWQiOiIxNjIiLCJTdGFydERhdGUiOiIyMDE4LTA4LTAyVDIzOjU5OjAwWiIsIkVuZERhdGUiOiIyMDIxLTA0LTE2VDIzOjU5OjAwIiwiRm9ybWF0IjoiTU1NIiwiVHlwZSI6MiwiQXV0b0RhdGVSYW5nZSI6dHJ1ZSwiV29ya2luZ0RheXMiOjMxLCJUb2RheU1hcmtlclRleHQiOiJUb2RheSIsIkF1dG9TY2FsZVR5cGUiOnRydWV9LCJNaWxlc3RvbmVzIjpbXSwiVGFza3MiOlt7IiRpZCI6IjE2MyIsIkdyb3VwTmFtZSI6bnVsbCwiU3RhcnREYXRlIjoiMjAyMS0wMS0zMVQxNTo1NDowMFoiLCJFbmREYXRlIjoiMjAyMS0wMi0xM1QyMzo1OTowMFoiLCJQZXJjZW50YWdlQ29tcGxldGUiOm51bGwsIlN0eWxlIjp7IiRpZCI6IjE2NCIsIlNoYXBlIjozLCJTaGFwZVRoaWNrbmVzcyI6MywiRHVyYXRpb25Gb3JtYXQiOjAsIkluY2x1ZGVOb25Xb3JraW5nRGF5c0luRHVyYXRpb24iOmZhbHNlLCJQZXJjZW50YWdlQ29tcGxldGVTdHlsZSI6eyIkaWQiOiIxNjUiLCJGb250U2V0dGluZ3MiOnsiJGlkIjoiMTY2IiwiRm9udFNpemUiOjEwLCJGb250TmFtZSI6IkNhbGlicmkiLCJJc0JvbGQiOmZhbHNlLCJJc0l0YWxpYyI6ZmFsc2UsIklzVW5kZXJsaW5lZCI6ZmFsc2UsIlBhcmVudFN0eWxlIjpudWxsfSwiQXV0b1NpemUiOjAsIkZvcmVncm91bmQiOnsiJHJlZiI6Ijg1In0sIk1heFdpZHRoIjoyMDAuMCwiTWF4SGVpZ2h0IjoiSW5maW5pdHkiLCJTbWFydEZvcmVncm91bmRJc0FjdGl2ZSI6ZmFsc2UsIkhvcml6b250YWxBbGlnbm1lbnQiOjAsIlZlcnRpY2FsQWxpZ25tZW50IjowLCJTbWFydEZvcmVncm91bmQiOm51bGwsIkJhY2tncm91bmRGaWxsVHlwZSI6MCwiTWFyZ2luIjp7IiRyZWYiOiI4NyJ9LCJQYWRkaW5nIjp7IiRyZWYiOiI4OCJ9LCJCYWNrZ3JvdW5kIjp7IiRyZWYiOiI4OSJ9LCJJc1Zpc2libGUiOnRydWUsIldpZHRoIjowLjAsIkhlaWdodCI6MC4wLCJCb3JkZXJTdHlsZSI6eyIkaWQiOiIxNjciLCJMaW5lQ29sb3IiOm51bGwsIkxpbmVXZWlnaHQiOjAuMCwiTGluZVR5cGUiOjAsIlBhcmVudFN0eWxlIjpudWxsfSwiUGFyZW50U3R5bGUiOm51bGx9LCJEdXJhdGlvblN0eWxlIjp7IiRpZCI6IjE2OCIsIkZvbnRTZXR0aW5ncyI6eyIkaWQiOiIxNjkiLCJGb250U2l6ZSI6MTAsIkZvbnROYW1lIjoiQ2FsaWJyaSIsIklzQm9sZCI6ZmFsc2UsIklzSXRhbGljIjpmYWxzZSwiSXNVbmRlcmxpbmVkIjpmYWxzZSwiUGFyZW50U3R5bGUiOm51bGx9LCJBdXRvU2l6ZSI6MCwiRm9yZWdyb3VuZCI6eyIkaWQiOiIxNzAiLCJDb2xvciI6eyIkaWQiOiIxNzEiLCJBIjoyNTUsIlIiOjAsIkciOjAsIkIiOjB9fSwiTWF4V2lkdGgiOjIwMC4wLCJNYXhIZWlnaHQiOiJJbmZpbml0eSIsIlNtYXJ0Rm9yZWdyb3VuZElzQWN0aXZlIjpmYWxzZSwiSG9yaXpvbnRhbEFsaWdubWVudCI6MSwiVmVydGljYWxBbGlnbm1lbnQiOjAsIlNtYXJ0Rm9yZWdyb3VuZCI6bnVsbCwiQmFja2dyb3VuZEZpbGxUeXBlIjowLCJNYXJnaW4iOnsiJHJlZiI6Ijk0In0sIlBhZGRpbmciOnsiJHJlZiI6Ijk1In0sIkJhY2tncm91bmQiOnsiJHJlZiI6Ijk2In0sIklzVmlzaWJsZSI6dHJ1ZSwiV2lkdGgiOjAuMCwiSGVpZ2h0IjowLjAsIkJvcmRlclN0eWxlIjp7IiRpZCI6IjE3MiIsIkxpbmVDb2xvciI6bnVsbCwiTGluZVdlaWdodCI6MC4wLCJMaW5lVHlwZSI6MCwiUGFyZW50U3R5bGUiOm51bGx9LCJQYXJlbnRTdHlsZSI6bnVsbH0sIkhvcml6b250YWxDb25uZWN0b3JTdHlsZSI6eyIkaWQiOiIxNzMiLCJMaW5lQ29sb3IiOnsiJHJlZiI6Ijk4In0sIkxpbmVXZWlnaHQiOjEuMCwiTGluZVR5cGUiOjAsIlBhcmVudFN0eWxlIjpudWxsfSwiVmVydGljYWxDb25uZWN0b3JTdHlsZSI6eyIkaWQiOiIxNzQiLCJMaW5lQ29sb3IiOnsiJHJlZiI6IjEwMSJ9LCJMaW5lV2VpZ2h0IjowLjAsIkxpbmVUeXBlIjowLCJQYXJlbnRTdHlsZSI6bnVsbH0sIk1hcmdpbiI6bnVsbCwiU3RhcnREYXRlUG9zaXRpb24iOjQsIkVuZERhdGVQb3NpdGlvbiI6NCwiRGF0ZUlzVmlzaWJsZSI6dHJ1ZSwiVGl0bGVQb3NpdGlvbiI6NSwiRHVyYXRpb25Qb3NpdGlvbiI6MiwiUGVyY2VudGFnZUNvbXBsZXRlZFBvc2l0aW9uIjo2LCJTcGFjaW5nIjoxMCwiSXNCZWxvd1RpbWViYW5kIjpmYWxzZSwiUGVyY2VudGFnZUNvbXBsZXRlU2hhcGVPcGFjaXR5IjozNSwiU2hhcGVTdHlsZSI6eyIkaWQiOiIxNzUiLCJNYXJnaW4iOnsiJHJlZiI6IjEwNCJ9LCJQYWRkaW5nIjp7IiRyZWYiOiIxMDUifSwiQmFja2dyb3VuZCI6eyIkaWQiOiIxNzYiLCJDb2xvciI6eyIkaWQiOiIxNzciLCJBIjoyNTUsIlIiOjkxLCJHIjoxNTUsIkIiOjIxM319LCJJc1Zpc2libGUiOnRydWUsIldpZHRoIjowLjAsIkhlaWdodCI6MjIuNTk1NDE5ODQ3MzI4MTE3LCJCb3JkZXJTdHlsZSI6eyIkaWQiOiIxNzgiLCJMaW5lQ29sb3IiOnsiJHJlZiI6IjEwOSJ9LCJMaW5lV2VpZ2h0IjowLjAsIkxpbmVUeXBlIjowLCJQYXJlbnRTdHlsZSI6bnVsbH0sIlBhcmVudFN0eWxlIjpudWxsfSwiVGl0bGVTdHlsZSI6eyIkaWQiOiIxNzkiLCJGb250U2V0dGluZ3MiOnsiJGlkIjoiMTgwIiwiRm9udFNpemUiOjEyLCJGb250TmFtZSI6IlRpbWVzIE5ldyBSb21hbiIsIklzQm9sZCI6ZmFsc2UsIklzSXRhbGljIjpmYWxzZSwiSXNVbmRlcmxpbmVkIjpmYWxzZSwiUGFyZW50U3R5bGUiOm51bGx9LCJBdXRvU2l6ZSI6MiwiRm9yZWdyb3VuZCI6eyIkaWQiOiIxODEiLCJDb2xvciI6eyIkaWQiOiIxODIiLCJBIjoyNTUsIlIiOjAsIkciOjAsIkIiOjB9fSwiTWF4V2lkdGgiOjIyOS4yOCwiTWF4SGVpZ2h0IjoiSW5maW5pdHkiLCJTbWFydEZvcmVncm91bmRJc0FjdGl2ZSI6ZmFsc2UsIkhvcml6b250YWxBbGlnbm1lbnQiOjAsIlZlcnRpY2FsQWxpZ25tZW50IjowLCJTbWFydEZvcmVncm91bmQiOm51bGwsIkJhY2tncm91bmRGaWxsVHlwZSI6MCwiTWFyZ2luIjp7IiRyZWYiOiIxMTUifSwiUGFkZGluZyI6eyIkcmVmIjoiMTE2In0sIkJhY2tncm91bmQiOnsiJHJlZiI6IjExNyJ9LCJJc1Zpc2libGUiOnRydWUsIldpZHRoIjowLjAsIkhlaWdodCI6MC4wLCJCb3JkZXJTdHlsZSI6eyIkaWQiOiIxODMiLCJMaW5lQ29sb3IiOm51bGwsIkxpbmVXZWlnaHQiOjAuMCwiTGluZVR5cGUiOjAsIlBhcmVudFN0eWxlIjpudWxsfSwiUGFyZW50U3R5bGUiOm51bGx9LCJEYXRlU3R5bGUiOnsiJGlkIjoiMTg0IiwiRm9udFNldHRpbmdzIjp7IiRpZCI6IjE4NSIsIkZvbnRTaXplIjoxMCwiRm9udE5hbWUiOiJDYWxpYnJpIiwiSXNCb2xkIjpmYWxzZSwiSXNJdGFsaWMiOmZhbHNlLCJJc1VuZGVybGluZWQiOmZhbHNlLCJQYXJlbnRTdHlsZSI6bnVsbH0sIkF1dG9TaXplIjowLCJGb3JlZ3JvdW5kIjp7IiRpZCI6IjE4NiIsIkNvbG9yIjp7IiRpZCI6IjE4NyIsIkEiOjI1NSwiUiI6MCwiRyI6MCwiQiI6MH19LCJNYXhXaWR0aCI6MjAwLjAsIk1heEhlaWdodCI6IkluZmluaXR5IiwiU21hcnRGb3JlZ3JvdW5kSXNBY3RpdmUiOmZhbHNlLCJIb3Jpem9udGFsQWxpZ25tZW50IjowLCJWZXJ0aWNhbEFsaWdubWVudCI6MCwiU21hcnRGb3JlZ3JvdW5kIjpudWxsLCJCYWNrZ3JvdW5kRmlsbFR5cGUiOjAsIk1hcmdpbiI6eyIkcmVmIjoiMTIyIn0sIlBhZGRpbmciOnsiJHJlZiI6IjEyMyJ9LCJCYWNrZ3JvdW5kIjp7IiRyZWYiOiIxMjQifSwiSXNWaXNpYmxlIjp0cnVlLCJXaWR0aCI6MC4wLCJIZWlnaHQiOjAuMCwiQm9yZGVyU3R5bGUiOnsiJGlkIjoiMTg4IiwiTGluZUNvbG9yIjpudWxsLCJMaW5lV2VpZ2h0IjowLjAsIkxpbmVUeXBlIjowLCJQYXJlbnRTdHlsZSI6bnVsbH0sIlBhcmVudFN0eWxlIjpudWxsfSwiRGF0ZUZvcm1hdCI6eyIkcmVmIjoiMTI1In0sIklzVmlzaWJsZSI6dHJ1ZSwiUGFyZW50U3R5bGUiOm51bGx9LCJJbmRleCI6MCwiU21hcnREdXJhdGlvbkFjdGl2YXRlZCI6ZmFsc2UsIkRhdGVGb3JtYXQiOnsiJHJlZiI6IjEyNSJ9LCJJZCI6IjljNGYzNWZmLTg1N2YtNGIxMy1iOTUyLTI4OGUxYTcxN2I3ZiIsIkltcG9ydElkIjpudWxsLCJUaXRsZSI6IkxlYXJuaW5nIEFib3V0IGhvdyB0aGUgZWxlY3Rpb24gcHJvY2VzcyB3b3JrcyIsIk5vdGUiOm51bGwsIkh5cGVybGluayI6eyIkaWQiOiIxODkiLCJBZGRyZXNzIjoiIiwiU3ViQWRkcmVzcyI6IiJ9LCJJc0NoYW5nZWQiOmZhbHNlLCJJc05ldyI6ZmFsc2V9LHsiJGlkIjoiMTkwIiwiR3JvdXBOYW1lIjpudWxsLCJTdGFydERhdGUiOiIyMDIxLTAyLTEzVDAwOjAwOjAwWiIsIkVuZERhdGUiOiIyMDIxLTAyLTE1VDIyOjU4OjAwWiIsIlBlcmNlbnRhZ2VDb21wbGV0ZSI6bnVsbCwiU3R5bGUiOnsiJGlkIjoiMTkxIiwiU2hhcGUiOjMsIlNoYXBlVGhpY2tuZXNzIjoxLCJEdXJhdGlvbkZvcm1hdCI6MCwiSW5jbHVkZU5vbldvcmtpbmdEYXlzSW5EdXJhdGlvbiI6ZmFsc2UsIlBlcmNlbnRhZ2VDb21wbGV0ZVN0eWxlIjp7IiRpZCI6IjE5MiIsIkZvbnRTZXR0aW5ncyI6eyIkaWQiOiIxOTMiLCJGb250U2l6ZSI6MTAsIkZvbnROYW1lIjoiQ2FsaWJyaSIsIklzQm9sZCI6ZmFsc2UsIklzSXRhbGljIjpmYWxzZSwiSXNVbmRlcmxpbmVkIjpmYWxzZSwiUGFyZW50U3R5bGUiOm51bGx9LCJBdXRvU2l6ZSI6MCwiRm9yZWdyb3VuZCI6eyIkcmVmIjoiODUifSwiTWF4V2lkdGgiOjIwMC4wLCJNYXhIZWlnaHQiOiJJbmZpbml0eSIsIlNtYXJ0Rm9yZWdyb3VuZElzQWN0aXZlIjpmYWxzZSwiSG9yaXpvbnRhbEFsaWdubWVudCI6MCwiVmVydGljYWxBbGlnbm1lbnQiOjAsIlNtYXJ0Rm9yZWdyb3VuZCI6bnVsbCwiQmFja2dyb3VuZEZpbGxUeXBlIjowLCJNYXJnaW4iOnsiJHJlZiI6Ijg3In0sIlBhZGRpbmciOnsiJHJlZiI6Ijg4In0sIkJhY2tncm91bmQiOnsiJHJlZiI6Ijg5In0sIklzVmlzaWJsZSI6dHJ1ZSwiV2lkdGgiOjAuMCwiSGVpZ2h0IjowLjAsIkJvcmRlclN0eWxlIjp7IiRpZCI6IjE5NCIsIkxpbmVDb2xvciI6bnVsbCwiTGluZVdlaWdodCI6MC4wLCJMaW5lVHlwZSI6MCwiUGFyZW50U3R5bGUiOm51bGx9LCJQYXJlbnRTdHlsZSI6bnVsbH0sIkR1cmF0aW9uU3R5bGUiOnsiJGlkIjoiMTk1IiwiRm9udFNldHRpbmdzIjp7IiRpZCI6IjE5NiIsIkZvbnRTaXplIjoxMCwiRm9udE5hbWUiOiJDYWxpYnJpIiwiSXNCb2xkIjpmYWxzZSwiSXNJdGFsaWMiOmZhbHNlLCJJc1VuZGVybGluZWQiOmZhbHNlLCJQYXJlbnRTdHlsZSI6bnVsbH0sIkF1dG9TaXplIjowLCJGb3JlZ3JvdW5kIjp7IiRpZCI6IjE5NyIsIkNvbG9yIjp7IiRpZCI6IjE5OCIsIkEiOjI1NSwiUiI6MCwiRyI6MCwiQiI6MH19LCJNYXhXaWR0aCI6MjAwLjAsIk1heEhlaWdodCI6IkluZmluaXR5IiwiU21hcnRGb3JlZ3JvdW5kSXNBY3RpdmUiOmZhbHNlLCJIb3Jpem9udGFsQWxpZ25tZW50IjowLCJWZXJ0aWNhbEFsaWdubWVudCI6MCwiU21hcnRGb3JlZ3JvdW5kIjpudWxsLCJCYWNrZ3JvdW5kRmlsbFR5cGUiOjAsIk1hcmdpbiI6eyIkcmVmIjoiOTQifSwiUGFkZGluZyI6eyIkcmVmIjoiOTUifSwiQmFja2dyb3VuZCI6eyIkcmVmIjoiOTYifSwiSXNWaXNpYmxlIjp0cnVlLCJXaWR0aCI6MC4wLCJIZWlnaHQiOjAuMCwiQm9yZGVyU3R5bGUiOnsiJGlkIjoiMTk5IiwiTGluZUNvbG9yIjpudWxsLCJMaW5lV2VpZ2h0IjowLjAsIkxpbmVUeXBlIjowLCJQYXJlbnRTdHlsZSI6bnVsbH0sIlBhcmVudFN0eWxlIjpudWxsfSwiSG9yaXpvbnRhbENvbm5lY3RvclN0eWxlIjp7IiRpZCI6IjIwMCIsIkxpbmVDb2xvciI6eyIkcmVmIjoiOTgifSwiTGluZVdlaWdodCI6MS4wLCJMaW5lVHlwZSI6MCwiUGFyZW50U3R5bGUiOm51bGx9LCJWZXJ0aWNhbENvbm5lY3RvclN0eWxlIjp7IiRpZCI6IjIwMSIsIkxpbmVDb2xvciI6eyIkcmVmIjoiMTAxIn0sIkxpbmVXZWlnaHQiOjAuMCwiTGluZVR5cGUiOjAsIlBhcmVudFN0eWxlIjpudWxsfSwiTWFyZ2luIjpudWxsLCJTdGFydERhdGVQb3NpdGlvbiI6MywiRW5kRGF0ZVBvc2l0aW9uIjo0LCJEYXRlSXNWaXNpYmxlIjp0cnVlLCJUaXRsZVBvc2l0aW9uIjo1LCJEdXJhdGlvblBvc2l0aW9uIjowLCJQZXJjZW50YWdlQ29tcGxldGVkUG9zaXRpb24iOjYsIlNwYWNpbmciOjEwLCJJc0JlbG93VGltZWJhbmQiOmZhbHNlLCJQZXJjZW50YWdlQ29tcGxldGVTaGFwZU9wYWNpdHkiOjM1LCJTaGFwZVN0eWxlIjp7IiRpZCI6IjIwMiIsIk1hcmdpbiI6eyIkcmVmIjoiMTA0In0sIlBhZGRpbmciOnsiJHJlZiI6IjEwNSJ9LCJCYWNrZ3JvdW5kIjp7IiRpZCI6IjIwMyIsIkNvbG9yIjp7IiRpZCI6IjIwNCIsIkEiOjI1NSwiUiI6OTEsIkciOjE1NSwiQiI6MjEzfX0sIklzVmlzaWJsZSI6dHJ1ZSwiV2lkdGgiOjAuMCwiSGVpZ2h0IjoxNi4wLCJCb3JkZXJTdHlsZSI6eyIkaWQiOiIyMDUiLCJMaW5lQ29sb3IiOnsiJHJlZiI6IjEwOSJ9LCJMaW5lV2VpZ2h0IjowLjAsIkxpbmVUeXBlIjowLCJQYXJlbnRTdHlsZSI6bnVsbH0sIlBhcmVudFN0eWxlIjpudWxsfSwiVGl0bGVTdHlsZSI6eyIkaWQiOiIyMDYiLCJGb250U2V0dGluZ3MiOnsiJGlkIjoiMjA3IiwiRm9udFNpemUiOjEyLCJGb250TmFtZSI6IlRpbWVzIE5ldyBSb21hbiIsIklzQm9sZCI6ZmFsc2UsIklzSXRhbGljIjpmYWxzZSwiSXNVbmRlcmxpbmVkIjpmYWxzZSwiUGFyZW50U3R5bGUiOm51bGx9LCJBdXRvU2l6ZSI6MCwiRm9yZWdyb3VuZCI6eyIkaWQiOiIyMDgiLCJDb2xvciI6eyIkaWQiOiIyMDkiLCJBIjoyNTUsIlIiOjAsIkciOjAsIkIiOjB9fSwiTWF4V2lkdGgiOjcyMC4wLCJNYXhIZWlnaHQiOiJJbmZpbml0eSIsIlNtYXJ0Rm9yZWdyb3VuZElzQWN0aXZlIjpmYWxzZSwiSG9yaXpvbnRhbEFsaWdubWVudCI6MCwiVmVydGljYWxBbGlnbm1lbnQiOjAsIlNtYXJ0Rm9yZWdyb3VuZCI6bnVsbCwiQmFja2dyb3VuZEZpbGxUeXBlIjowLCJNYXJnaW4iOnsiJHJlZiI6IjExNSJ9LCJQYWRkaW5nIjp7IiRyZWYiOiIxMTYifSwiQmFja2dyb3VuZCI6eyIkcmVmIjoiMTE3In0sIklzVmlzaWJsZSI6dHJ1ZSwiV2lkdGgiOjAuMCwiSGVpZ2h0IjowLjAsIkJvcmRlclN0eWxlIjp7IiRpZCI6IjIxMCIsIkxpbmVDb2xvciI6bnVsbCwiTGluZVdlaWdodCI6MC4wLCJMaW5lVHlwZSI6MCwiUGFyZW50U3R5bGUiOm51bGx9LCJQYXJlbnRTdHlsZSI6bnVsbH0sIkRhdGVTdHlsZSI6eyIkaWQiOiIyMTEiLCJGb250U2V0dGluZ3MiOnsiJGlkIjoiMjEyIiwiRm9udFNpemUiOjEwLCJGb250TmFtZSI6IkNhbGlicmkiLCJJc0JvbGQiOmZhbHNlLCJJc0l0YWxpYyI6ZmFsc2UsIklzVW5kZXJsaW5lZCI6ZmFsc2UsIlBhcmVudFN0eWxlIjpudWxsfSwiQXV0b1NpemUiOjAsIkZvcmVncm91bmQiOnsiJGlkIjoiMjEzIiwiQ29sb3IiOnsiJGlkIjoiMjE0IiwiQSI6MjU1LCJSIjowLCJHIjowLCJCIjowfX0sIk1heFdpZHRoIjoyMDAuMCwiTWF4SGVpZ2h0IjoiSW5maW5pdHkiLCJTbWFydEZvcmVncm91bmRJc0FjdGl2ZSI6ZmFsc2UsIkhvcml6b250YWxBbGlnbm1lbnQiOjEsIlZlcnRpY2FsQWxpZ25tZW50IjowLCJTbWFydEZvcmVncm91bmQiOm51bGwsIkJhY2tncm91bmRGaWxsVHlwZSI6MCwiTWFyZ2luIjp7IiRyZWYiOiIxMjIifSwiUGFkZGluZyI6eyIkcmVmIjoiMTIzIn0sIkJhY2tncm91bmQiOnsiJHJlZiI6IjEyNCJ9LCJJc1Zpc2libGUiOnRydWUsIldpZHRoIjowLjAsIkhlaWdodCI6MC4wLCJCb3JkZXJTdHlsZSI6eyIkaWQiOiIyMTUiLCJMaW5lQ29sb3IiOm51bGwsIkxpbmVXZWlnaHQiOjAuMCwiTGluZVR5cGUiOjAsIlBhcmVudFN0eWxlIjpudWxsfSwiUGFyZW50U3R5bGUiOm51bGx9LCJEYXRlRm9ybWF0Ijp7IiRyZWYiOiIxMjUifSwiSXNWaXNpYmxlIjp0cnVlLCJQYXJlbnRTdHlsZSI6bnVsbH0sIkluZGV4IjoxLCJTbWFydER1cmF0aW9uQWN0aXZhdGVkIjpmYWxzZSwiRGF0ZUZvcm1hdCI6eyIkcmVmIjoiMTI1In0sIklkIjoiYWUwNjA3ZmMtZTljMi00MzVjLWJmMjctNDg4NmM1ZDRlNDFiIiwiSW1wb3J0SWQiOm51bGwsIlRpdGxlIjoiU3RhcnQgQ29kaW5nIChzdGF0ZXIgcHJvamVjdCkiLCJOb3RlIjpudWxsLCJIeXBlcmxpbmsiOnsiJGlkIjoiMjE2IiwiQWRkcmVzcyI6IiIsIlN1YkFkZHJlc3MiOiIifSwiSXNDaGFuZ2VkIjpmYWxzZSwiSXNOZXciOmZhbHNlfSx7IiRpZCI6IjIxNyIsIkdyb3VwTmFtZSI6bnVsbCwiU3RhcnREYXRlIjoiMjAyMS0wMi0xNVQwMDowMDowMFoiLCJFbmREYXRlIjoiMjAyMS0wMy0wM1QyMzo1OTowMFoiLCJQZXJjZW50YWdlQ29tcGxldGUiOm51bGwsIlN0eWxlIjp7IiRpZCI6IjIxOCIsIlNoYXBlIjozLCJTaGFwZVRoaWNrbmVzcyI6MSwiRHVyYXRpb25Gb3JtYXQiOjAsIkluY2x1ZGVOb25Xb3JraW5nRGF5c0luRHVyYXRpb24iOmZhbHNlLCJQZXJjZW50YWdlQ29tcGxldGVTdHlsZSI6eyIkaWQiOiIyMTkiLCJGb250U2V0dGluZ3MiOnsiJGlkIjoiMjIwIiwiRm9udFNpemUiOjEwLCJGb250TmFtZSI6IkNhbGlicmkiLCJJc0JvbGQiOmZhbHNlLCJJc0l0YWxpYyI6ZmFsc2UsIklzVW5kZXJsaW5lZCI6ZmFsc2UsIlBhcmVudFN0eWxlIjpudWxsfSwiQXV0b1NpemUiOjAsIkZvcmVncm91bmQiOnsiJHJlZiI6Ijg1In0sIk1heFdpZHRoIjoyMDAuMCwiTWF4SGVpZ2h0IjoiSW5maW5pdHkiLCJTbWFydEZvcmVncm91bmRJc0FjdGl2ZSI6ZmFsc2UsIkhvcml6b250YWxBbGlnbm1lbnQiOjAsIlZlcnRpY2FsQWxpZ25tZW50IjowLCJTbWFydEZvcmVncm91bmQiOm51bGwsIkJhY2tncm91bmRGaWxsVHlwZSI6MCwiTWFyZ2luIjp7IiRyZWYiOiI4NyJ9LCJQYWRkaW5nIjp7IiRyZWYiOiI4OCJ9LCJCYWNrZ3JvdW5kIjp7IiRyZWYiOiI4OSJ9LCJJc1Zpc2libGUiOnRydWUsIldpZHRoIjowLjAsIkhlaWdodCI6MC4wLCJCb3JkZXJTdHlsZSI6eyIkaWQiOiIyMjEiLCJMaW5lQ29sb3IiOm51bGwsIkxpbmVXZWlnaHQiOjAuMCwiTGluZVR5cGUiOjAsIlBhcmVudFN0eWxlIjpudWxsfSwiUGFyZW50U3R5bGUiOm51bGx9LCJEdXJhdGlvblN0eWxlIjp7IiRpZCI6IjIyMiIsIkZvbnRTZXR0aW5ncyI6eyIkaWQiOiIyMjMiLCJGb250U2l6ZSI6MTAsIkZvbnROYW1lIjoiQ2FsaWJyaSIsIklzQm9sZCI6ZmFsc2UsIklzSXRhbGljIjpmYWxzZSwiSXNVbmRlcmxpbmVkIjpmYWxzZSwiUGFyZW50U3R5bGUiOm51bGx9LCJBdXRvU2l6ZSI6MCwiRm9yZWdyb3VuZCI6eyIkaWQiOiIyMjQiLCJDb2xvciI6eyIkaWQiOiIyMjUiLCJBIjoyNTUsIlIiOjAsIkciOjAsIkIiOjB9fSwiTWF4V2lkdGgiOjIwMC4wLCJNYXhIZWlnaHQiOiJJbmZpbml0eSIsIlNtYXJ0Rm9yZWdyb3VuZElzQWN0aXZlIjpmYWxzZSwiSG9yaXpvbnRhbEFsaWdubWVudCI6MSwiVmVydGljYWxBbGlnbm1lbnQiOjAsIlNtYXJ0Rm9yZWdyb3VuZCI6bnVsbCwiQmFja2dyb3VuZEZpbGxUeXBlIjowLCJNYXJnaW4iOnsiJHJlZiI6Ijk0In0sIlBhZGRpbmciOnsiJHJlZiI6Ijk1In0sIkJhY2tncm91bmQiOnsiJHJlZiI6Ijk2In0sIklzVmlzaWJsZSI6dHJ1ZSwiV2lkdGgiOjAuMCwiSGVpZ2h0IjowLjAsIkJvcmRlclN0eWxlIjp7IiRpZCI6IjIyNiIsIkxpbmVDb2xvciI6bnVsbCwiTGluZVdlaWdodCI6MC4wLCJMaW5lVHlwZSI6MCwiUGFyZW50U3R5bGUiOm51bGx9LCJQYXJlbnRTdHlsZSI6bnVsbH0sIkhvcml6b250YWxDb25uZWN0b3JTdHlsZSI6eyIkaWQiOiIyMjciLCJMaW5lQ29sb3IiOnsiJHJlZiI6Ijk4In0sIkxpbmVXZWlnaHQiOjEuMCwiTGluZVR5cGUiOjAsIlBhcmVudFN0eWxlIjpudWxsfSwiVmVydGljYWxDb25uZWN0b3JTdHlsZSI6eyIkaWQiOiIyMjgiLCJMaW5lQ29sb3IiOnsiJHJlZiI6IjEwMSJ9LCJMaW5lV2VpZ2h0IjowLjAsIkxpbmVUeXBlIjowLCJQYXJlbnRTdHlsZSI6bnVsbH0sIk1hcmdpbiI6bnVsbCwiU3RhcnREYXRlUG9zaXRpb24iOjMsIkVuZERhdGVQb3NpdGlvbiI6NCwiRGF0ZUlzVmlzaWJsZSI6dHJ1ZSwiVGl0bGVQb3NpdGlvbiI6NSwiRHVyYXRpb25Qb3NpdGlvbiI6MiwiUGVyY2VudGFnZUNvbXBsZXRlZFBvc2l0aW9uIjo2LCJTcGFjaW5nIjoxMCwiSXNCZWxvd1RpbWViYW5kIjpmYWxzZSwiUGVyY2VudGFnZUNvbXBsZXRlU2hhcGVPcGFjaXR5IjozNSwiU2hhcGVTdHlsZSI6eyIkaWQiOiIyMjkiLCJNYXJnaW4iOnsiJHJlZiI6IjEwNCJ9LCJQYWRkaW5nIjp7IiRyZWYiOiIxMDUifSwiQmFja2dyb3VuZCI6eyIkaWQiOiIyMzAiLCJDb2xvciI6eyIkaWQiOiIyMzEiLCJBIjoyNTUsIlIiOjkxLCJHIjoxNTUsIkIiOjIxM319LCJJc1Zpc2libGUiOnRydWUsIldpZHRoIjowLjAsIkhlaWdodCI6MTYuMCwiQm9yZGVyU3R5bGUiOnsiJGlkIjoiMjMyIiwiTGluZUNvbG9yIjp7IiRyZWYiOiIxMDkifSwiTGluZVdlaWdodCI6MC4wLCJMaW5lVHlwZSI6MCwiUGFyZW50U3R5bGUiOm51bGx9LCJQYXJlbnRTdHlsZSI6bnVsbH0sIlRpdGxlU3R5bGUiOnsiJGlkIjoiMjMzIiwiRm9udFNldHRpbmdzIjp7IiRpZCI6IjIzNCIsIkZvbnRTaXplIjoxMiwiRm9udE5hbWUiOiJUaW1lcyBOZXcgUm9tYW4iLCJJc0JvbGQiOmZhbHNlLCJJc0l0YWxpYyI6ZmFsc2UsIklzVW5kZXJsaW5lZCI6ZmFsc2UsIlBhcmVudFN0eWxlIjpudWxsfSwiQXV0b1NpemUiOjAsIkZvcmVncm91bmQiOnsiJGlkIjoiMjM1IiwiQ29sb3IiOnsiJGlkIjoiMjM2IiwiQSI6MjU1LCJSIjowLCJHIjowLCJCIjowfX0sIk1heFdpZHRoIjo3MjAuMCwiTWF4SGVpZ2h0IjoiSW5maW5pdHkiLCJTbWFydEZvcmVncm91bmRJc0FjdGl2ZSI6ZmFsc2UsIkhvcml6b250YWxBbGlnbm1lbnQiOjAsIlZlcnRpY2FsQWxpZ25tZW50IjowLCJTbWFydEZvcmVncm91bmQiOm51bGwsIkJhY2tncm91bmRGaWxsVHlwZSI6MCwiTWFyZ2luIjp7IiRyZWYiOiIxMTUifSwiUGFkZGluZyI6eyIkcmVmIjoiMTE2In0sIkJhY2tncm91bmQiOnsiJHJlZiI6IjExNyJ9LCJJc1Zpc2libGUiOnRydWUsIldpZHRoIjowLjAsIkhlaWdodCI6MC4wLCJCb3JkZXJTdHlsZSI6eyIkaWQiOiIyMzciLCJMaW5lQ29sb3IiOm51bGwsIkxpbmVXZWlnaHQiOjAuMCwiTGluZVR5cGUiOjAsIlBhcmVudFN0eWxlIjpudWxsfSwiUGFyZW50U3R5bGUiOm51bGx9LCJEYXRlU3R5bGUiOnsiJGlkIjoiMjM4IiwiRm9udFNldHRpbmdzIjp7IiRpZCI6IjIzOSIsIkZvbnRTaXplIjoxMCwiRm9udE5hbWUiOiJDYWxpYnJpIiwiSXNCb2xkIjpmYWxzZSwiSXNJdGFsaWMiOmZhbHNlLCJJc1VuZGVybGluZWQiOmZhbHNlLCJQYXJlbnRTdHlsZSI6bnVsbH0sIkF1dG9TaXplIjowLCJGb3JlZ3JvdW5kIjp7IiRpZCI6IjI0MCIsIkNvbG9yIjp7IiRpZCI6IjI0MSIsIkEiOjI1NSwiUiI6MCwiRyI6MCwiQiI6MH19LCJNYXhXaWR0aCI6MjAwLjAsIk1heEhlaWdodCI6IkluZmluaXR5IiwiU21hcnRGb3JlZ3JvdW5kSXNBY3RpdmUiOmZhbHNlLCJIb3Jpem9udGFsQWxpZ25tZW50IjoxLCJWZXJ0aWNhbEFsaWdubWVudCI6MCwiU21hcnRGb3JlZ3JvdW5kIjpudWxsLCJCYWNrZ3JvdW5kRmlsbFR5cGUiOjAsIk1hcmdpbiI6eyIkcmVmIjoiMTIyIn0sIlBhZGRpbmciOnsiJHJlZiI6IjEyMyJ9LCJCYWNrZ3JvdW5kIjp7IiRyZWYiOiIxMjQifSwiSXNWaXNpYmxlIjp0cnVlLCJXaWR0aCI6MC4wLCJIZWlnaHQiOjAuMCwiQm9yZGVyU3R5bGUiOnsiJGlkIjoiMjQyIiwiTGluZUNvbG9yIjpudWxsLCJMaW5lV2VpZ2h0IjowLjAsIkxpbmVUeXBlIjowLCJQYXJlbnRTdHlsZSI6bnVsbH0sIlBhcmVudFN0eWxlIjpudWxsfSwiRGF0ZUZvcm1hdCI6eyIkcmVmIjoiMTI1In0sIklzVmlzaWJsZSI6dHJ1ZSwiUGFyZW50U3R5bGUiOm51bGx9LCJJbmRleCI6MiwiU21hcnREdXJhdGlvbkFjdGl2YXRlZCI6ZmFsc2UsIkRhdGVGb3JtYXQiOnsiJHJlZiI6IjEyNSJ9LCJJZCI6ImY2ZTJjYzZkLTQ2MTUtNGNjYy1hMjEwLWM5YjFjZWZlMjE3MCIsIkltcG9ydElkIjpudWxsLCJUaXRsZSI6IkZyb250IC0gRW5kIENvZGluZyIsIk5vdGUiOm51bGwsIkh5cGVybGluayI6eyIkaWQiOiIyNDMiLCJBZGRyZXNzIjoiIiwiU3ViQWRkcmVzcyI6IiJ9LCJJc0NoYW5nZWQiOmZhbHNlLCJJc05ldyI6ZmFsc2V9LHsiJGlkIjoiMjQ0IiwiR3JvdXBOYW1lIjpudWxsLCJTdGFydERhdGUiOiIyMDIxLTAzLTA0VDAwOjAwOjAwWiIsIkVuZERhdGUiOiIyMDIxLTAzLTA5VDIzOjU5OjAwWiIsIlBlcmNlbnRhZ2VDb21wbGV0ZSI6bnVsbCwiU3R5bGUiOnsiJGlkIjoiMjQ1IiwiU2hhcGUiOjMsIlNoYXBlVGhpY2tuZXNzIjoxLCJEdXJhdGlvbkZvcm1hdCI6MCwiSW5jbHVkZU5vbldvcmtpbmdEYXlzSW5EdXJhdGlvbiI6ZmFsc2UsIlBlcmNlbnRhZ2VDb21wbGV0ZVN0eWxlIjp7IiRpZCI6IjI0NiIsIkZvbnRTZXR0aW5ncyI6eyIkaWQiOiIyNDciLCJGb250U2l6ZSI6MTAsIkZvbnROYW1lIjoiQ2FsaWJyaSIsIklzQm9sZCI6ZmFsc2UsIklzSXRhbGljIjpmYWxzZSwiSXNVbmRlcmxpbmVkIjpmYWxzZSwiUGFyZW50U3R5bGUiOm51bGx9LCJBdXRvU2l6ZSI6MCwiRm9yZWdyb3VuZCI6eyIkcmVmIjoiODUifSwiTWF4V2lkdGgiOjIwMC4wLCJNYXhIZWlnaHQiOiJJbmZpbml0eSIsIlNtYXJ0Rm9yZWdyb3VuZElzQWN0aXZlIjpmYWxzZSwiSG9yaXpvbnRhbEFsaWdubWVudCI6MCwiVmVydGljYWxBbGlnbm1lbnQiOjAsIlNtYXJ0Rm9yZWdyb3VuZCI6bnVsbCwiQmFja2dyb3VuZEZpbGxUeXBlIjowLCJNYXJnaW4iOnsiJHJlZiI6Ijg3In0sIlBhZGRpbmciOnsiJHJlZiI6Ijg4In0sIkJhY2tncm91bmQiOnsiJHJlZiI6Ijg5In0sIklzVmlzaWJsZSI6dHJ1ZSwiV2lkdGgiOjAuMCwiSGVpZ2h0IjowLjAsIkJvcmRlclN0eWxlIjp7IiRpZCI6IjI0OCIsIkxpbmVDb2xvciI6bnVsbCwiTGluZVdlaWdodCI6MC4wLCJMaW5lVHlwZSI6MCwiUGFyZW50U3R5bGUiOm51bGx9LCJQYXJlbnRTdHlsZSI6bnVsbH0sIkR1cmF0aW9uU3R5bGUiOnsiJGlkIjoiMjQ5IiwiRm9udFNldHRpbmdzIjp7IiRpZCI6IjI1MCIsIkZvbnRTaXplIjoxMCwiRm9udE5hbWUiOiJDYWxpYnJpIiwiSXNCb2xkIjpmYWxzZSwiSXNJdGFsaWMiOmZhbHNlLCJJc1VuZGVybGluZWQiOmZhbHNlLCJQYXJlbnRTdHlsZSI6bnVsbH0sIkF1dG9TaXplIjowLCJGb3JlZ3JvdW5kIjp7IiRpZCI6IjI1MSIsIkNvbG9yIjp7IiRpZCI6IjI1MiIsIkEiOjI1NSwiUiI6MCwiRyI6MCwiQiI6MH19LCJNYXhXaWR0aCI6MjAwLjAsIk1heEhlaWdodCI6IkluZmluaXR5IiwiU21hcnRGb3JlZ3JvdW5kSXNBY3RpdmUiOmZhbHNlLCJIb3Jpem9udGFsQWxpZ25tZW50IjoxLCJWZXJ0aWNhbEFsaWdubWVudCI6MCwiU21hcnRGb3JlZ3JvdW5kIjpudWxsLCJCYWNrZ3JvdW5kRmlsbFR5cGUiOjAsIk1hcmdpbiI6eyIkcmVmIjoiOTQifSwiUGFkZGluZyI6eyIkcmVmIjoiOTUifSwiQmFja2dyb3VuZCI6eyIkcmVmIjoiOTYifSwiSXNWaXNpYmxlIjp0cnVlLCJXaWR0aCI6MC4wLCJIZWlnaHQiOjAuMCwiQm9yZGVyU3R5bGUiOnsiJGlkIjoiMjUzIiwiTGluZUNvbG9yIjpudWxsLCJMaW5lV2VpZ2h0IjowLjAsIkxpbmVUeXBlIjowLCJQYXJlbnRTdHlsZSI6bnVsbH0sIlBhcmVudFN0eWxlIjpudWxsfSwiSG9yaXpvbnRhbENvbm5lY3RvclN0eWxlIjp7IiRpZCI6IjI1NCIsIkxpbmVDb2xvciI6eyIkcmVmIjoiOTgifSwiTGluZVdlaWdodCI6MS4wLCJMaW5lVHlwZSI6MCwiUGFyZW50U3R5bGUiOm51bGx9LCJWZXJ0aWNhbENvbm5lY3RvclN0eWxlIjp7IiRpZCI6IjI1NSIsIkxpbmVDb2xvciI6eyIkcmVmIjoiMTAxIn0sIkxpbmVXZWlnaHQiOjAuMCwiTGluZVR5cGUiOjAsIlBhcmVudFN0eWxlIjpudWxsfSwiTWFyZ2luIjpudWxsLCJTdGFydERhdGVQb3NpdGlvbiI6MywiRW5kRGF0ZVBvc2l0aW9uIjo0LCJEYXRlSXNWaXNpYmxlIjp0cnVlLCJUaXRsZVBvc2l0aW9uIjo1LCJEdXJhdGlvblBvc2l0aW9uIjoyLCJQZXJjZW50YWdlQ29tcGxldGVkUG9zaXRpb24iOjYsIlNwYWNpbmciOjEwLCJJc0JlbG93VGltZWJhbmQiOmZhbHNlLCJQZXJjZW50YWdlQ29tcGxldGVTaGFwZU9wYWNpdHkiOjM1LCJTaGFwZVN0eWxlIjp7IiRpZCI6IjI1NiIsIk1hcmdpbiI6eyIkcmVmIjoiMTA0In0sIlBhZGRpbmciOnsiJHJlZiI6IjEwNSJ9LCJCYWNrZ3JvdW5kIjp7IiRpZCI6IjI1NyIsIkNvbG9yIjp7IiRpZCI6IjI1OCIsIkEiOjI1NSwiUiI6OTEsIkciOjE1NSwiQiI6MjEzfX0sIklzVmlzaWJsZSI6dHJ1ZSwiV2lkdGgiOjAuMCwiSGVpZ2h0IjoxNi4wLCJCb3JkZXJTdHlsZSI6eyIkaWQiOiIyNTkiLCJMaW5lQ29sb3IiOnsiJHJlZiI6IjEwOSJ9LCJMaW5lV2VpZ2h0IjowLjAsIkxpbmVUeXBlIjowLCJQYXJlbnRTdHlsZSI6bnVsbH0sIlBhcmVudFN0eWxlIjpudWxsfSwiVGl0bGVTdHlsZSI6eyIkaWQiOiIyNjAiLCJGb250U2V0dGluZ3MiOnsiJGlkIjoiMjYxIiwiRm9udFNpemUiOjEyLCJGb250TmFtZSI6IlRpbWVzIE5ldyBSb21hbiIsIklzQm9sZCI6ZmFsc2UsIklzSXRhbGljIjpmYWxzZSwiSXNVbmRlcmxpbmVkIjpmYWxzZSwiUGFyZW50U3R5bGUiOm51bGx9LCJBdXRvU2l6ZSI6MCwiRm9yZWdyb3VuZCI6eyIkaWQiOiIyNjIiLCJDb2xvciI6eyIkaWQiOiIyNjMiLCJBIjoyNTUsIlIiOjAsIkciOjAsIkIiOjB9fSwiTWF4V2lkdGgiOjcyMC4wLCJNYXhIZWlnaHQiOiJJbmZpbml0eSIsIlNtYXJ0Rm9yZWdyb3VuZElzQWN0aXZlIjpmYWxzZSwiSG9yaXpvbnRhbEFsaWdubWVudCI6MCwiVmVydGljYWxBbGlnbm1lbnQiOjAsIlNtYXJ0Rm9yZWdyb3VuZCI6bnVsbCwiQmFja2dyb3VuZEZpbGxUeXBlIjowLCJNYXJnaW4iOnsiJHJlZiI6IjExNSJ9LCJQYWRkaW5nIjp7IiRyZWYiOiIxMTYifSwiQmFja2dyb3VuZCI6eyIkcmVmIjoiMTE3In0sIklzVmlzaWJsZSI6dHJ1ZSwiV2lkdGgiOjAuMCwiSGVpZ2h0IjowLjAsIkJvcmRlclN0eWxlIjp7IiRpZCI6IjI2NCIsIkxpbmVDb2xvciI6bnVsbCwiTGluZVdlaWdodCI6MC4wLCJMaW5lVHlwZSI6MCwiUGFyZW50U3R5bGUiOm51bGx9LCJQYXJlbnRTdHlsZSI6bnVsbH0sIkRhdGVTdHlsZSI6eyIkaWQiOiIyNjUiLCJGb250U2V0dGluZ3MiOnsiJGlkIjoiMjY2IiwiRm9udFNpemUiOjEwLCJGb250TmFtZSI6IkNhbGlicmkiLCJJc0JvbGQiOmZhbHNlLCJJc0l0YWxpYyI6ZmFsc2UsIklzVW5kZXJsaW5lZCI6ZmFsc2UsIlBhcmVudFN0eWxlIjpudWxsfSwiQXV0b1NpemUiOjAsIkZvcmVncm91bmQiOnsiJGlkIjoiMjY3IiwiQ29sb3IiOnsiJGlkIjoiMjY4IiwiQSI6MjU1LCJSIjowLCJHIjowLCJCIjowfX0sIk1heFdpZHRoIjoyMDAuMCwiTWF4SGVpZ2h0IjoiSW5maW5pdHkiLCJTbWFydEZvcmVncm91bmRJc0FjdGl2ZSI6ZmFsc2UsIkhvcml6b250YWxBbGlnbm1lbnQiOjEsIlZlcnRpY2FsQWxpZ25tZW50IjowLCJTbWFydEZvcmVncm91bmQiOm51bGwsIkJhY2tncm91bmRGaWxsVHlwZSI6MCwiTWFyZ2luIjp7IiRyZWYiOiIxMjIifSwiUGFkZGluZyI6eyIkcmVmIjoiMTIzIn0sIkJhY2tncm91bmQiOnsiJHJlZiI6IjEyNCJ9LCJJc1Zpc2libGUiOnRydWUsIldpZHRoIjowLjAsIkhlaWdodCI6MC4wLCJCb3JkZXJTdHlsZSI6eyIkaWQiOiIyNjkiLCJMaW5lQ29sb3IiOm51bGwsIkxpbmVXZWlnaHQiOjAuMCwiTGluZVR5cGUiOjAsIlBhcmVudFN0eWxlIjpudWxsfSwiUGFyZW50U3R5bGUiOm51bGx9LCJEYXRlRm9ybWF0Ijp7IiRyZWYiOiIxMjUifSwiSXNWaXNpYmxlIjp0cnVlLCJQYXJlbnRTdHlsZSI6bnVsbH0sIkluZGV4IjozLCJTbWFydER1cmF0aW9uQWN0aXZhdGVkIjpmYWxzZSwiRGF0ZUZvcm1hdCI6eyIkcmVmIjoiMTI1In0sIklkIjoiYTMxZDliOTQtNDM2ZS00YzU3LTlhY2ItZjRjMDNmY2NmNmVkIiwiSW1wb3J0SWQiOm51bGwsIlRpdGxlIjoiQmFjayAtIEVuZCBDb2RpbmcgKFBhcnQgLTEpIChBY2NvdW50IEJhc2VkIExvZ2luKSIsIk5vdGUiOm51bGwsIkh5cGVybGluayI6eyIkaWQiOiIyNzAiLCJBZGRyZXNzIjoiIiwiU3ViQWRkcmVzcyI6IiJ9LCJJc0NoYW5nZWQiOmZhbHNlLCJJc05ldyI6ZmFsc2V9LHsiJGlkIjoiMjcxIiwiR3JvdXBOYW1lIjpudWxsLCJTdGFydERhdGUiOiIyMDIxLTAzLTIzVDAwOjAwOjAwWiIsIkVuZERhdGUiOiIyMDIxLTAzLTMxVDIzOjU5OjAwWiIsIlBlcmNlbnRhZ2VDb21wbGV0ZSI6bnVsbCwiU3R5bGUiOnsiJGlkIjoiMjcyIiwiU2hhcGUiOjMsIlNoYXBlVGhpY2tuZXNzIjoxLCJEdXJhdGlvbkZvcm1hdCI6MCwiSW5jbHVkZU5vbldvcmtpbmdEYXlzSW5EdXJhdGlvbiI6ZmFsc2UsIlBlcmNlbnRhZ2VDb21wbGV0ZVN0eWxlIjp7IiRpZCI6IjI3MyIsIkZvbnRTZXR0aW5ncyI6eyIkaWQiOiIyNzQiLCJGb250U2l6ZSI6MTAsIkZvbnROYW1lIjoiQ2FsaWJyaSIsIklzQm9sZCI6ZmFsc2UsIklzSXRhbGljIjpmYWxzZSwiSXNVbmRlcmxpbmVkIjpmYWxzZSwiUGFyZW50U3R5bGUiOm51bGx9LCJBdXRvU2l6ZSI6MCwiRm9yZWdyb3VuZCI6eyIkcmVmIjoiODUifSwiTWF4V2lkdGgiOjIwMC4wLCJNYXhIZWlnaHQiOiJJbmZpbml0eSIsIlNtYXJ0Rm9yZWdyb3VuZElzQWN0aXZlIjpmYWxzZSwiSG9yaXpvbnRhbEFsaWdubWVudCI6MCwiVmVydGljYWxBbGlnbm1lbnQiOjAsIlNtYXJ0Rm9yZWdyb3VuZCI6bnVsbCwiQmFja2dyb3VuZEZpbGxUeXBlIjowLCJNYXJnaW4iOnsiJHJlZiI6Ijg3In0sIlBhZGRpbmciOnsiJHJlZiI6Ijg4In0sIkJhY2tncm91bmQiOnsiJHJlZiI6Ijg5In0sIklzVmlzaWJsZSI6dHJ1ZSwiV2lkdGgiOjAuMCwiSGVpZ2h0IjowLjAsIkJvcmRlclN0eWxlIjp7IiRpZCI6IjI3NSIsIkxpbmVDb2xvciI6bnVsbCwiTGluZVdlaWdodCI6MC4wLCJMaW5lVHlwZSI6MCwiUGFyZW50U3R5bGUiOm51bGx9LCJQYXJlbnRTdHlsZSI6bnVsbH0sIkR1cmF0aW9uU3R5bGUiOnsiJGlkIjoiMjc2IiwiRm9udFNldHRpbmdzIjp7IiRpZCI6IjI3NyIsIkZvbnRTaXplIjoxMCwiRm9udE5hbWUiOiJDYWxpYnJpIiwiSXNCb2xkIjpmYWxzZSwiSXNJdGFsaWMiOmZhbHNlLCJJc1VuZGVybGluZWQiOmZhbHNlLCJQYXJlbnRTdHlsZSI6bnVsbH0sIkF1dG9TaXplIjowLCJGb3JlZ3JvdW5kIjp7IiRpZCI6IjI3OCIsIkNvbG9yIjp7IiRpZCI6IjI3OSIsIkEiOjI1NSwiUiI6MCwiRyI6MCwiQiI6MH19LCJNYXhXaWR0aCI6MjAwLjAsIk1heEhlaWdodCI6IkluZmluaXR5IiwiU21hcnRGb3JlZ3JvdW5kSXNBY3RpdmUiOmZhbHNlLCJIb3Jpem9udGFsQWxpZ25tZW50IjoxLCJWZXJ0aWNhbEFsaWdubWVudCI6MCwiU21hcnRGb3JlZ3JvdW5kIjpudWxsLCJCYWNrZ3JvdW5kRmlsbFR5cGUiOjAsIk1hcmdpbiI6eyIkcmVmIjoiOTQifSwiUGFkZGluZyI6eyIkcmVmIjoiOTUifSwiQmFja2dyb3VuZCI6eyIkcmVmIjoiOTYifSwiSXNWaXNpYmxlIjp0cnVlLCJXaWR0aCI6MC4wLCJIZWlnaHQiOjAuMCwiQm9yZGVyU3R5bGUiOnsiJGlkIjoiMjgwIiwiTGluZUNvbG9yIjpudWxsLCJMaW5lV2VpZ2h0IjowLjAsIkxpbmVUeXBlIjowLCJQYXJlbnRTdHlsZSI6bnVsbH0sIlBhcmVudFN0eWxlIjpudWxsfSwiSG9yaXpvbnRhbENvbm5lY3RvclN0eWxlIjp7IiRpZCI6IjI4MSIsIkxpbmVDb2xvciI6eyIkcmVmIjoiOTgifSwiTGluZVdlaWdodCI6MS4wLCJMaW5lVHlwZSI6MCwiUGFyZW50U3R5bGUiOm51bGx9LCJWZXJ0aWNhbENvbm5lY3RvclN0eWxlIjp7IiRpZCI6IjI4MiIsIkxpbmVDb2xvciI6eyIkcmVmIjoiMTAxIn0sIkxpbmVXZWlnaHQiOjAuMCwiTGluZVR5cGUiOjAsIlBhcmVudFN0eWxlIjpudWxsfSwiTWFyZ2luIjpudWxsLCJTdGFydERhdGVQb3NpdGlvbiI6MywiRW5kRGF0ZVBvc2l0aW9uIjo0LCJEYXRlSXNWaXNpYmxlIjp0cnVlLCJUaXRsZVBvc2l0aW9uIjo1LCJEdXJhdGlvblBvc2l0aW9uIjoyLCJQZXJjZW50YWdlQ29tcGxldGVkUG9zaXRpb24iOjYsIlNwYWNpbmciOjEwLCJJc0JlbG93VGltZWJhbmQiOmZhbHNlLCJQZXJjZW50YWdlQ29tcGxldGVTaGFwZU9wYWNpdHkiOjM1LCJTaGFwZVN0eWxlIjp7IiRpZCI6IjI4MyIsIk1hcmdpbiI6eyIkcmVmIjoiMTA0In0sIlBhZGRpbmciOnsiJHJlZiI6IjEwNSJ9LCJCYWNrZ3JvdW5kIjp7IiRpZCI6IjI4NCIsIkNvbG9yIjp7IiRpZCI6IjI4NSIsIkEiOjI1NSwiUiI6OTEsIkciOjE1NSwiQiI6MjEzfX0sIklzVmlzaWJsZSI6dHJ1ZSwiV2lkdGgiOjAuMCwiSGVpZ2h0IjoxNi4wLCJCb3JkZXJTdHlsZSI6eyIkaWQiOiIyODYiLCJMaW5lQ29sb3IiOnsiJHJlZiI6IjEwOSJ9LCJMaW5lV2VpZ2h0IjowLjAsIkxpbmVUeXBlIjowLCJQYXJlbnRTdHlsZSI6bnVsbH0sIlBhcmVudFN0eWxlIjpudWxsfSwiVGl0bGVTdHlsZSI6eyIkaWQiOiIyODciLCJGb250U2V0dGluZ3MiOnsiJGlkIjoiMjg4IiwiRm9udFNpemUiOjEyLCJGb250TmFtZSI6IlRpbWVzIE5ldyBSb21hbiIsIklzQm9sZCI6ZmFsc2UsIklzSXRhbGljIjpmYWxzZSwiSXNVbmRlcmxpbmVkIjpmYWxzZSwiUGFyZW50U3R5bGUiOm51bGx9LCJBdXRvU2l6ZSI6MCwiRm9yZWdyb3VuZCI6eyIkaWQiOiIyODkiLCJDb2xvciI6eyIkaWQiOiIyOTAiLCJBIjoyNTUsIlIiOjAsIkciOjAsIkIiOjB9fSwiTWF4V2lkdGgiOjcyMC4wLCJNYXhIZWlnaHQiOiJJbmZpbml0eSIsIlNtYXJ0Rm9yZWdyb3VuZElzQWN0aXZlIjpmYWxzZSwiSG9yaXpvbnRhbEFsaWdubWVudCI6MCwiVmVydGljYWxBbGlnbm1lbnQiOjAsIlNtYXJ0Rm9yZWdyb3VuZCI6bnVsbCwiQmFja2dyb3VuZEZpbGxUeXBlIjowLCJNYXJnaW4iOnsiJHJlZiI6IjExNSJ9LCJQYWRkaW5nIjp7IiRyZWYiOiIxMTYifSwiQmFja2dyb3VuZCI6eyIkcmVmIjoiMTE3In0sIklzVmlzaWJsZSI6dHJ1ZSwiV2lkdGgiOjAuMCwiSGVpZ2h0IjowLjAsIkJvcmRlclN0eWxlIjp7IiRpZCI6IjI5MSIsIkxpbmVDb2xvciI6bnVsbCwiTGluZVdlaWdodCI6MC4wLCJMaW5lVHlwZSI6MCwiUGFyZW50U3R5bGUiOm51bGx9LCJQYXJlbnRTdHlsZSI6bnVsbH0sIkRhdGVTdHlsZSI6eyIkaWQiOiIyOTIiLCJGb250U2V0dGluZ3MiOnsiJGlkIjoiMjkzIiwiRm9udFNpemUiOjEwLCJGb250TmFtZSI6IkNhbGlicmkiLCJJc0JvbGQiOmZhbHNlLCJJc0l0YWxpYyI6ZmFsc2UsIklzVW5kZXJsaW5lZCI6ZmFsc2UsIlBhcmVudFN0eWxlIjpudWxsfSwiQXV0b1NpemUiOjAsIkZvcmVncm91bmQiOnsiJGlkIjoiMjk0IiwiQ29sb3IiOnsiJGlkIjoiMjk1IiwiQSI6MjU1LCJSIjowLCJHIjowLCJCIjowfX0sIk1heFdpZHRoIjoyMDAuMCwiTWF4SGVpZ2h0IjoiSW5maW5pdHkiLCJTbWFydEZvcmVncm91bmRJc0FjdGl2ZSI6ZmFsc2UsIkhvcml6b250YWxBbGlnbm1lbnQiOjEsIlZlcnRpY2FsQWxpZ25tZW50IjowLCJTbWFydEZvcmVncm91bmQiOm51bGwsIkJhY2tncm91bmRGaWxsVHlwZSI6MCwiTWFyZ2luIjp7IiRyZWYiOiIxMjIifSwiUGFkZGluZyI6eyIkcmVmIjoiMTIzIn0sIkJhY2tncm91bmQiOnsiJHJlZiI6IjEyNCJ9LCJJc1Zpc2libGUiOnRydWUsIldpZHRoIjowLjAsIkhlaWdodCI6MC4wLCJCb3JkZXJTdHlsZSI6eyIkaWQiOiIyOTYiLCJMaW5lQ29sb3IiOm51bGwsIkxpbmVXZWlnaHQiOjAuMCwiTGluZVR5cGUiOjAsIlBhcmVudFN0eWxlIjpudWxsfSwiUGFyZW50U3R5bGUiOm51bGx9LCJEYXRlRm9ybWF0Ijp7IiRyZWYiOiIxMjUifSwiSXNWaXNpYmxlIjp0cnVlLCJQYXJlbnRTdHlsZSI6bnVsbH0sIkluZGV4Ijo0LCJTbWFydER1cmF0aW9uQWN0aXZhdGVkIjpmYWxzZSwiRGF0ZUZvcm1hdCI6eyIkcmVmIjoiMTI1In0sIklkIjoiYTAwZWUyNmYtOWNmZi00OTg4LTk4NWUtNDhkMDA1NTlkNjI2IiwiSW1wb3J0SWQiOm51bGwsIlRpdGxlIjoiTGVhcm5pbmcgQWJvdXQgSG93IGFuIGVsZWN0aW9uIGlzIGhlbGQiLCJOb3RlIjpudWxsLCJIeXBlcmxpbmsiOnsiJGlkIjoiMjk3IiwiQWRkcmVzcyI6IiIsIlN1YkFkZHJlc3MiOiIifSwiSXNDaGFuZ2VkIjpmYWxzZSwiSXNOZXciOmZhbHNlfSx7IiRpZCI6IjI5OCIsIkdyb3VwTmFtZSI6bnVsbCwiU3RhcnREYXRlIjoiMjAyMS0wNC0wMVQwMDowMDowMFoiLCJFbmREYXRlIjoiMjAyMS0wNC0xMFQyMzo1OTowMFoiLCJQZXJjZW50YWdlQ29tcGxldGUiOm51bGwsIlN0eWxlIjp7IiRpZCI6IjI5OSIsIlNoYXBlIjozLCJTaGFwZVRoaWNrbmVzcyI6MSwiRHVyYXRpb25Gb3JtYXQiOjAsIkluY2x1ZGVOb25Xb3JraW5nRGF5c0luRHVyYXRpb24iOmZhbHNlLCJQZXJjZW50YWdlQ29tcGxldGVTdHlsZSI6eyIkaWQiOiIzMDAiLCJGb250U2V0dGluZ3MiOnsiJGlkIjoiMzAxIiwiRm9udFNpemUiOjEwLCJGb250TmFtZSI6IkNhbGlicmkiLCJJc0JvbGQiOmZhbHNlLCJJc0l0YWxpYyI6ZmFsc2UsIklzVW5kZXJsaW5lZCI6ZmFsc2UsIlBhcmVudFN0eWxlIjpudWxsfSwiQXV0b1NpemUiOjAsIkZvcmVncm91bmQiOnsiJHJlZiI6Ijg1In0sIk1heFdpZHRoIjoyMDAuMCwiTWF4SGVpZ2h0IjoiSW5maW5pdHkiLCJTbWFydEZvcmVncm91bmRJc0FjdGl2ZSI6ZmFsc2UsIkhvcml6b250YWxBbGlnbm1lbnQiOjAsIlZlcnRpY2FsQWxpZ25tZW50IjowLCJTbWFydEZvcmVncm91bmQiOm51bGwsIkJhY2tncm91bmRGaWxsVHlwZSI6MCwiTWFyZ2luIjp7IiRyZWYiOiI4NyJ9LCJQYWRkaW5nIjp7IiRyZWYiOiI4OCJ9LCJCYWNrZ3JvdW5kIjp7IiRyZWYiOiI4OSJ9LCJJc1Zpc2libGUiOnRydWUsIldpZHRoIjowLjAsIkhlaWdodCI6MC4wLCJCb3JkZXJTdHlsZSI6eyIkaWQiOiIzMDIiLCJMaW5lQ29sb3IiOm51bGwsIkxpbmVXZWlnaHQiOjAuMCwiTGluZVR5cGUiOjAsIlBhcmVudFN0eWxlIjpudWxsfSwiUGFyZW50U3R5bGUiOm51bGx9LCJEdXJhdGlvblN0eWxlIjp7IiRpZCI6IjMwMyIsIkZvbnRTZXR0aW5ncyI6eyIkaWQiOiIzMDQiLCJGb250U2l6ZSI6MTAsIkZvbnROYW1lIjoiQ2FsaWJyaSIsIklzQm9sZCI6ZmFsc2UsIklzSXRhbGljIjpmYWxzZSwiSXNVbmRlcmxpbmVkIjpmYWxzZSwiUGFyZW50U3R5bGUiOm51bGx9LCJBdXRvU2l6ZSI6MCwiRm9yZWdyb3VuZCI6eyIkaWQiOiIzMDUiLCJDb2xvciI6eyIkaWQiOiIzMDYiLCJBIjoyNTUsIlIiOjAsIkciOjAsIkIiOjB9fSwiTWF4V2lkdGgiOjIwMC4wLCJNYXhIZWlnaHQiOiJJbmZpbml0eSIsIlNtYXJ0Rm9yZWdyb3VuZElzQWN0aXZlIjpmYWxzZSwiSG9yaXpvbnRhbEFsaWdubWVudCI6MSwiVmVydGljYWxBbGlnbm1lbnQiOjAsIlNtYXJ0Rm9yZWdyb3VuZCI6bnVsbCwiQmFja2dyb3VuZEZpbGxUeXBlIjowLCJNYXJnaW4iOnsiJHJlZiI6Ijk0In0sIlBhZGRpbmciOnsiJHJlZiI6Ijk1In0sIkJhY2tncm91bmQiOnsiJHJlZiI6Ijk2In0sIklzVmlzaWJsZSI6dHJ1ZSwiV2lkdGgiOjAuMCwiSGVpZ2h0IjowLjAsIkJvcmRlclN0eWxlIjp7IiRpZCI6IjMwNyIsIkxpbmVDb2xvciI6bnVsbCwiTGluZVdlaWdodCI6MC4wLCJMaW5lVHlwZSI6MCwiUGFyZW50U3R5bGUiOm51bGx9LCJQYXJlbnRTdHlsZSI6bnVsbH0sIkhvcml6b250YWxDb25uZWN0b3JTdHlsZSI6eyIkaWQiOiIzMDgiLCJMaW5lQ29sb3IiOnsiJHJlZiI6Ijk4In0sIkxpbmVXZWlnaHQiOjEuMCwiTGluZVR5cGUiOjAsIlBhcmVudFN0eWxlIjpudWxsfSwiVmVydGljYWxDb25uZWN0b3JTdHlsZSI6eyIkaWQiOiIzMDkiLCJMaW5lQ29sb3IiOnsiJHJlZiI6IjEwMSJ9LCJMaW5lV2VpZ2h0IjowLjAsIkxpbmVUeXBlIjowLCJQYXJlbnRTdHlsZSI6bnVsbH0sIk1hcmdpbiI6bnVsbCwiU3RhcnREYXRlUG9zaXRpb24iOjMsIkVuZERhdGVQb3NpdGlvbiI6NCwiRGF0ZUlzVmlzaWJsZSI6dHJ1ZSwiVGl0bGVQb3NpdGlvbiI6NSwiRHVyYXRpb25Qb3NpdGlvbiI6MiwiUGVyY2VudGFnZUNvbXBsZXRlZFBvc2l0aW9uIjo2LCJTcGFjaW5nIjoxMCwiSXNCZWxvd1RpbWViYW5kIjpmYWxzZSwiUGVyY2VudGFnZUNvbXBsZXRlU2hhcGVPcGFjaXR5IjozNSwiU2hhcGVTdHlsZSI6eyIkaWQiOiIzMTAiLCJNYXJnaW4iOnsiJHJlZiI6IjEwNCJ9LCJQYWRkaW5nIjp7IiRyZWYiOiIxMDUifSwiQmFja2dyb3VuZCI6eyIkaWQiOiIzMTEiLCJDb2xvciI6eyIkaWQiOiIzMTIiLCJBIjoyNTUsIlIiOjkxLCJHIjoxNTUsIkIiOjIxM319LCJJc1Zpc2libGUiOnRydWUsIldpZHRoIjowLjAsIkhlaWdodCI6MTYuMCwiQm9yZGVyU3R5bGUiOnsiJGlkIjoiMzEzIiwiTGluZUNvbG9yIjp7IiRyZWYiOiIxMDkifSwiTGluZVdlaWdodCI6MC4wLCJMaW5lVHlwZSI6MCwiUGFyZW50U3R5bGUiOm51bGx9LCJQYXJlbnRTdHlsZSI6bnVsbH0sIlRpdGxlU3R5bGUiOnsiJGlkIjoiMzE0IiwiRm9udFNldHRpbmdzIjp7IiRpZCI6IjMxNSIsIkZvbnRTaXplIjoxMiwiRm9udE5hbWUiOiJUaW1lcyBOZXcgUm9tYW4iLCJJc0JvbGQiOmZhbHNlLCJJc0l0YWxpYyI6ZmFsc2UsIklzVW5kZXJsaW5lZCI6ZmFsc2UsIlBhcmVudFN0eWxlIjpudWxsfSwiQXV0b1NpemUiOjAsIkZvcmVncm91bmQiOnsiJGlkIjoiMzE2IiwiQ29sb3IiOnsiJGlkIjoiMzE3IiwiQSI6MjU1LCJSIjowLCJHIjowLCJCIjowfX0sIk1heFdpZHRoIjo3MjAuMCwiTWF4SGVpZ2h0IjoiSW5maW5pdHkiLCJTbWFydEZvcmVncm91bmRJc0FjdGl2ZSI6ZmFsc2UsIkhvcml6b250YWxBbGlnbm1lbnQiOjAsIlZlcnRpY2FsQWxpZ25tZW50IjowLCJTbWFydEZvcmVncm91bmQiOm51bGwsIkJhY2tncm91bmRGaWxsVHlwZSI6MCwiTWFyZ2luIjp7IiRyZWYiOiIxMTUifSwiUGFkZGluZyI6eyIkcmVmIjoiMTE2In0sIkJhY2tncm91bmQiOnsiJHJlZiI6IjExNyJ9LCJJc1Zpc2libGUiOnRydWUsIldpZHRoIjowLjAsIkhlaWdodCI6MC4wLCJCb3JkZXJTdHlsZSI6eyIkaWQiOiIzMTgiLCJMaW5lQ29sb3IiOm51bGwsIkxpbmVXZWlnaHQiOjAuMCwiTGluZVR5cGUiOjAsIlBhcmVudFN0eWxlIjpudWxsfSwiUGFyZW50U3R5bGUiOm51bGx9LCJEYXRlU3R5bGUiOnsiJGlkIjoiMzE5IiwiRm9udFNldHRpbmdzIjp7IiRpZCI6IjMyMCIsIkZvbnRTaXplIjoxMCwiRm9udE5hbWUiOiJDYWxpYnJpIiwiSXNCb2xkIjpmYWxzZSwiSXNJdGFsaWMiOmZhbHNlLCJJc1VuZGVybGluZWQiOmZhbHNlLCJQYXJlbnRTdHlsZSI6bnVsbH0sIkF1dG9TaXplIjowLCJGb3JlZ3JvdW5kIjp7IiRpZCI6IjMyMSIsIkNvbG9yIjp7IiRpZCI6IjMyMiIsIkEiOjI1NSwiUiI6MCwiRyI6MCwiQiI6MH19LCJNYXhXaWR0aCI6MjAwLjAsIk1heEhlaWdodCI6IkluZmluaXR5IiwiU21hcnRGb3JlZ3JvdW5kSXNBY3RpdmUiOmZhbHNlLCJIb3Jpem9udGFsQWxpZ25tZW50IjoxLCJWZXJ0aWNhbEFsaWdubWVudCI6MCwiU21hcnRGb3JlZ3JvdW5kIjpudWxsLCJCYWNrZ3JvdW5kRmlsbFR5cGUiOjAsIk1hcmdpbiI6eyIkcmVmIjoiMTIyIn0sIlBhZGRpbmciOnsiJHJlZiI6IjEyMyJ9LCJCYWNrZ3JvdW5kIjp7IiRyZWYiOiIxMjQifSwiSXNWaXNpYmxlIjp0cnVlLCJXaWR0aCI6MC4wLCJIZWlnaHQiOjAuMCwiQm9yZGVyU3R5bGUiOnsiJGlkIjoiMzIzIiwiTGluZUNvbG9yIjpudWxsLCJMaW5lV2VpZ2h0IjowLjAsIkxpbmVUeXBlIjowLCJQYXJlbnRTdHlsZSI6bnVsbH0sIlBhcmVudFN0eWxlIjpudWxsfSwiRGF0ZUZvcm1hdCI6eyIkcmVmIjoiMTI1In0sIklzVmlzaWJsZSI6dHJ1ZSwiUGFyZW50U3R5bGUiOm51bGx9LCJJbmRleCI6NSwiU21hcnREdXJhdGlvbkFjdGl2YXRlZCI6ZmFsc2UsIkRhdGVGb3JtYXQiOnsiJHJlZiI6IjEyNSJ9LCJJZCI6IjAyYmNkNjQzLWY4NzUtNGEzNS1hNWJiLTE5YWFiMmZmZDMyMSIsIkltcG9ydElkIjpudWxsLCJUaXRsZSI6IkJhY2sgLSBFbmQgQ29kaW5nIChQYXJ0IC0yKSAoSGVsZCBhbiBFbGVjdGlvbiBPbmxpbmUpIiwiTm90ZSI6bnVsbCwiSHlwZXJsaW5rIjp7IiRpZCI6IjMyNCIsIkFkZHJlc3MiOiIiLCJTdWJBZGRyZXNzIjoiIn0sIklzQ2hhbmdlZCI6ZmFsc2UsIklzTmV3IjpmYWxzZX0seyIkaWQiOiIzMjUiLCJHcm91cE5hbWUiOm51bGwsIlN0YXJ0RGF0ZSI6IjIwMjEtMDQtMTBUMDA6MDA6MDBaIiwiRW5kRGF0ZSI6IjIwMjEtMDQtMTZUMjM6NTk6MDBaIiwiUGVyY2VudGFnZUNvbXBsZXRlIjpudWxsLCJTdHlsZSI6eyIkaWQiOiIzMjYiLCJTaGFwZSI6MywiU2hhcGVUaGlja25lc3MiOjEsIkR1cmF0aW9uRm9ybWF0IjowLCJJbmNsdWRlTm9uV29ya2luZ0RheXNJbkR1cmF0aW9uIjpmYWxzZSwiUGVyY2VudGFnZUNvbXBsZXRlU3R5bGUiOnsiJGlkIjoiMzI3IiwiRm9udFNldHRpbmdzIjp7IiRpZCI6IjMyOCIsIkZvbnRTaXplIjoxMCwiRm9udE5hbWUiOiJDYWxpYnJpIiwiSXNCb2xkIjpmYWxzZSwiSXNJdGFsaWMiOmZhbHNlLCJJc1VuZGVybGluZWQiOmZhbHNlLCJQYXJlbnRTdHlsZSI6bnVsbH0sIkF1dG9TaXplIjowLCJGb3JlZ3JvdW5kIjp7IiRyZWYiOiI4NSJ9LCJNYXhXaWR0aCI6MjAwLjAsIk1heEhlaWdodCI6IkluZmluaXR5IiwiU21hcnRGb3JlZ3JvdW5kSXNBY3RpdmUiOmZhbHNlLCJIb3Jpem9udGFsQWxpZ25tZW50IjowLCJWZXJ0aWNhbEFsaWdubWVudCI6MCwiU21hcnRGb3JlZ3JvdW5kIjpudWxsLCJCYWNrZ3JvdW5kRmlsbFR5cGUiOjAsIk1hcmdpbiI6eyIkcmVmIjoiODcifSwiUGFkZGluZyI6eyIkcmVmIjoiODgifSwiQmFja2dyb3VuZCI6eyIkcmVmIjoiODkifSwiSXNWaXNpYmxlIjp0cnVlLCJXaWR0aCI6MC4wLCJIZWlnaHQiOjAuMCwiQm9yZGVyU3R5bGUiOnsiJGlkIjoiMzI5IiwiTGluZUNvbG9yIjpudWxsLCJMaW5lV2VpZ2h0IjowLjAsIkxpbmVUeXBlIjowLCJQYXJlbnRTdHlsZSI6bnVsbH0sIlBhcmVudFN0eWxlIjpudWxsfSwiRHVyYXRpb25TdHlsZSI6eyIkaWQiOiIzMzAiLCJGb250U2V0dGluZ3MiOnsiJGlkIjoiMzMxIiwiRm9udFNpemUiOjEwLCJGb250TmFtZSI6IkNhbGlicmkiLCJJc0JvbGQiOmZhbHNlLCJJc0l0YWxpYyI6ZmFsc2UsIklzVW5kZXJsaW5lZCI6ZmFsc2UsIlBhcmVudFN0eWxlIjpudWxsfSwiQXV0b1NpemUiOjAsIkZvcmVncm91bmQiOnsiJGlkIjoiMzMyIiwiQ29sb3IiOnsiJGlkIjoiMzMzIiwiQSI6MjU1LCJSIjowLCJHIjowLCJCIjowfX0sIk1heFdpZHRoIjoyMDAuMCwiTWF4SGVpZ2h0IjoiSW5maW5pdHkiLCJTbWFydEZvcmVncm91bmRJc0FjdGl2ZSI6ZmFsc2UsIkhvcml6b250YWxBbGlnbm1lbnQiOjEsIlZlcnRpY2FsQWxpZ25tZW50IjowLCJTbWFydEZvcmVncm91bmQiOm51bGwsIkJhY2tncm91bmRGaWxsVHlwZSI6MCwiTWFyZ2luIjp7IiRyZWYiOiI5NCJ9LCJQYWRkaW5nIjp7IiRyZWYiOiI5NSJ9LCJCYWNrZ3JvdW5kIjp7IiRyZWYiOiI5NiJ9LCJJc1Zpc2libGUiOnRydWUsIldpZHRoIjowLjAsIkhlaWdodCI6MC4wLCJCb3JkZXJTdHlsZSI6eyIkaWQiOiIzMzQiLCJMaW5lQ29sb3IiOm51bGwsIkxpbmVXZWlnaHQiOjAuMCwiTGluZVR5cGUiOjAsIlBhcmVudFN0eWxlIjpudWxsfSwiUGFyZW50U3R5bGUiOm51bGx9LCJIb3Jpem9udGFsQ29ubmVjdG9yU3R5bGUiOnsiJGlkIjoiMzM1IiwiTGluZUNvbG9yIjp7IiRyZWYiOiI5OCJ9LCJMaW5lV2VpZ2h0IjoxLjAsIkxpbmVUeXBlIjowLCJQYXJlbnRTdHlsZSI6bnVsbH0sIlZlcnRpY2FsQ29ubmVjdG9yU3R5bGUiOnsiJGlkIjoiMzM2IiwiTGluZUNvbG9yIjp7IiRyZWYiOiIxMDEifSwiTGluZVdlaWdodCI6MC4wLCJMaW5lVHlwZSI6MCwiUGFyZW50U3R5bGUiOm51bGx9LCJNYXJnaW4iOm51bGwsIlN0YXJ0RGF0ZVBvc2l0aW9uIjozLCJFbmREYXRlUG9zaXRpb24iOjQsIkRhdGVJc1Zpc2libGUiOnRydWUsIlRpdGxlUG9zaXRpb24iOjUsIkR1cmF0aW9uUG9zaXRpb24iOjIsIlBlcmNlbnRhZ2VDb21wbGV0ZWRQb3NpdGlvbiI6NiwiU3BhY2luZyI6MTAsIklzQmVsb3dUaW1lYmFuZCI6ZmFsc2UsIlBlcmNlbnRhZ2VDb21wbGV0ZVNoYXBlT3BhY2l0eSI6MzUsIlNoYXBlU3R5bGUiOnsiJGlkIjoiMzM3IiwiTWFyZ2luIjp7IiRyZWYiOiIxMDQifSwiUGFkZGluZyI6eyIkcmVmIjoiMTA1In0sIkJhY2tncm91bmQiOnsiJGlkIjoiMzM4IiwiQ29sb3IiOnsiJGlkIjoiMzM5IiwiQSI6MjU1LCJSIjo5MSwiRyI6MTU1LCJCIjoyMTN9fSwiSXNWaXNpYmxlIjp0cnVlLCJXaWR0aCI6MC4wLCJIZWlnaHQiOjE2LjAsIkJvcmRlclN0eWxlIjp7IiRpZCI6IjM0MCIsIkxpbmVDb2xvciI6eyIkcmVmIjoiMTA5In0sIkxpbmVXZWlnaHQiOjAuMCwiTGluZVR5cGUiOjAsIlBhcmVudFN0eWxlIjpudWxsfSwiUGFyZW50U3R5bGUiOm51bGx9LCJUaXRsZVN0eWxlIjp7IiRpZCI6IjM0MSIsIkZvbnRTZXR0aW5ncyI6eyIkaWQiOiIzNDIiLCJGb250U2l6ZSI6MTIsIkZvbnROYW1lIjoiVGltZXMgTmV3IFJvbWFuIiwiSXNCb2xkIjpmYWxzZSwiSXNJdGFsaWMiOmZhbHNlLCJJc1VuZGVybGluZWQiOmZhbHNlLCJQYXJlbnRTdHlsZSI6bnVsbH0sIkF1dG9TaXplIjowLCJGb3JlZ3JvdW5kIjp7IiRpZCI6IjM0MyIsIkNvbG9yIjp7IiRpZCI6IjM0NCIsIkEiOjI1NSwiUiI6MCwiRyI6MCwiQiI6MH19LCJNYXhXaWR0aCI6NzIwLjAsIk1heEhlaWdodCI6IkluZmluaXR5IiwiU21hcnRGb3JlZ3JvdW5kSXNBY3RpdmUiOmZhbHNlLCJIb3Jpem9udGFsQWxpZ25tZW50IjowLCJWZXJ0aWNhbEFsaWdubWVudCI6MCwiU21hcnRGb3JlZ3JvdW5kIjpudWxsLCJCYWNrZ3JvdW5kRmlsbFR5cGUiOjAsIk1hcmdpbiI6eyIkcmVmIjoiMTE1In0sIlBhZGRpbmciOnsiJHJlZiI6IjExNiJ9LCJCYWNrZ3JvdW5kIjp7IiRyZWYiOiIxMTcifSwiSXNWaXNpYmxlIjp0cnVlLCJXaWR0aCI6MC4wLCJIZWlnaHQiOjAuMCwiQm9yZGVyU3R5bGUiOnsiJGlkIjoiMzQ1IiwiTGluZUNvbG9yIjpudWxsLCJMaW5lV2VpZ2h0IjowLjAsIkxpbmVUeXBlIjowLCJQYXJlbnRTdHlsZSI6bnVsbH0sIlBhcmVudFN0eWxlIjpudWxsfSwiRGF0ZVN0eWxlIjp7IiRpZCI6IjM0NiIsIkZvbnRTZXR0aW5ncyI6eyIkaWQiOiIzNDciLCJGb250U2l6ZSI6MTAsIkZvbnROYW1lIjoiQ2FsaWJyaSIsIklzQm9sZCI6ZmFsc2UsIklzSXRhbGljIjpmYWxzZSwiSXNVbmRlcmxpbmVkIjpmYWxzZSwiUGFyZW50U3R5bGUiOm51bGx9LCJBdXRvU2l6ZSI6MCwiRm9yZWdyb3VuZCI6eyIkaWQiOiIzNDgiLCJDb2xvciI6eyIkaWQiOiIzNDkiLCJBIjoyNTUsIlIiOjAsIkciOjAsIkIiOjB9fSwiTWF4V2lkdGgiOjIwMC4wLCJNYXhIZWlnaHQiOiJJbmZpbml0eSIsIlNtYXJ0Rm9yZWdyb3VuZElzQWN0aXZlIjpmYWxzZSwiSG9yaXpvbnRhbEFsaWdubWVudCI6MSwiVmVydGljYWxBbGlnbm1lbnQiOjAsIlNtYXJ0Rm9yZWdyb3VuZCI6bnVsbCwiQmFja2dyb3VuZEZpbGxUeXBlIjowLCJNYXJnaW4iOnsiJHJlZiI6IjEyMiJ9LCJQYWRkaW5nIjp7IiRyZWYiOiIxMjMifSwiQmFja2dyb3VuZCI6eyIkcmVmIjoiMTI0In0sIklzVmlzaWJsZSI6dHJ1ZSwiV2lkdGgiOjAuMCwiSGVpZ2h0IjowLjAsIkJvcmRlclN0eWxlIjp7IiRpZCI6IjM1MCIsIkxpbmVDb2xvciI6bnVsbCwiTGluZVdlaWdodCI6MC4wLCJMaW5lVHlwZSI6MCwiUGFyZW50U3R5bGUiOm51bGx9LCJQYXJlbnRTdHlsZSI6bnVsbH0sIkRhdGVGb3JtYXQiOnsiJHJlZiI6IjEyNSJ9LCJJc1Zpc2libGUiOnRydWUsIlBhcmVudFN0eWxlIjpudWxsfSwiSW5kZXgiOjYsIlNtYXJ0RHVyYXRpb25BY3RpdmF0ZWQiOmZhbHNlLCJEYXRlRm9ybWF0Ijp7IiRyZWYiOiIxMjUifSwiSWQiOiJiZDBkNmVhYi02YjY1LTRjNDktOWI5Zi01ZDRiMDllYTJhZTUiLCJJbXBvcnRJZCI6bnVsbCwiVGl0bGUiOiJGaW5zaWhpbmcgVG91Y2hlcyIsIk5vdGUiOm51bGwsIkh5cGVybGluayI6eyIkaWQiOiIzNTEiLCJBZGRyZXNzIjoiIiwiU3ViQWRkcmVzcyI6IiJ9LCJJc0NoYW5nZWQiOmZhbHNlLCJJc05ldyI6ZmFsc2V9XSwiU3dpbWxhbmVzIjpbXSwiTXNQcm9qZWN0SXRlbXNUcmVlIjp7IiRpZCI6IjM1MiIsIlJvb3QiOnsiSW1wb3J0SWQiOm51bGwsIklzSW1wb3J0ZWQiOmZhbHNlLCJDaGlsZHJlbiI6W119fSwiTWV0YWRhdGEiOnsiJGlkIjoiMzUzIiwiUmVjZW50Q29sb3JzQ29sbGVjdGlvbiI6IltcIiNGRjVCOUJENVwiLFwiI0ZGNzBBRDQ3XCIsXCIjRkYxQUFBNDJcIixcIiNGRkVEN0QzMVwiLFwiI0ZGRkZDMDAwXCIsXCIjRkZDMzJEMkVcIixcIiNGRjZGMzE5OFwiLFwiI0ZGQTVBNUE1XCJdIn0sIlNldHRpbmdzIjp7IiRpZCI6IjM1NCIsIkltcGFPcHRpb25zIjp7IiRpZCI6IjM1NSIsIkxlZnRUb1JpZ2h0IjpmYWxzZSwiUGF5bG9hZE9wdGlvbnMiOjJ9LCJVc2VDb21wcmVzc2lvbiI6ZmFsc2UsIkNvbXByZXNpb25QZXJjZW50YWdlIjo1MC4wLCJJbmFjdGl2ZUludGVydmFsV2lkdGhUaHJlc2hvbGQiOjMwLjAsIkluYWN0aXZlSW50ZXJ2YWxXaWR0aCI6MS4wLCJTcGxpdFRhc2tzIjpmYWxzZSwiVXNlQ2x1c3RlciI6ZmFsc2UsIkVwc2lsb24iOjUuMCwiTWluUG9pbnRzVG9Gb3JtQUNsdXN0ZXIiOjIsIkdlbmVyYXRlSW52aXNpYmxlU2hhcGVzIjpmYWxzZSwiU21hcnRUaW1lbGluZVRhc2tQZXJjZW50YWdlRml0IjpmYWxzZX0sIklzTmV3IjpmYWxzZSwiSW1wb3J0VHlwZSI6MCwiRmlsZVBhdGgiOm51bGwsIlRpbWVDb25maWd1cmF0aW9uIjp7IiRpZCI6IjM1NiIsIlVzZVRpbWUiOmZhbHNlLCJXb3JrRGF5U3RhcnQiOiIwMDowMDowMCIsIldvcmtEYXlFbmQiOiIyMzo1OTowMCJ9LCJMYXN0VXNlZFRlbXBsYXRlSWQiOiI2MjdiY2FkZi0zOWFiLTQ0ZGQtODMzOS1jMzNmMmQxM2I5OWQifQ=="/>
   <p:tag name="__MASTER" val="__part_0"/>
 </p:tagLst>
 </file>
@@ -10485,6 +10533,12 @@
 </file>
 
 <file path=ppt/tags/tag76.xml><?xml version="1.0" encoding="utf-8"?>
+<p:tagLst xmlns:a="http://schemas.openxmlformats.org/drawingml/2006/main" xmlns:r="http://schemas.openxmlformats.org/officeDocument/2006/relationships" xmlns:p="http://schemas.openxmlformats.org/presentationml/2006/main">
+  <p:tag name="OTLMARKERSHAPE" val="OTL"/>
+</p:tagLst>
+</file>
+
+<file path=ppt/tags/tag77.xml><?xml version="1.0" encoding="utf-8"?>
 <p:tagLst xmlns:a="http://schemas.openxmlformats.org/drawingml/2006/main" xmlns:r="http://schemas.openxmlformats.org/officeDocument/2006/relationships" xmlns:p="http://schemas.openxmlformats.org/presentationml/2006/main">
   <p:tag name="OTLMARKERSHAPE" val="OTL"/>
 </p:tagLst>
